--- a/tutorials/presentations/Lecture5.pptx
+++ b/tutorials/presentations/Lecture5.pptx
@@ -8,10 +8,13 @@
     <p:sldId id="256" r:id="rId2"/>
     <p:sldId id="257" r:id="rId3"/>
     <p:sldId id="258" r:id="rId4"/>
-    <p:sldId id="265" r:id="rId5"/>
-    <p:sldId id="266" r:id="rId6"/>
-    <p:sldId id="261" r:id="rId7"/>
-    <p:sldId id="263" r:id="rId8"/>
+    <p:sldId id="264" r:id="rId5"/>
+    <p:sldId id="274" r:id="rId6"/>
+    <p:sldId id="268" r:id="rId7"/>
+    <p:sldId id="271" r:id="rId8"/>
+    <p:sldId id="275" r:id="rId9"/>
+    <p:sldId id="276" r:id="rId10"/>
+    <p:sldId id="263" r:id="rId11"/>
   </p:sldIdLst>
   <p:sldSz cx="12192000" cy="6858000"/>
   <p:notesSz cx="6858000" cy="9144000"/>
@@ -121,16 +124,677 @@
 <file path=ppt/revisionInfo.xml><?xml version="1.0" encoding="utf-8"?>
 <p1510:revInfo xmlns:a="http://schemas.openxmlformats.org/drawingml/2006/main" xmlns:r="http://schemas.openxmlformats.org/officeDocument/2006/relationships" xmlns:p1510="http://schemas.microsoft.com/office/powerpoint/2015/10/main">
   <p1510:revLst>
-    <p1510:client id="{2A4F3FF4-B48F-4BF2-8996-C16EAC4E46EE}" v="11" dt="2025-06-10T11:18:53.831"/>
-    <p1510:client id="{396263FC-BA5A-446B-8FBA-B9B8363490D3}" v="8" dt="2025-06-10T12:19:58.709"/>
-    <p1510:client id="{78C1D944-C5E2-4D33-BE3A-5C243E175D98}" v="22" dt="2025-06-10T10:39:16.928"/>
-    <p1510:client id="{B204C6DB-D499-4973-8E04-3A79F73ABFFA}" v="8" dt="2025-06-10T12:01:26.867"/>
+    <p1510:client id="{4E3DAEEB-26E7-4233-9790-448007061F33}" v="9" dt="2025-06-11T12:10:05.662"/>
+    <p1510:client id="{5E7C3CBE-C13F-479A-83E0-3A9F66E33821}" v="10" dt="2025-06-11T11:56:29.601"/>
   </p1510:revLst>
 </p1510:revInfo>
 </file>
 
 <file path=ppt/changesInfos/changesInfo1.xml><?xml version="1.0" encoding="utf-8"?>
 <pc:chgInfo xmlns:a="http://schemas.openxmlformats.org/drawingml/2006/main" xmlns:r="http://schemas.openxmlformats.org/officeDocument/2006/relationships" xmlns:ac="http://schemas.microsoft.com/office/drawing/2013/main/command" xmlns:pc="http://schemas.microsoft.com/office/powerpoint/2013/main/command">
+  <pc:docChgLst>
+    <pc:chgData name="Ben Jones (Ben Jones)" userId="e6e8a0f3-34fe-4d14-b7ab-3a9f1769fff2" providerId="ADAL" clId="{4E3DAEEB-26E7-4233-9790-448007061F33}"/>
+    <pc:docChg chg="custSel addSld delSld modSld">
+      <pc:chgData name="Ben Jones (Ben Jones)" userId="e6e8a0f3-34fe-4d14-b7ab-3a9f1769fff2" providerId="ADAL" clId="{4E3DAEEB-26E7-4233-9790-448007061F33}" dt="2025-06-11T12:13:23.611" v="323" actId="20577"/>
+      <pc:docMkLst>
+        <pc:docMk/>
+      </pc:docMkLst>
+      <pc:sldChg chg="modSp mod">
+        <pc:chgData name="Ben Jones (Ben Jones)" userId="e6e8a0f3-34fe-4d14-b7ab-3a9f1769fff2" providerId="ADAL" clId="{4E3DAEEB-26E7-4233-9790-448007061F33}" dt="2025-06-11T12:13:23.611" v="323" actId="20577"/>
+        <pc:sldMkLst>
+          <pc:docMk/>
+          <pc:sldMk cId="3635014069" sldId="258"/>
+        </pc:sldMkLst>
+        <pc:spChg chg="mod">
+          <ac:chgData name="Ben Jones (Ben Jones)" userId="e6e8a0f3-34fe-4d14-b7ab-3a9f1769fff2" providerId="ADAL" clId="{4E3DAEEB-26E7-4233-9790-448007061F33}" dt="2025-06-11T12:13:23.611" v="323" actId="20577"/>
+          <ac:spMkLst>
+            <pc:docMk/>
+            <pc:sldMk cId="3635014069" sldId="258"/>
+            <ac:spMk id="6" creationId="{1E0B453A-CD21-CEA9-19F5-A9097CDD28B8}"/>
+          </ac:spMkLst>
+        </pc:spChg>
+      </pc:sldChg>
+      <pc:sldChg chg="modSp mod">
+        <pc:chgData name="Ben Jones (Ben Jones)" userId="e6e8a0f3-34fe-4d14-b7ab-3a9f1769fff2" providerId="ADAL" clId="{4E3DAEEB-26E7-4233-9790-448007061F33}" dt="2025-06-11T12:11:26.521" v="275" actId="20577"/>
+        <pc:sldMkLst>
+          <pc:docMk/>
+          <pc:sldMk cId="1175822862" sldId="263"/>
+        </pc:sldMkLst>
+        <pc:spChg chg="mod">
+          <ac:chgData name="Ben Jones (Ben Jones)" userId="e6e8a0f3-34fe-4d14-b7ab-3a9f1769fff2" providerId="ADAL" clId="{4E3DAEEB-26E7-4233-9790-448007061F33}" dt="2025-06-11T12:10:44.990" v="259" actId="20577"/>
+          <ac:spMkLst>
+            <pc:docMk/>
+            <pc:sldMk cId="1175822862" sldId="263"/>
+            <ac:spMk id="7" creationId="{56C6F239-F5E8-6417-880B-0B56CE59D207}"/>
+          </ac:spMkLst>
+        </pc:spChg>
+        <pc:spChg chg="mod">
+          <ac:chgData name="Ben Jones (Ben Jones)" userId="e6e8a0f3-34fe-4d14-b7ab-3a9f1769fff2" providerId="ADAL" clId="{4E3DAEEB-26E7-4233-9790-448007061F33}" dt="2025-06-11T12:11:26.521" v="275" actId="20577"/>
+          <ac:spMkLst>
+            <pc:docMk/>
+            <pc:sldMk cId="1175822862" sldId="263"/>
+            <ac:spMk id="8" creationId="{A8D1847C-4AD3-1D2C-43B8-828394D9FF0E}"/>
+          </ac:spMkLst>
+        </pc:spChg>
+      </pc:sldChg>
+      <pc:sldChg chg="modSp mod">
+        <pc:chgData name="Ben Jones (Ben Jones)" userId="e6e8a0f3-34fe-4d14-b7ab-3a9f1769fff2" providerId="ADAL" clId="{4E3DAEEB-26E7-4233-9790-448007061F33}" dt="2025-06-11T12:02:23.382" v="44" actId="20577"/>
+        <pc:sldMkLst>
+          <pc:docMk/>
+          <pc:sldMk cId="549990195" sldId="264"/>
+        </pc:sldMkLst>
+        <pc:spChg chg="mod">
+          <ac:chgData name="Ben Jones (Ben Jones)" userId="e6e8a0f3-34fe-4d14-b7ab-3a9f1769fff2" providerId="ADAL" clId="{4E3DAEEB-26E7-4233-9790-448007061F33}" dt="2025-06-11T12:02:23.382" v="44" actId="20577"/>
+          <ac:spMkLst>
+            <pc:docMk/>
+            <pc:sldMk cId="549990195" sldId="264"/>
+            <ac:spMk id="10" creationId="{400FA594-97CE-8BD3-D0B0-58075BCDEA2F}"/>
+          </ac:spMkLst>
+        </pc:spChg>
+        <pc:picChg chg="mod">
+          <ac:chgData name="Ben Jones (Ben Jones)" userId="e6e8a0f3-34fe-4d14-b7ab-3a9f1769fff2" providerId="ADAL" clId="{4E3DAEEB-26E7-4233-9790-448007061F33}" dt="2025-06-11T12:01:41.399" v="23" actId="14826"/>
+          <ac:picMkLst>
+            <pc:docMk/>
+            <pc:sldMk cId="549990195" sldId="264"/>
+            <ac:picMk id="3" creationId="{0A4946D7-D489-5D8A-F199-89C94DED1838}"/>
+          </ac:picMkLst>
+        </pc:picChg>
+      </pc:sldChg>
+      <pc:sldChg chg="del">
+        <pc:chgData name="Ben Jones (Ben Jones)" userId="e6e8a0f3-34fe-4d14-b7ab-3a9f1769fff2" providerId="ADAL" clId="{4E3DAEEB-26E7-4233-9790-448007061F33}" dt="2025-06-11T12:11:33.773" v="276" actId="2696"/>
+        <pc:sldMkLst>
+          <pc:docMk/>
+          <pc:sldMk cId="525501252" sldId="267"/>
+        </pc:sldMkLst>
+      </pc:sldChg>
+      <pc:sldChg chg="modSp mod">
+        <pc:chgData name="Ben Jones (Ben Jones)" userId="e6e8a0f3-34fe-4d14-b7ab-3a9f1769fff2" providerId="ADAL" clId="{4E3DAEEB-26E7-4233-9790-448007061F33}" dt="2025-06-11T12:05:38.035" v="130"/>
+        <pc:sldMkLst>
+          <pc:docMk/>
+          <pc:sldMk cId="4286823996" sldId="268"/>
+        </pc:sldMkLst>
+        <pc:spChg chg="mod">
+          <ac:chgData name="Ben Jones (Ben Jones)" userId="e6e8a0f3-34fe-4d14-b7ab-3a9f1769fff2" providerId="ADAL" clId="{4E3DAEEB-26E7-4233-9790-448007061F33}" dt="2025-06-11T12:05:38.035" v="130"/>
+          <ac:spMkLst>
+            <pc:docMk/>
+            <pc:sldMk cId="4286823996" sldId="268"/>
+            <ac:spMk id="2" creationId="{1014C040-0011-B132-BBB4-963A422BA42C}"/>
+          </ac:spMkLst>
+        </pc:spChg>
+        <pc:spChg chg="mod">
+          <ac:chgData name="Ben Jones (Ben Jones)" userId="e6e8a0f3-34fe-4d14-b7ab-3a9f1769fff2" providerId="ADAL" clId="{4E3DAEEB-26E7-4233-9790-448007061F33}" dt="2025-06-11T12:03:31.364" v="72" actId="2711"/>
+          <ac:spMkLst>
+            <pc:docMk/>
+            <pc:sldMk cId="4286823996" sldId="268"/>
+            <ac:spMk id="3" creationId="{10BF6715-B6F1-BE80-23EB-752BDCA181D5}"/>
+          </ac:spMkLst>
+        </pc:spChg>
+      </pc:sldChg>
+      <pc:sldChg chg="del">
+        <pc:chgData name="Ben Jones (Ben Jones)" userId="e6e8a0f3-34fe-4d14-b7ab-3a9f1769fff2" providerId="ADAL" clId="{4E3DAEEB-26E7-4233-9790-448007061F33}" dt="2025-06-11T12:06:21.823" v="132" actId="2696"/>
+        <pc:sldMkLst>
+          <pc:docMk/>
+          <pc:sldMk cId="3357493407" sldId="270"/>
+        </pc:sldMkLst>
+      </pc:sldChg>
+      <pc:sldChg chg="modSp mod">
+        <pc:chgData name="Ben Jones (Ben Jones)" userId="e6e8a0f3-34fe-4d14-b7ab-3a9f1769fff2" providerId="ADAL" clId="{4E3DAEEB-26E7-4233-9790-448007061F33}" dt="2025-06-11T12:10:27.294" v="240" actId="255"/>
+        <pc:sldMkLst>
+          <pc:docMk/>
+          <pc:sldMk cId="3935255901" sldId="271"/>
+        </pc:sldMkLst>
+        <pc:spChg chg="mod">
+          <ac:chgData name="Ben Jones (Ben Jones)" userId="e6e8a0f3-34fe-4d14-b7ab-3a9f1769fff2" providerId="ADAL" clId="{4E3DAEEB-26E7-4233-9790-448007061F33}" dt="2025-06-11T12:06:37.750" v="158" actId="6549"/>
+          <ac:spMkLst>
+            <pc:docMk/>
+            <pc:sldMk cId="3935255901" sldId="271"/>
+            <ac:spMk id="2" creationId="{2227B6A9-C82E-2DD9-7DB3-45D6EA88C8A3}"/>
+          </ac:spMkLst>
+        </pc:spChg>
+        <pc:spChg chg="mod">
+          <ac:chgData name="Ben Jones (Ben Jones)" userId="e6e8a0f3-34fe-4d14-b7ab-3a9f1769fff2" providerId="ADAL" clId="{4E3DAEEB-26E7-4233-9790-448007061F33}" dt="2025-06-11T12:10:27.294" v="240" actId="255"/>
+          <ac:spMkLst>
+            <pc:docMk/>
+            <pc:sldMk cId="3935255901" sldId="271"/>
+            <ac:spMk id="3" creationId="{86FA9FFB-5055-BFCD-164D-DE40409E9218}"/>
+          </ac:spMkLst>
+        </pc:spChg>
+      </pc:sldChg>
+      <pc:sldChg chg="del">
+        <pc:chgData name="Ben Jones (Ben Jones)" userId="e6e8a0f3-34fe-4d14-b7ab-3a9f1769fff2" providerId="ADAL" clId="{4E3DAEEB-26E7-4233-9790-448007061F33}" dt="2025-06-11T12:08:21.094" v="195" actId="47"/>
+        <pc:sldMkLst>
+          <pc:docMk/>
+          <pc:sldMk cId="3954115330" sldId="272"/>
+        </pc:sldMkLst>
+      </pc:sldChg>
+      <pc:sldChg chg="del">
+        <pc:chgData name="Ben Jones (Ben Jones)" userId="e6e8a0f3-34fe-4d14-b7ab-3a9f1769fff2" providerId="ADAL" clId="{4E3DAEEB-26E7-4233-9790-448007061F33}" dt="2025-06-11T12:08:21.094" v="195" actId="47"/>
+        <pc:sldMkLst>
+          <pc:docMk/>
+          <pc:sldMk cId="3561427741" sldId="273"/>
+        </pc:sldMkLst>
+      </pc:sldChg>
+      <pc:sldChg chg="modSp add mod">
+        <pc:chgData name="Ben Jones (Ben Jones)" userId="e6e8a0f3-34fe-4d14-b7ab-3a9f1769fff2" providerId="ADAL" clId="{4E3DAEEB-26E7-4233-9790-448007061F33}" dt="2025-06-11T12:04:21.560" v="129" actId="255"/>
+        <pc:sldMkLst>
+          <pc:docMk/>
+          <pc:sldMk cId="337397789" sldId="274"/>
+        </pc:sldMkLst>
+        <pc:spChg chg="mod">
+          <ac:chgData name="Ben Jones (Ben Jones)" userId="e6e8a0f3-34fe-4d14-b7ab-3a9f1769fff2" providerId="ADAL" clId="{4E3DAEEB-26E7-4233-9790-448007061F33}" dt="2025-06-11T12:04:07.723" v="125" actId="20577"/>
+          <ac:spMkLst>
+            <pc:docMk/>
+            <pc:sldMk cId="337397789" sldId="274"/>
+            <ac:spMk id="2" creationId="{D18D2D32-A005-B20F-DA8D-80027CE79E5D}"/>
+          </ac:spMkLst>
+        </pc:spChg>
+        <pc:spChg chg="mod">
+          <ac:chgData name="Ben Jones (Ben Jones)" userId="e6e8a0f3-34fe-4d14-b7ab-3a9f1769fff2" providerId="ADAL" clId="{4E3DAEEB-26E7-4233-9790-448007061F33}" dt="2025-06-11T12:04:21.560" v="129" actId="255"/>
+          <ac:spMkLst>
+            <pc:docMk/>
+            <pc:sldMk cId="337397789" sldId="274"/>
+            <ac:spMk id="3" creationId="{89962FAA-EB9C-6464-7A8F-6201F658405A}"/>
+          </ac:spMkLst>
+        </pc:spChg>
+      </pc:sldChg>
+      <pc:sldChg chg="modSp add mod">
+        <pc:chgData name="Ben Jones (Ben Jones)" userId="e6e8a0f3-34fe-4d14-b7ab-3a9f1769fff2" providerId="ADAL" clId="{4E3DAEEB-26E7-4233-9790-448007061F33}" dt="2025-06-11T12:07:55.359" v="193" actId="255"/>
+        <pc:sldMkLst>
+          <pc:docMk/>
+          <pc:sldMk cId="250781987" sldId="275"/>
+        </pc:sldMkLst>
+        <pc:spChg chg="mod">
+          <ac:chgData name="Ben Jones (Ben Jones)" userId="e6e8a0f3-34fe-4d14-b7ab-3a9f1769fff2" providerId="ADAL" clId="{4E3DAEEB-26E7-4233-9790-448007061F33}" dt="2025-06-11T12:07:16.995" v="179" actId="20577"/>
+          <ac:spMkLst>
+            <pc:docMk/>
+            <pc:sldMk cId="250781987" sldId="275"/>
+            <ac:spMk id="2" creationId="{945CC631-8A7A-5AD9-25CF-B23FAF03354F}"/>
+          </ac:spMkLst>
+        </pc:spChg>
+        <pc:spChg chg="mod">
+          <ac:chgData name="Ben Jones (Ben Jones)" userId="e6e8a0f3-34fe-4d14-b7ab-3a9f1769fff2" providerId="ADAL" clId="{4E3DAEEB-26E7-4233-9790-448007061F33}" dt="2025-06-11T12:07:55.359" v="193" actId="255"/>
+          <ac:spMkLst>
+            <pc:docMk/>
+            <pc:sldMk cId="250781987" sldId="275"/>
+            <ac:spMk id="3" creationId="{12826928-41E1-99A3-29D9-208A25BF8B35}"/>
+          </ac:spMkLst>
+        </pc:spChg>
+      </pc:sldChg>
+      <pc:sldChg chg="modSp add mod">
+        <pc:chgData name="Ben Jones (Ben Jones)" userId="e6e8a0f3-34fe-4d14-b7ab-3a9f1769fff2" providerId="ADAL" clId="{4E3DAEEB-26E7-4233-9790-448007061F33}" dt="2025-06-11T12:09:23.164" v="218" actId="255"/>
+        <pc:sldMkLst>
+          <pc:docMk/>
+          <pc:sldMk cId="2318578117" sldId="276"/>
+        </pc:sldMkLst>
+        <pc:spChg chg="mod">
+          <ac:chgData name="Ben Jones (Ben Jones)" userId="e6e8a0f3-34fe-4d14-b7ab-3a9f1769fff2" providerId="ADAL" clId="{4E3DAEEB-26E7-4233-9790-448007061F33}" dt="2025-06-11T12:08:25.451" v="197" actId="20577"/>
+          <ac:spMkLst>
+            <pc:docMk/>
+            <pc:sldMk cId="2318578117" sldId="276"/>
+            <ac:spMk id="2" creationId="{CC5AB2E3-0264-0A28-D3E4-D79143C20C9B}"/>
+          </ac:spMkLst>
+        </pc:spChg>
+        <pc:spChg chg="mod">
+          <ac:chgData name="Ben Jones (Ben Jones)" userId="e6e8a0f3-34fe-4d14-b7ab-3a9f1769fff2" providerId="ADAL" clId="{4E3DAEEB-26E7-4233-9790-448007061F33}" dt="2025-06-11T12:09:23.164" v="218" actId="255"/>
+          <ac:spMkLst>
+            <pc:docMk/>
+            <pc:sldMk cId="2318578117" sldId="276"/>
+            <ac:spMk id="3" creationId="{1605187F-1C05-44CA-3DDB-B97C50F9CFB1}"/>
+          </ac:spMkLst>
+        </pc:spChg>
+      </pc:sldChg>
+    </pc:docChg>
+  </pc:docChgLst>
+  <pc:docChgLst>
+    <pc:chgData name="Ben Jones (Ben Jones)" userId="e6e8a0f3-34fe-4d14-b7ab-3a9f1769fff2" providerId="ADAL" clId="{78C1D944-C5E2-4D33-BE3A-5C243E175D98}"/>
+    <pc:docChg chg="undo custSel addSld modSld">
+      <pc:chgData name="Ben Jones (Ben Jones)" userId="e6e8a0f3-34fe-4d14-b7ab-3a9f1769fff2" providerId="ADAL" clId="{78C1D944-C5E2-4D33-BE3A-5C243E175D98}" dt="2025-06-10T10:39:40.222" v="850" actId="20577"/>
+      <pc:docMkLst>
+        <pc:docMk/>
+      </pc:docMkLst>
+      <pc:sldChg chg="addSp delSp modSp new mod modClrScheme chgLayout">
+        <pc:chgData name="Ben Jones (Ben Jones)" userId="e6e8a0f3-34fe-4d14-b7ab-3a9f1769fff2" providerId="ADAL" clId="{78C1D944-C5E2-4D33-BE3A-5C243E175D98}" dt="2025-06-10T10:18:29.456" v="9" actId="20577"/>
+        <pc:sldMkLst>
+          <pc:docMk/>
+          <pc:sldMk cId="3635014069" sldId="258"/>
+        </pc:sldMkLst>
+        <pc:spChg chg="del mod ord">
+          <ac:chgData name="Ben Jones (Ben Jones)" userId="e6e8a0f3-34fe-4d14-b7ab-3a9f1769fff2" providerId="ADAL" clId="{78C1D944-C5E2-4D33-BE3A-5C243E175D98}" dt="2025-06-10T10:18:22.469" v="1" actId="700"/>
+          <ac:spMkLst>
+            <pc:docMk/>
+            <pc:sldMk cId="3635014069" sldId="258"/>
+            <ac:spMk id="2" creationId="{433DCE4A-741B-0840-AB3D-6BCC0CF7A4DF}"/>
+          </ac:spMkLst>
+        </pc:spChg>
+        <pc:spChg chg="del mod ord">
+          <ac:chgData name="Ben Jones (Ben Jones)" userId="e6e8a0f3-34fe-4d14-b7ab-3a9f1769fff2" providerId="ADAL" clId="{78C1D944-C5E2-4D33-BE3A-5C243E175D98}" dt="2025-06-10T10:18:22.469" v="1" actId="700"/>
+          <ac:spMkLst>
+            <pc:docMk/>
+            <pc:sldMk cId="3635014069" sldId="258"/>
+            <ac:spMk id="3" creationId="{899E9525-4288-EB9D-AE0B-7E1D12803FCB}"/>
+          </ac:spMkLst>
+        </pc:spChg>
+        <pc:spChg chg="del">
+          <ac:chgData name="Ben Jones (Ben Jones)" userId="e6e8a0f3-34fe-4d14-b7ab-3a9f1769fff2" providerId="ADAL" clId="{78C1D944-C5E2-4D33-BE3A-5C243E175D98}" dt="2025-06-10T10:18:22.469" v="1" actId="700"/>
+          <ac:spMkLst>
+            <pc:docMk/>
+            <pc:sldMk cId="3635014069" sldId="258"/>
+            <ac:spMk id="4" creationId="{B4FF68E1-671A-D9B2-D9B2-431B35F8ED63}"/>
+          </ac:spMkLst>
+        </pc:spChg>
+        <pc:spChg chg="add mod ord">
+          <ac:chgData name="Ben Jones (Ben Jones)" userId="e6e8a0f3-34fe-4d14-b7ab-3a9f1769fff2" providerId="ADAL" clId="{78C1D944-C5E2-4D33-BE3A-5C243E175D98}" dt="2025-06-10T10:18:24.928" v="6" actId="20577"/>
+          <ac:spMkLst>
+            <pc:docMk/>
+            <pc:sldMk cId="3635014069" sldId="258"/>
+            <ac:spMk id="5" creationId="{3A179642-EA8A-3ADF-9E0E-56E7F6E9C340}"/>
+          </ac:spMkLst>
+        </pc:spChg>
+        <pc:spChg chg="add mod ord">
+          <ac:chgData name="Ben Jones (Ben Jones)" userId="e6e8a0f3-34fe-4d14-b7ab-3a9f1769fff2" providerId="ADAL" clId="{78C1D944-C5E2-4D33-BE3A-5C243E175D98}" dt="2025-06-10T10:18:29.456" v="9" actId="20577"/>
+          <ac:spMkLst>
+            <pc:docMk/>
+            <pc:sldMk cId="3635014069" sldId="258"/>
+            <ac:spMk id="6" creationId="{1E0B453A-CD21-CEA9-19F5-A9097CDD28B8}"/>
+          </ac:spMkLst>
+        </pc:spChg>
+      </pc:sldChg>
+      <pc:sldChg chg="addSp delSp modSp new mod modClrScheme chgLayout">
+        <pc:chgData name="Ben Jones (Ben Jones)" userId="e6e8a0f3-34fe-4d14-b7ab-3a9f1769fff2" providerId="ADAL" clId="{78C1D944-C5E2-4D33-BE3A-5C243E175D98}" dt="2025-06-10T10:26:42.249" v="156" actId="27636"/>
+        <pc:sldMkLst>
+          <pc:docMk/>
+          <pc:sldMk cId="3761732179" sldId="259"/>
+        </pc:sldMkLst>
+        <pc:spChg chg="del mod ord">
+          <ac:chgData name="Ben Jones (Ben Jones)" userId="e6e8a0f3-34fe-4d14-b7ab-3a9f1769fff2" providerId="ADAL" clId="{78C1D944-C5E2-4D33-BE3A-5C243E175D98}" dt="2025-06-10T10:20:37.666" v="11" actId="700"/>
+          <ac:spMkLst>
+            <pc:docMk/>
+            <pc:sldMk cId="3761732179" sldId="259"/>
+            <ac:spMk id="2" creationId="{6BC6F18A-50A0-5F01-FEAB-4F35D8C359A0}"/>
+          </ac:spMkLst>
+        </pc:spChg>
+        <pc:spChg chg="del mod ord">
+          <ac:chgData name="Ben Jones (Ben Jones)" userId="e6e8a0f3-34fe-4d14-b7ab-3a9f1769fff2" providerId="ADAL" clId="{78C1D944-C5E2-4D33-BE3A-5C243E175D98}" dt="2025-06-10T10:20:37.666" v="11" actId="700"/>
+          <ac:spMkLst>
+            <pc:docMk/>
+            <pc:sldMk cId="3761732179" sldId="259"/>
+            <ac:spMk id="3" creationId="{54CB68D8-3828-8D9F-5BA1-F26475E17F10}"/>
+          </ac:spMkLst>
+        </pc:spChg>
+        <pc:spChg chg="add mod ord">
+          <ac:chgData name="Ben Jones (Ben Jones)" userId="e6e8a0f3-34fe-4d14-b7ab-3a9f1769fff2" providerId="ADAL" clId="{78C1D944-C5E2-4D33-BE3A-5C243E175D98}" dt="2025-06-10T10:20:44.568" v="33" actId="20577"/>
+          <ac:spMkLst>
+            <pc:docMk/>
+            <pc:sldMk cId="3761732179" sldId="259"/>
+            <ac:spMk id="4" creationId="{34E858F3-6574-26AD-D895-9F4874EC3BF2}"/>
+          </ac:spMkLst>
+        </pc:spChg>
+        <pc:spChg chg="add del mod ord">
+          <ac:chgData name="Ben Jones (Ben Jones)" userId="e6e8a0f3-34fe-4d14-b7ab-3a9f1769fff2" providerId="ADAL" clId="{78C1D944-C5E2-4D33-BE3A-5C243E175D98}" dt="2025-06-10T10:22:49.706" v="130"/>
+          <ac:spMkLst>
+            <pc:docMk/>
+            <pc:sldMk cId="3761732179" sldId="259"/>
+            <ac:spMk id="5" creationId="{77DCFBFC-F0A8-F3A5-427B-4F924F194E43}"/>
+          </ac:spMkLst>
+        </pc:spChg>
+        <pc:spChg chg="add mod ord">
+          <ac:chgData name="Ben Jones (Ben Jones)" userId="e6e8a0f3-34fe-4d14-b7ab-3a9f1769fff2" providerId="ADAL" clId="{78C1D944-C5E2-4D33-BE3A-5C243E175D98}" dt="2025-06-10T10:26:42.249" v="156" actId="27636"/>
+          <ac:spMkLst>
+            <pc:docMk/>
+            <pc:sldMk cId="3761732179" sldId="259"/>
+            <ac:spMk id="6" creationId="{6922DC9A-D773-BD11-9F06-5446190100C7}"/>
+          </ac:spMkLst>
+        </pc:spChg>
+        <pc:picChg chg="add mod">
+          <ac:chgData name="Ben Jones (Ben Jones)" userId="e6e8a0f3-34fe-4d14-b7ab-3a9f1769fff2" providerId="ADAL" clId="{78C1D944-C5E2-4D33-BE3A-5C243E175D98}" dt="2025-06-10T10:22:53.604" v="131" actId="27614"/>
+          <ac:picMkLst>
+            <pc:docMk/>
+            <pc:sldMk cId="3761732179" sldId="259"/>
+            <ac:picMk id="8" creationId="{5026CB8D-2FD0-2434-C269-76F083701408}"/>
+          </ac:picMkLst>
+        </pc:picChg>
+      </pc:sldChg>
+      <pc:sldChg chg="addSp delSp modSp new mod modClrScheme chgLayout">
+        <pc:chgData name="Ben Jones (Ben Jones)" userId="e6e8a0f3-34fe-4d14-b7ab-3a9f1769fff2" providerId="ADAL" clId="{78C1D944-C5E2-4D33-BE3A-5C243E175D98}" dt="2025-06-10T10:27:03.572" v="160"/>
+        <pc:sldMkLst>
+          <pc:docMk/>
+          <pc:sldMk cId="119910343" sldId="260"/>
+        </pc:sldMkLst>
+        <pc:spChg chg="del mod ord">
+          <ac:chgData name="Ben Jones (Ben Jones)" userId="e6e8a0f3-34fe-4d14-b7ab-3a9f1769fff2" providerId="ADAL" clId="{78C1D944-C5E2-4D33-BE3A-5C243E175D98}" dt="2025-06-10T10:23:19.243" v="133" actId="700"/>
+          <ac:spMkLst>
+            <pc:docMk/>
+            <pc:sldMk cId="119910343" sldId="260"/>
+            <ac:spMk id="2" creationId="{7122FAA5-E19E-8A80-B4F2-16AE3A80892A}"/>
+          </ac:spMkLst>
+        </pc:spChg>
+        <pc:spChg chg="del mod ord">
+          <ac:chgData name="Ben Jones (Ben Jones)" userId="e6e8a0f3-34fe-4d14-b7ab-3a9f1769fff2" providerId="ADAL" clId="{78C1D944-C5E2-4D33-BE3A-5C243E175D98}" dt="2025-06-10T10:23:19.243" v="133" actId="700"/>
+          <ac:spMkLst>
+            <pc:docMk/>
+            <pc:sldMk cId="119910343" sldId="260"/>
+            <ac:spMk id="3" creationId="{576FB2C6-21C8-42FA-A68C-6805E5690CB3}"/>
+          </ac:spMkLst>
+        </pc:spChg>
+        <pc:spChg chg="del">
+          <ac:chgData name="Ben Jones (Ben Jones)" userId="e6e8a0f3-34fe-4d14-b7ab-3a9f1769fff2" providerId="ADAL" clId="{78C1D944-C5E2-4D33-BE3A-5C243E175D98}" dt="2025-06-10T10:23:19.243" v="133" actId="700"/>
+          <ac:spMkLst>
+            <pc:docMk/>
+            <pc:sldMk cId="119910343" sldId="260"/>
+            <ac:spMk id="4" creationId="{62C5E1C9-7BC1-3469-AFB1-1B216CBD00A6}"/>
+          </ac:spMkLst>
+        </pc:spChg>
+        <pc:spChg chg="add mod ord">
+          <ac:chgData name="Ben Jones (Ben Jones)" userId="e6e8a0f3-34fe-4d14-b7ab-3a9f1769fff2" providerId="ADAL" clId="{78C1D944-C5E2-4D33-BE3A-5C243E175D98}" dt="2025-06-10T10:26:03.616" v="152" actId="700"/>
+          <ac:spMkLst>
+            <pc:docMk/>
+            <pc:sldMk cId="119910343" sldId="260"/>
+            <ac:spMk id="5" creationId="{CAB6EDA1-5368-156C-E10E-309A274C4DC9}"/>
+          </ac:spMkLst>
+        </pc:spChg>
+        <pc:spChg chg="add del mod ord">
+          <ac:chgData name="Ben Jones (Ben Jones)" userId="e6e8a0f3-34fe-4d14-b7ab-3a9f1769fff2" providerId="ADAL" clId="{78C1D944-C5E2-4D33-BE3A-5C243E175D98}" dt="2025-06-10T10:26:03.616" v="152" actId="700"/>
+          <ac:spMkLst>
+            <pc:docMk/>
+            <pc:sldMk cId="119910343" sldId="260"/>
+            <ac:spMk id="6" creationId="{35749206-A58C-CBE0-6FC6-523123E0EF5C}"/>
+          </ac:spMkLst>
+        </pc:spChg>
+        <pc:spChg chg="add del mod ord">
+          <ac:chgData name="Ben Jones (Ben Jones)" userId="e6e8a0f3-34fe-4d14-b7ab-3a9f1769fff2" providerId="ADAL" clId="{78C1D944-C5E2-4D33-BE3A-5C243E175D98}" dt="2025-06-10T10:26:05.585" v="153" actId="22"/>
+          <ac:spMkLst>
+            <pc:docMk/>
+            <pc:sldMk cId="119910343" sldId="260"/>
+            <ac:spMk id="7" creationId="{E91E7BE5-7F9D-90B3-B90F-D80E25928A9A}"/>
+          </ac:spMkLst>
+        </pc:spChg>
+        <pc:spChg chg="add del mod ord">
+          <ac:chgData name="Ben Jones (Ben Jones)" userId="e6e8a0f3-34fe-4d14-b7ab-3a9f1769fff2" providerId="ADAL" clId="{78C1D944-C5E2-4D33-BE3A-5C243E175D98}" dt="2025-06-10T10:27:03.572" v="160"/>
+          <ac:spMkLst>
+            <pc:docMk/>
+            <pc:sldMk cId="119910343" sldId="260"/>
+            <ac:spMk id="8" creationId="{8B0B4C97-2535-9EAF-2C7C-8F0CAA91079E}"/>
+          </ac:spMkLst>
+        </pc:spChg>
+        <pc:spChg chg="add mod">
+          <ac:chgData name="Ben Jones (Ben Jones)" userId="e6e8a0f3-34fe-4d14-b7ab-3a9f1769fff2" providerId="ADAL" clId="{78C1D944-C5E2-4D33-BE3A-5C243E175D98}" dt="2025-06-10T10:27:01.151" v="158"/>
+          <ac:spMkLst>
+            <pc:docMk/>
+            <pc:sldMk cId="119910343" sldId="260"/>
+            <ac:spMk id="11" creationId="{6D037062-8BE8-F21E-33DA-F932ACA60810}"/>
+          </ac:spMkLst>
+        </pc:spChg>
+        <pc:picChg chg="add mod ord">
+          <ac:chgData name="Ben Jones (Ben Jones)" userId="e6e8a0f3-34fe-4d14-b7ab-3a9f1769fff2" providerId="ADAL" clId="{78C1D944-C5E2-4D33-BE3A-5C243E175D98}" dt="2025-06-10T10:26:05.585" v="153" actId="22"/>
+          <ac:picMkLst>
+            <pc:docMk/>
+            <pc:sldMk cId="119910343" sldId="260"/>
+            <ac:picMk id="10" creationId="{D2AF5855-D741-F058-7B7E-5BCEDAF86853}"/>
+          </ac:picMkLst>
+        </pc:picChg>
+      </pc:sldChg>
+      <pc:sldChg chg="addSp delSp modSp new mod modClrScheme chgLayout">
+        <pc:chgData name="Ben Jones (Ben Jones)" userId="e6e8a0f3-34fe-4d14-b7ab-3a9f1769fff2" providerId="ADAL" clId="{78C1D944-C5E2-4D33-BE3A-5C243E175D98}" dt="2025-06-10T10:36:06.225" v="793" actId="20577"/>
+        <pc:sldMkLst>
+          <pc:docMk/>
+          <pc:sldMk cId="3539071505" sldId="261"/>
+        </pc:sldMkLst>
+        <pc:spChg chg="del mod ord">
+          <ac:chgData name="Ben Jones (Ben Jones)" userId="e6e8a0f3-34fe-4d14-b7ab-3a9f1769fff2" providerId="ADAL" clId="{78C1D944-C5E2-4D33-BE3A-5C243E175D98}" dt="2025-06-10T10:33:39.344" v="739" actId="700"/>
+          <ac:spMkLst>
+            <pc:docMk/>
+            <pc:sldMk cId="3539071505" sldId="261"/>
+            <ac:spMk id="2" creationId="{552FCBC4-955F-8AE1-F8E4-1F21413CC949}"/>
+          </ac:spMkLst>
+        </pc:spChg>
+        <pc:spChg chg="del mod ord">
+          <ac:chgData name="Ben Jones (Ben Jones)" userId="e6e8a0f3-34fe-4d14-b7ab-3a9f1769fff2" providerId="ADAL" clId="{78C1D944-C5E2-4D33-BE3A-5C243E175D98}" dt="2025-06-10T10:33:39.344" v="739" actId="700"/>
+          <ac:spMkLst>
+            <pc:docMk/>
+            <pc:sldMk cId="3539071505" sldId="261"/>
+            <ac:spMk id="3" creationId="{7A0048FB-635A-D09C-3384-BF483F124939}"/>
+          </ac:spMkLst>
+        </pc:spChg>
+        <pc:spChg chg="del">
+          <ac:chgData name="Ben Jones (Ben Jones)" userId="e6e8a0f3-34fe-4d14-b7ab-3a9f1769fff2" providerId="ADAL" clId="{78C1D944-C5E2-4D33-BE3A-5C243E175D98}" dt="2025-06-10T10:33:39.344" v="739" actId="700"/>
+          <ac:spMkLst>
+            <pc:docMk/>
+            <pc:sldMk cId="3539071505" sldId="261"/>
+            <ac:spMk id="4" creationId="{1960A6A1-305E-85AC-9DCE-424B0FD3AD65}"/>
+          </ac:spMkLst>
+        </pc:spChg>
+        <pc:spChg chg="add mod ord">
+          <ac:chgData name="Ben Jones (Ben Jones)" userId="e6e8a0f3-34fe-4d14-b7ab-3a9f1769fff2" providerId="ADAL" clId="{78C1D944-C5E2-4D33-BE3A-5C243E175D98}" dt="2025-06-10T10:36:06.225" v="793" actId="20577"/>
+          <ac:spMkLst>
+            <pc:docMk/>
+            <pc:sldMk cId="3539071505" sldId="261"/>
+            <ac:spMk id="5" creationId="{D486937B-AE08-CEA9-288B-A7E12B6EEC9E}"/>
+          </ac:spMkLst>
+        </pc:spChg>
+        <pc:spChg chg="add del mod ord">
+          <ac:chgData name="Ben Jones (Ben Jones)" userId="e6e8a0f3-34fe-4d14-b7ab-3a9f1769fff2" providerId="ADAL" clId="{78C1D944-C5E2-4D33-BE3A-5C243E175D98}" dt="2025-06-10T10:34:10.174" v="769" actId="700"/>
+          <ac:spMkLst>
+            <pc:docMk/>
+            <pc:sldMk cId="3539071505" sldId="261"/>
+            <ac:spMk id="6" creationId="{51C6FAEF-D681-780C-98A5-7C89D373BDDF}"/>
+          </ac:spMkLst>
+        </pc:spChg>
+        <pc:spChg chg="add mod ord">
+          <ac:chgData name="Ben Jones (Ben Jones)" userId="e6e8a0f3-34fe-4d14-b7ab-3a9f1769fff2" providerId="ADAL" clId="{78C1D944-C5E2-4D33-BE3A-5C243E175D98}" dt="2025-06-10T10:35:42.310" v="780" actId="368"/>
+          <ac:spMkLst>
+            <pc:docMk/>
+            <pc:sldMk cId="3539071505" sldId="261"/>
+            <ac:spMk id="7" creationId="{EFEA9320-0444-71FB-F85F-FBA13C9156C9}"/>
+          </ac:spMkLst>
+        </pc:spChg>
+        <pc:spChg chg="add mod ord">
+          <ac:chgData name="Ben Jones (Ben Jones)" userId="e6e8a0f3-34fe-4d14-b7ab-3a9f1769fff2" providerId="ADAL" clId="{78C1D944-C5E2-4D33-BE3A-5C243E175D98}" dt="2025-06-10T10:34:19.461" v="774" actId="5793"/>
+          <ac:spMkLst>
+            <pc:docMk/>
+            <pc:sldMk cId="3539071505" sldId="261"/>
+            <ac:spMk id="8" creationId="{359FE974-4D1E-3967-5B90-8562E74CE499}"/>
+          </ac:spMkLst>
+        </pc:spChg>
+        <pc:spChg chg="add mod ord">
+          <ac:chgData name="Ben Jones (Ben Jones)" userId="e6e8a0f3-34fe-4d14-b7ab-3a9f1769fff2" providerId="ADAL" clId="{78C1D944-C5E2-4D33-BE3A-5C243E175D98}" dt="2025-06-10T10:34:35.839" v="777" actId="20577"/>
+          <ac:spMkLst>
+            <pc:docMk/>
+            <pc:sldMk cId="3539071505" sldId="261"/>
+            <ac:spMk id="9" creationId="{D6523559-2C61-8EBE-6F77-9D95DA6B8E76}"/>
+          </ac:spMkLst>
+        </pc:spChg>
+        <pc:spChg chg="add mod ord">
+          <ac:chgData name="Ben Jones (Ben Jones)" userId="e6e8a0f3-34fe-4d14-b7ab-3a9f1769fff2" providerId="ADAL" clId="{78C1D944-C5E2-4D33-BE3A-5C243E175D98}" dt="2025-06-10T10:34:38.996" v="779" actId="5793"/>
+          <ac:spMkLst>
+            <pc:docMk/>
+            <pc:sldMk cId="3539071505" sldId="261"/>
+            <ac:spMk id="10" creationId="{84DCB01C-1983-9701-C36D-97E70AE72B48}"/>
+          </ac:spMkLst>
+        </pc:spChg>
+      </pc:sldChg>
+      <pc:sldChg chg="modSp add mod">
+        <pc:chgData name="Ben Jones (Ben Jones)" userId="e6e8a0f3-34fe-4d14-b7ab-3a9f1769fff2" providerId="ADAL" clId="{78C1D944-C5E2-4D33-BE3A-5C243E175D98}" dt="2025-06-10T10:32:56.914" v="738" actId="20577"/>
+        <pc:sldMkLst>
+          <pc:docMk/>
+          <pc:sldMk cId="3768076261" sldId="262"/>
+        </pc:sldMkLst>
+        <pc:spChg chg="mod">
+          <ac:chgData name="Ben Jones (Ben Jones)" userId="e6e8a0f3-34fe-4d14-b7ab-3a9f1769fff2" providerId="ADAL" clId="{78C1D944-C5E2-4D33-BE3A-5C243E175D98}" dt="2025-06-10T10:27:55.180" v="180" actId="20577"/>
+          <ac:spMkLst>
+            <pc:docMk/>
+            <pc:sldMk cId="3768076261" sldId="262"/>
+            <ac:spMk id="5" creationId="{CB87B387-E9FE-C7F6-2747-83EEAC469951}"/>
+          </ac:spMkLst>
+        </pc:spChg>
+        <pc:spChg chg="mod">
+          <ac:chgData name="Ben Jones (Ben Jones)" userId="e6e8a0f3-34fe-4d14-b7ab-3a9f1769fff2" providerId="ADAL" clId="{78C1D944-C5E2-4D33-BE3A-5C243E175D98}" dt="2025-06-10T10:32:56.914" v="738" actId="20577"/>
+          <ac:spMkLst>
+            <pc:docMk/>
+            <pc:sldMk cId="3768076261" sldId="262"/>
+            <ac:spMk id="8" creationId="{7D7A5026-098C-E06D-AE74-C3BF1B1C95AA}"/>
+          </ac:spMkLst>
+        </pc:spChg>
+      </pc:sldChg>
+      <pc:sldChg chg="addSp delSp modSp new mod modClrScheme chgLayout">
+        <pc:chgData name="Ben Jones (Ben Jones)" userId="e6e8a0f3-34fe-4d14-b7ab-3a9f1769fff2" providerId="ADAL" clId="{78C1D944-C5E2-4D33-BE3A-5C243E175D98}" dt="2025-06-10T10:39:35.454" v="845" actId="20577"/>
+        <pc:sldMkLst>
+          <pc:docMk/>
+          <pc:sldMk cId="1175822862" sldId="263"/>
+        </pc:sldMkLst>
+        <pc:spChg chg="del mod ord">
+          <ac:chgData name="Ben Jones (Ben Jones)" userId="e6e8a0f3-34fe-4d14-b7ab-3a9f1769fff2" providerId="ADAL" clId="{78C1D944-C5E2-4D33-BE3A-5C243E175D98}" dt="2025-06-10T10:36:28.714" v="796" actId="700"/>
+          <ac:spMkLst>
+            <pc:docMk/>
+            <pc:sldMk cId="1175822862" sldId="263"/>
+            <ac:spMk id="2" creationId="{B36F7922-3FD2-5254-D6C9-A29D3EC83AA0}"/>
+          </ac:spMkLst>
+        </pc:spChg>
+        <pc:spChg chg="del">
+          <ac:chgData name="Ben Jones (Ben Jones)" userId="e6e8a0f3-34fe-4d14-b7ab-3a9f1769fff2" providerId="ADAL" clId="{78C1D944-C5E2-4D33-BE3A-5C243E175D98}" dt="2025-06-10T10:36:28.714" v="796" actId="700"/>
+          <ac:spMkLst>
+            <pc:docMk/>
+            <pc:sldMk cId="1175822862" sldId="263"/>
+            <ac:spMk id="3" creationId="{76FAADD7-01A6-BF9D-8973-7FC361281E9A}"/>
+          </ac:spMkLst>
+        </pc:spChg>
+        <pc:spChg chg="del mod ord">
+          <ac:chgData name="Ben Jones (Ben Jones)" userId="e6e8a0f3-34fe-4d14-b7ab-3a9f1769fff2" providerId="ADAL" clId="{78C1D944-C5E2-4D33-BE3A-5C243E175D98}" dt="2025-06-10T10:36:28.714" v="796" actId="700"/>
+          <ac:spMkLst>
+            <pc:docMk/>
+            <pc:sldMk cId="1175822862" sldId="263"/>
+            <ac:spMk id="4" creationId="{469B33A5-F61D-55B1-29EF-64A0B9EC6CEA}"/>
+          </ac:spMkLst>
+        </pc:spChg>
+        <pc:spChg chg="del">
+          <ac:chgData name="Ben Jones (Ben Jones)" userId="e6e8a0f3-34fe-4d14-b7ab-3a9f1769fff2" providerId="ADAL" clId="{78C1D944-C5E2-4D33-BE3A-5C243E175D98}" dt="2025-06-10T10:36:28.714" v="796" actId="700"/>
+          <ac:spMkLst>
+            <pc:docMk/>
+            <pc:sldMk cId="1175822862" sldId="263"/>
+            <ac:spMk id="5" creationId="{8E616ABA-FB50-2BEE-2BA7-350C3EEF918E}"/>
+          </ac:spMkLst>
+        </pc:spChg>
+        <pc:spChg chg="del">
+          <ac:chgData name="Ben Jones (Ben Jones)" userId="e6e8a0f3-34fe-4d14-b7ab-3a9f1769fff2" providerId="ADAL" clId="{78C1D944-C5E2-4D33-BE3A-5C243E175D98}" dt="2025-06-10T10:36:28.714" v="796" actId="700"/>
+          <ac:spMkLst>
+            <pc:docMk/>
+            <pc:sldMk cId="1175822862" sldId="263"/>
+            <ac:spMk id="6" creationId="{EE2C01EF-8D67-4170-14B9-59272CE770C8}"/>
+          </ac:spMkLst>
+        </pc:spChg>
+        <pc:spChg chg="add mod ord">
+          <ac:chgData name="Ben Jones (Ben Jones)" userId="e6e8a0f3-34fe-4d14-b7ab-3a9f1769fff2" providerId="ADAL" clId="{78C1D944-C5E2-4D33-BE3A-5C243E175D98}" dt="2025-06-10T10:36:36.547" v="798" actId="20577"/>
+          <ac:spMkLst>
+            <pc:docMk/>
+            <pc:sldMk cId="1175822862" sldId="263"/>
+            <ac:spMk id="7" creationId="{56C6F239-F5E8-6417-880B-0B56CE59D207}"/>
+          </ac:spMkLst>
+        </pc:spChg>
+        <pc:spChg chg="add mod ord">
+          <ac:chgData name="Ben Jones (Ben Jones)" userId="e6e8a0f3-34fe-4d14-b7ab-3a9f1769fff2" providerId="ADAL" clId="{78C1D944-C5E2-4D33-BE3A-5C243E175D98}" dt="2025-06-10T10:39:35.454" v="845" actId="20577"/>
+          <ac:spMkLst>
+            <pc:docMk/>
+            <pc:sldMk cId="1175822862" sldId="263"/>
+            <ac:spMk id="8" creationId="{A8D1847C-4AD3-1D2C-43B8-828394D9FF0E}"/>
+          </ac:spMkLst>
+        </pc:spChg>
+      </pc:sldChg>
+      <pc:sldChg chg="addSp delSp modSp new mod modClrScheme chgLayout">
+        <pc:chgData name="Ben Jones (Ben Jones)" userId="e6e8a0f3-34fe-4d14-b7ab-3a9f1769fff2" providerId="ADAL" clId="{78C1D944-C5E2-4D33-BE3A-5C243E175D98}" dt="2025-06-10T10:39:40.222" v="850" actId="20577"/>
+        <pc:sldMkLst>
+          <pc:docMk/>
+          <pc:sldMk cId="549990195" sldId="264"/>
+        </pc:sldMkLst>
+        <pc:spChg chg="del mod ord">
+          <ac:chgData name="Ben Jones (Ben Jones)" userId="e6e8a0f3-34fe-4d14-b7ab-3a9f1769fff2" providerId="ADAL" clId="{78C1D944-C5E2-4D33-BE3A-5C243E175D98}" dt="2025-06-10T10:37:18.750" v="805" actId="700"/>
+          <ac:spMkLst>
+            <pc:docMk/>
+            <pc:sldMk cId="549990195" sldId="264"/>
+            <ac:spMk id="2" creationId="{A57EB72A-FAC9-5FF8-E6A3-8E830C23359A}"/>
+          </ac:spMkLst>
+        </pc:spChg>
+        <pc:spChg chg="del">
+          <ac:chgData name="Ben Jones (Ben Jones)" userId="e6e8a0f3-34fe-4d14-b7ab-3a9f1769fff2" providerId="ADAL" clId="{78C1D944-C5E2-4D33-BE3A-5C243E175D98}" dt="2025-06-10T10:37:18.750" v="805" actId="700"/>
+          <ac:spMkLst>
+            <pc:docMk/>
+            <pc:sldMk cId="549990195" sldId="264"/>
+            <ac:spMk id="3" creationId="{4B459B9A-A121-9FB8-3533-C68A5F13F534}"/>
+          </ac:spMkLst>
+        </pc:spChg>
+        <pc:spChg chg="del mod ord">
+          <ac:chgData name="Ben Jones (Ben Jones)" userId="e6e8a0f3-34fe-4d14-b7ab-3a9f1769fff2" providerId="ADAL" clId="{78C1D944-C5E2-4D33-BE3A-5C243E175D98}" dt="2025-06-10T10:37:18.750" v="805" actId="700"/>
+          <ac:spMkLst>
+            <pc:docMk/>
+            <pc:sldMk cId="549990195" sldId="264"/>
+            <ac:spMk id="4" creationId="{A399DAE5-01B5-FB06-16F1-C5755F25B1DD}"/>
+          </ac:spMkLst>
+        </pc:spChg>
+        <pc:spChg chg="del">
+          <ac:chgData name="Ben Jones (Ben Jones)" userId="e6e8a0f3-34fe-4d14-b7ab-3a9f1769fff2" providerId="ADAL" clId="{78C1D944-C5E2-4D33-BE3A-5C243E175D98}" dt="2025-06-10T10:37:18.750" v="805" actId="700"/>
+          <ac:spMkLst>
+            <pc:docMk/>
+            <pc:sldMk cId="549990195" sldId="264"/>
+            <ac:spMk id="5" creationId="{8F0B9F06-AFBD-49F7-9BE1-7B56FE216A71}"/>
+          </ac:spMkLst>
+        </pc:spChg>
+        <pc:spChg chg="del">
+          <ac:chgData name="Ben Jones (Ben Jones)" userId="e6e8a0f3-34fe-4d14-b7ab-3a9f1769fff2" providerId="ADAL" clId="{78C1D944-C5E2-4D33-BE3A-5C243E175D98}" dt="2025-06-10T10:37:18.750" v="805" actId="700"/>
+          <ac:spMkLst>
+            <pc:docMk/>
+            <pc:sldMk cId="549990195" sldId="264"/>
+            <ac:spMk id="6" creationId="{4DEE1672-B77F-9592-4653-CB3C8E0634AB}"/>
+          </ac:spMkLst>
+        </pc:spChg>
+        <pc:spChg chg="add mod ord">
+          <ac:chgData name="Ben Jones (Ben Jones)" userId="e6e8a0f3-34fe-4d14-b7ab-3a9f1769fff2" providerId="ADAL" clId="{78C1D944-C5E2-4D33-BE3A-5C243E175D98}" dt="2025-06-10T10:38:58.284" v="832" actId="700"/>
+          <ac:spMkLst>
+            <pc:docMk/>
+            <pc:sldMk cId="549990195" sldId="264"/>
+            <ac:spMk id="7" creationId="{A5E19FFB-3D8F-DB03-B38B-27FE43EC06C8}"/>
+          </ac:spMkLst>
+        </pc:spChg>
+        <pc:spChg chg="add del mod ord">
+          <ac:chgData name="Ben Jones (Ben Jones)" userId="e6e8a0f3-34fe-4d14-b7ab-3a9f1769fff2" providerId="ADAL" clId="{78C1D944-C5E2-4D33-BE3A-5C243E175D98}" dt="2025-06-10T10:39:13.668" v="837" actId="478"/>
+          <ac:spMkLst>
+            <pc:docMk/>
+            <pc:sldMk cId="549990195" sldId="264"/>
+            <ac:spMk id="8" creationId="{52A00011-1D95-177D-779A-39FDCBB8629F}"/>
+          </ac:spMkLst>
+        </pc:spChg>
+        <pc:spChg chg="add mod">
+          <ac:chgData name="Ben Jones (Ben Jones)" userId="e6e8a0f3-34fe-4d14-b7ab-3a9f1769fff2" providerId="ADAL" clId="{78C1D944-C5E2-4D33-BE3A-5C243E175D98}" dt="2025-06-10T10:37:21.829" v="808"/>
+          <ac:spMkLst>
+            <pc:docMk/>
+            <pc:sldMk cId="549990195" sldId="264"/>
+            <ac:spMk id="9" creationId="{80F65A99-08C1-A978-A12B-8BB44A1B9690}"/>
+          </ac:spMkLst>
+        </pc:spChg>
+        <pc:spChg chg="add mod ord">
+          <ac:chgData name="Ben Jones (Ben Jones)" userId="e6e8a0f3-34fe-4d14-b7ab-3a9f1769fff2" providerId="ADAL" clId="{78C1D944-C5E2-4D33-BE3A-5C243E175D98}" dt="2025-06-10T10:39:40.222" v="850" actId="20577"/>
+          <ac:spMkLst>
+            <pc:docMk/>
+            <pc:sldMk cId="549990195" sldId="264"/>
+            <ac:spMk id="10" creationId="{400FA594-97CE-8BD3-D0B0-58075BCDEA2F}"/>
+          </ac:spMkLst>
+        </pc:spChg>
+        <pc:spChg chg="add del mod">
+          <ac:chgData name="Ben Jones (Ben Jones)" userId="e6e8a0f3-34fe-4d14-b7ab-3a9f1769fff2" providerId="ADAL" clId="{78C1D944-C5E2-4D33-BE3A-5C243E175D98}" dt="2025-06-10T10:39:16.928" v="838"/>
+          <ac:spMkLst>
+            <pc:docMk/>
+            <pc:sldMk cId="549990195" sldId="264"/>
+            <ac:spMk id="12" creationId="{03DC8AE5-72E6-4166-0772-D20D28E06A87}"/>
+          </ac:spMkLst>
+        </pc:spChg>
+        <pc:picChg chg="add mod">
+          <ac:chgData name="Ben Jones (Ben Jones)" userId="e6e8a0f3-34fe-4d14-b7ab-3a9f1769fff2" providerId="ADAL" clId="{78C1D944-C5E2-4D33-BE3A-5C243E175D98}" dt="2025-06-10T10:39:16.928" v="838"/>
+          <ac:picMkLst>
+            <pc:docMk/>
+            <pc:sldMk cId="549990195" sldId="264"/>
+            <ac:picMk id="13" creationId="{618E47E8-A163-12CC-AB54-95BF75450C40}"/>
+          </ac:picMkLst>
+        </pc:picChg>
+      </pc:sldChg>
+    </pc:docChg>
+  </pc:docChgLst>
   <pc:docChgLst>
     <pc:chgData name="Ben Jones (Ben Jones)" userId="e6e8a0f3-34fe-4d14-b7ab-3a9f1769fff2" providerId="ADAL" clId="{2A4F3FF4-B48F-4BF2-8996-C16EAC4E46EE}"/>
     <pc:docChg chg="undo custSel addSld delSld modSld">
@@ -378,20 +1042,35 @@
     </pc:docChg>
   </pc:docChgLst>
   <pc:docChgLst>
-    <pc:chgData name="Ben Jones (Ben Jones)" userId="e6e8a0f3-34fe-4d14-b7ab-3a9f1769fff2" providerId="ADAL" clId="{396263FC-BA5A-446B-8FBA-B9B8363490D3}"/>
-    <pc:docChg chg="custSel delSld modSld">
-      <pc:chgData name="Ben Jones (Ben Jones)" userId="e6e8a0f3-34fe-4d14-b7ab-3a9f1769fff2" providerId="ADAL" clId="{396263FC-BA5A-446B-8FBA-B9B8363490D3}" dt="2025-06-10T12:20:37.321" v="249" actId="2696"/>
+    <pc:chgData name="Ben Jones (Ben Jones)" userId="e6e8a0f3-34fe-4d14-b7ab-3a9f1769fff2" providerId="ADAL" clId="{5E7C3CBE-C13F-479A-83E0-3A9F66E33821}"/>
+    <pc:docChg chg="custSel addSld delSld modSld">
+      <pc:chgData name="Ben Jones (Ben Jones)" userId="e6e8a0f3-34fe-4d14-b7ab-3a9f1769fff2" providerId="ADAL" clId="{5E7C3CBE-C13F-479A-83E0-3A9F66E33821}" dt="2025-06-11T11:57:02.261" v="293" actId="20577"/>
       <pc:docMkLst>
         <pc:docMk/>
       </pc:docMkLst>
       <pc:sldChg chg="modSp mod">
-        <pc:chgData name="Ben Jones (Ben Jones)" userId="e6e8a0f3-34fe-4d14-b7ab-3a9f1769fff2" providerId="ADAL" clId="{396263FC-BA5A-446B-8FBA-B9B8363490D3}" dt="2025-06-10T12:06:33.659" v="0"/>
+        <pc:chgData name="Ben Jones (Ben Jones)" userId="e6e8a0f3-34fe-4d14-b7ab-3a9f1769fff2" providerId="ADAL" clId="{5E7C3CBE-C13F-479A-83E0-3A9F66E33821}" dt="2025-06-10T12:05:48.298" v="8" actId="20577"/>
+        <pc:sldMkLst>
+          <pc:docMk/>
+          <pc:sldMk cId="4046351447" sldId="256"/>
+        </pc:sldMkLst>
+        <pc:spChg chg="mod">
+          <ac:chgData name="Ben Jones (Ben Jones)" userId="e6e8a0f3-34fe-4d14-b7ab-3a9f1769fff2" providerId="ADAL" clId="{5E7C3CBE-C13F-479A-83E0-3A9F66E33821}" dt="2025-06-10T12:05:48.298" v="8" actId="20577"/>
+          <ac:spMkLst>
+            <pc:docMk/>
+            <pc:sldMk cId="4046351447" sldId="256"/>
+            <ac:spMk id="3" creationId="{2007677D-E31B-D163-E787-0648982398C7}"/>
+          </ac:spMkLst>
+        </pc:spChg>
+      </pc:sldChg>
+      <pc:sldChg chg="modSp mod">
+        <pc:chgData name="Ben Jones (Ben Jones)" userId="e6e8a0f3-34fe-4d14-b7ab-3a9f1769fff2" providerId="ADAL" clId="{5E7C3CBE-C13F-479A-83E0-3A9F66E33821}" dt="2025-06-10T12:04:37.782" v="0"/>
         <pc:sldMkLst>
           <pc:docMk/>
           <pc:sldMk cId="3635014069" sldId="258"/>
         </pc:sldMkLst>
         <pc:spChg chg="mod">
-          <ac:chgData name="Ben Jones (Ben Jones)" userId="e6e8a0f3-34fe-4d14-b7ab-3a9f1769fff2" providerId="ADAL" clId="{396263FC-BA5A-446B-8FBA-B9B8363490D3}" dt="2025-06-10T12:06:33.659" v="0"/>
+          <ac:chgData name="Ben Jones (Ben Jones)" userId="e6e8a0f3-34fe-4d14-b7ab-3a9f1769fff2" providerId="ADAL" clId="{5E7C3CBE-C13F-479A-83E0-3A9F66E33821}" dt="2025-06-10T12:04:37.782" v="0"/>
           <ac:spMkLst>
             <pc:docMk/>
             <pc:sldMk cId="3635014069" sldId="258"/>
@@ -399,61 +1078,21 @@
           </ac:spMkLst>
         </pc:spChg>
       </pc:sldChg>
-      <pc:sldChg chg="addSp delSp modSp mod modClrScheme chgLayout">
-        <pc:chgData name="Ben Jones (Ben Jones)" userId="e6e8a0f3-34fe-4d14-b7ab-3a9f1769fff2" providerId="ADAL" clId="{396263FC-BA5A-446B-8FBA-B9B8363490D3}" dt="2025-06-10T12:12:02.762" v="19" actId="22"/>
+      <pc:sldChg chg="del">
+        <pc:chgData name="Ben Jones (Ben Jones)" userId="e6e8a0f3-34fe-4d14-b7ab-3a9f1769fff2" providerId="ADAL" clId="{5E7C3CBE-C13F-479A-83E0-3A9F66E33821}" dt="2025-06-10T12:04:43.604" v="1" actId="47"/>
         <pc:sldMkLst>
           <pc:docMk/>
           <pc:sldMk cId="3539071505" sldId="261"/>
         </pc:sldMkLst>
-        <pc:spChg chg="del mod ord">
-          <ac:chgData name="Ben Jones (Ben Jones)" userId="e6e8a0f3-34fe-4d14-b7ab-3a9f1769fff2" providerId="ADAL" clId="{396263FC-BA5A-446B-8FBA-B9B8363490D3}" dt="2025-06-10T12:12:00.991" v="18" actId="478"/>
-          <ac:spMkLst>
-            <pc:docMk/>
-            <pc:sldMk cId="3539071505" sldId="261"/>
-            <ac:spMk id="2" creationId="{4481EFF5-5670-D5D5-E8BD-822601FCA247}"/>
-          </ac:spMkLst>
-        </pc:spChg>
-        <pc:spChg chg="add mod ord">
-          <ac:chgData name="Ben Jones (Ben Jones)" userId="e6e8a0f3-34fe-4d14-b7ab-3a9f1769fff2" providerId="ADAL" clId="{396263FC-BA5A-446B-8FBA-B9B8363490D3}" dt="2025-06-10T12:11:52.516" v="17" actId="20577"/>
-          <ac:spMkLst>
-            <pc:docMk/>
-            <pc:sldMk cId="3539071505" sldId="261"/>
-            <ac:spMk id="3" creationId="{B00A36C3-101F-B0AB-F123-C6EFEF11ABE2}"/>
-          </ac:spMkLst>
-        </pc:spChg>
-        <pc:spChg chg="mod ord">
-          <ac:chgData name="Ben Jones (Ben Jones)" userId="e6e8a0f3-34fe-4d14-b7ab-3a9f1769fff2" providerId="ADAL" clId="{396263FC-BA5A-446B-8FBA-B9B8363490D3}" dt="2025-06-10T12:11:44.844" v="14" actId="700"/>
-          <ac:spMkLst>
-            <pc:docMk/>
-            <pc:sldMk cId="3539071505" sldId="261"/>
-            <ac:spMk id="5" creationId="{D486937B-AE08-CEA9-288B-A7E12B6EEC9E}"/>
-          </ac:spMkLst>
-        </pc:spChg>
-        <pc:spChg chg="add del mod">
-          <ac:chgData name="Ben Jones (Ben Jones)" userId="e6e8a0f3-34fe-4d14-b7ab-3a9f1769fff2" providerId="ADAL" clId="{396263FC-BA5A-446B-8FBA-B9B8363490D3}" dt="2025-06-10T12:12:02.762" v="19" actId="22"/>
-          <ac:spMkLst>
-            <pc:docMk/>
-            <pc:sldMk cId="3539071505" sldId="261"/>
-            <ac:spMk id="6" creationId="{64C22B70-B1CA-5B5B-970C-6430F94C9AD5}"/>
-          </ac:spMkLst>
-        </pc:spChg>
-        <pc:picChg chg="add mod ord">
-          <ac:chgData name="Ben Jones (Ben Jones)" userId="e6e8a0f3-34fe-4d14-b7ab-3a9f1769fff2" providerId="ADAL" clId="{396263FC-BA5A-446B-8FBA-B9B8363490D3}" dt="2025-06-10T12:12:02.762" v="19" actId="22"/>
-          <ac:picMkLst>
-            <pc:docMk/>
-            <pc:sldMk cId="3539071505" sldId="261"/>
-            <ac:picMk id="8" creationId="{2EDE6368-5BA7-49E4-1EEC-877844497550}"/>
-          </ac:picMkLst>
-        </pc:picChg>
       </pc:sldChg>
       <pc:sldChg chg="modSp mod">
-        <pc:chgData name="Ben Jones (Ben Jones)" userId="e6e8a0f3-34fe-4d14-b7ab-3a9f1769fff2" providerId="ADAL" clId="{396263FC-BA5A-446B-8FBA-B9B8363490D3}" dt="2025-06-10T12:20:17.951" v="248" actId="27636"/>
+        <pc:chgData name="Ben Jones (Ben Jones)" userId="e6e8a0f3-34fe-4d14-b7ab-3a9f1769fff2" providerId="ADAL" clId="{5E7C3CBE-C13F-479A-83E0-3A9F66E33821}" dt="2025-06-11T11:57:02.261" v="293" actId="20577"/>
         <pc:sldMkLst>
           <pc:docMk/>
           <pc:sldMk cId="1175822862" sldId="263"/>
         </pc:sldMkLst>
         <pc:spChg chg="mod">
-          <ac:chgData name="Ben Jones (Ben Jones)" userId="e6e8a0f3-34fe-4d14-b7ab-3a9f1769fff2" providerId="ADAL" clId="{396263FC-BA5A-446B-8FBA-B9B8363490D3}" dt="2025-06-10T12:12:36.530" v="42" actId="20577"/>
+          <ac:chgData name="Ben Jones (Ben Jones)" userId="e6e8a0f3-34fe-4d14-b7ab-3a9f1769fff2" providerId="ADAL" clId="{5E7C3CBE-C13F-479A-83E0-3A9F66E33821}" dt="2025-06-11T11:56:34.116" v="215" actId="6549"/>
           <ac:spMkLst>
             <pc:docMk/>
             <pc:sldMk cId="1175822862" sldId="263"/>
@@ -461,7 +1100,7 @@
           </ac:spMkLst>
         </pc:spChg>
         <pc:spChg chg="mod">
-          <ac:chgData name="Ben Jones (Ben Jones)" userId="e6e8a0f3-34fe-4d14-b7ab-3a9f1769fff2" providerId="ADAL" clId="{396263FC-BA5A-446B-8FBA-B9B8363490D3}" dt="2025-06-10T12:20:17.951" v="248" actId="27636"/>
+          <ac:chgData name="Ben Jones (Ben Jones)" userId="e6e8a0f3-34fe-4d14-b7ab-3a9f1769fff2" providerId="ADAL" clId="{5E7C3CBE-C13F-479A-83E0-3A9F66E33821}" dt="2025-06-11T11:57:02.261" v="293" actId="20577"/>
           <ac:spMkLst>
             <pc:docMk/>
             <pc:sldMk cId="1175822862" sldId="263"/>
@@ -469,85 +1108,212 @@
           </ac:spMkLst>
         </pc:spChg>
       </pc:sldChg>
-      <pc:sldChg chg="modSp mod">
-        <pc:chgData name="Ben Jones (Ben Jones)" userId="e6e8a0f3-34fe-4d14-b7ab-3a9f1769fff2" providerId="ADAL" clId="{396263FC-BA5A-446B-8FBA-B9B8363490D3}" dt="2025-06-10T12:07:36.276" v="6" actId="113"/>
+      <pc:sldChg chg="modSp add mod">
+        <pc:chgData name="Ben Jones (Ben Jones)" userId="e6e8a0f3-34fe-4d14-b7ab-3a9f1769fff2" providerId="ADAL" clId="{5E7C3CBE-C13F-479A-83E0-3A9F66E33821}" dt="2025-06-11T11:47:57.559" v="35" actId="20577"/>
+        <pc:sldMkLst>
+          <pc:docMk/>
+          <pc:sldMk cId="549990195" sldId="264"/>
+        </pc:sldMkLst>
+        <pc:spChg chg="mod">
+          <ac:chgData name="Ben Jones (Ben Jones)" userId="e6e8a0f3-34fe-4d14-b7ab-3a9f1769fff2" providerId="ADAL" clId="{5E7C3CBE-C13F-479A-83E0-3A9F66E33821}" dt="2025-06-11T11:47:57.559" v="35" actId="20577"/>
+          <ac:spMkLst>
+            <pc:docMk/>
+            <pc:sldMk cId="549990195" sldId="264"/>
+            <ac:spMk id="10" creationId="{400FA594-97CE-8BD3-D0B0-58075BCDEA2F}"/>
+          </ac:spMkLst>
+        </pc:spChg>
+        <pc:picChg chg="mod">
+          <ac:chgData name="Ben Jones (Ben Jones)" userId="e6e8a0f3-34fe-4d14-b7ab-3a9f1769fff2" providerId="ADAL" clId="{5E7C3CBE-C13F-479A-83E0-3A9F66E33821}" dt="2025-06-11T11:47:40.517" v="11" actId="14826"/>
+          <ac:picMkLst>
+            <pc:docMk/>
+            <pc:sldMk cId="549990195" sldId="264"/>
+            <ac:picMk id="3" creationId="{0A4946D7-D489-5D8A-F199-89C94DED1838}"/>
+          </ac:picMkLst>
+        </pc:picChg>
+      </pc:sldChg>
+      <pc:sldChg chg="del">
+        <pc:chgData name="Ben Jones (Ben Jones)" userId="e6e8a0f3-34fe-4d14-b7ab-3a9f1769fff2" providerId="ADAL" clId="{5E7C3CBE-C13F-479A-83E0-3A9F66E33821}" dt="2025-06-10T12:04:43.604" v="1" actId="47"/>
         <pc:sldMkLst>
           <pc:docMk/>
           <pc:sldMk cId="2546578239" sldId="265"/>
         </pc:sldMkLst>
-        <pc:spChg chg="mod">
-          <ac:chgData name="Ben Jones (Ben Jones)" userId="e6e8a0f3-34fe-4d14-b7ab-3a9f1769fff2" providerId="ADAL" clId="{396263FC-BA5A-446B-8FBA-B9B8363490D3}" dt="2025-06-10T12:06:40.781" v="1"/>
-          <ac:spMkLst>
-            <pc:docMk/>
-            <pc:sldMk cId="2546578239" sldId="265"/>
-            <ac:spMk id="2" creationId="{698432A2-2D2E-3F70-F830-5A67ED205318}"/>
-          </ac:spMkLst>
-        </pc:spChg>
-        <pc:spChg chg="mod">
-          <ac:chgData name="Ben Jones (Ben Jones)" userId="e6e8a0f3-34fe-4d14-b7ab-3a9f1769fff2" providerId="ADAL" clId="{396263FC-BA5A-446B-8FBA-B9B8363490D3}" dt="2025-06-10T12:07:36.276" v="6" actId="113"/>
-          <ac:spMkLst>
-            <pc:docMk/>
-            <pc:sldMk cId="2546578239" sldId="265"/>
-            <ac:spMk id="4" creationId="{E775B479-5750-95E9-CC66-C2F6F8180171}"/>
-          </ac:spMkLst>
-        </pc:spChg>
       </pc:sldChg>
       <pc:sldChg chg="del">
-        <pc:chgData name="Ben Jones (Ben Jones)" userId="e6e8a0f3-34fe-4d14-b7ab-3a9f1769fff2" providerId="ADAL" clId="{396263FC-BA5A-446B-8FBA-B9B8363490D3}" dt="2025-06-10T12:20:37.321" v="249" actId="2696"/>
+        <pc:chgData name="Ben Jones (Ben Jones)" userId="e6e8a0f3-34fe-4d14-b7ab-3a9f1769fff2" providerId="ADAL" clId="{5E7C3CBE-C13F-479A-83E0-3A9F66E33821}" dt="2025-06-10T12:04:43.604" v="1" actId="47"/>
+        <pc:sldMkLst>
+          <pc:docMk/>
+          <pc:sldMk cId="2628338777" sldId="266"/>
+        </pc:sldMkLst>
+      </pc:sldChg>
+      <pc:sldChg chg="modSp mod">
+        <pc:chgData name="Ben Jones (Ben Jones)" userId="e6e8a0f3-34fe-4d14-b7ab-3a9f1769fff2" providerId="ADAL" clId="{5E7C3CBE-C13F-479A-83E0-3A9F66E33821}" dt="2025-06-10T12:05:24.939" v="7" actId="20577"/>
         <pc:sldMkLst>
           <pc:docMk/>
           <pc:sldMk cId="525501252" sldId="267"/>
         </pc:sldMkLst>
+        <pc:spChg chg="mod">
+          <ac:chgData name="Ben Jones (Ben Jones)" userId="e6e8a0f3-34fe-4d14-b7ab-3a9f1769fff2" providerId="ADAL" clId="{5E7C3CBE-C13F-479A-83E0-3A9F66E33821}" dt="2025-06-10T12:05:24.939" v="7" actId="20577"/>
+          <ac:spMkLst>
+            <pc:docMk/>
+            <pc:sldMk cId="525501252" sldId="267"/>
+            <ac:spMk id="3" creationId="{55D2AEAE-B87B-B831-1DC0-2D5719D54B21}"/>
+          </ac:spMkLst>
+        </pc:spChg>
+      </pc:sldChg>
+      <pc:sldChg chg="modSp add mod">
+        <pc:chgData name="Ben Jones (Ben Jones)" userId="e6e8a0f3-34fe-4d14-b7ab-3a9f1769fff2" providerId="ADAL" clId="{5E7C3CBE-C13F-479A-83E0-3A9F66E33821}" dt="2025-06-11T11:49:36.051" v="71" actId="255"/>
+        <pc:sldMkLst>
+          <pc:docMk/>
+          <pc:sldMk cId="4286823996" sldId="268"/>
+        </pc:sldMkLst>
+        <pc:spChg chg="mod">
+          <ac:chgData name="Ben Jones (Ben Jones)" userId="e6e8a0f3-34fe-4d14-b7ab-3a9f1769fff2" providerId="ADAL" clId="{5E7C3CBE-C13F-479A-83E0-3A9F66E33821}" dt="2025-06-11T11:48:33.805" v="56" actId="20577"/>
+          <ac:spMkLst>
+            <pc:docMk/>
+            <pc:sldMk cId="4286823996" sldId="268"/>
+            <ac:spMk id="2" creationId="{1014C040-0011-B132-BBB4-963A422BA42C}"/>
+          </ac:spMkLst>
+        </pc:spChg>
+        <pc:spChg chg="mod">
+          <ac:chgData name="Ben Jones (Ben Jones)" userId="e6e8a0f3-34fe-4d14-b7ab-3a9f1769fff2" providerId="ADAL" clId="{5E7C3CBE-C13F-479A-83E0-3A9F66E33821}" dt="2025-06-11T11:49:36.051" v="71" actId="255"/>
+          <ac:spMkLst>
+            <pc:docMk/>
+            <pc:sldMk cId="4286823996" sldId="268"/>
+            <ac:spMk id="3" creationId="{10BF6715-B6F1-BE80-23EB-752BDCA181D5}"/>
+          </ac:spMkLst>
+        </pc:spChg>
+      </pc:sldChg>
+      <pc:sldChg chg="new del">
+        <pc:chgData name="Ben Jones (Ben Jones)" userId="e6e8a0f3-34fe-4d14-b7ab-3a9f1769fff2" providerId="ADAL" clId="{5E7C3CBE-C13F-479A-83E0-3A9F66E33821}" dt="2025-06-11T11:54:42.959" v="201" actId="2696"/>
+        <pc:sldMkLst>
+          <pc:docMk/>
+          <pc:sldMk cId="2483779420" sldId="269"/>
+        </pc:sldMkLst>
+      </pc:sldChg>
+      <pc:sldChg chg="modSp add mod">
+        <pc:chgData name="Ben Jones (Ben Jones)" userId="e6e8a0f3-34fe-4d14-b7ab-3a9f1769fff2" providerId="ADAL" clId="{5E7C3CBE-C13F-479A-83E0-3A9F66E33821}" dt="2025-06-11T11:50:55.919" v="96" actId="313"/>
+        <pc:sldMkLst>
+          <pc:docMk/>
+          <pc:sldMk cId="3357493407" sldId="270"/>
+        </pc:sldMkLst>
+        <pc:spChg chg="mod">
+          <ac:chgData name="Ben Jones (Ben Jones)" userId="e6e8a0f3-34fe-4d14-b7ab-3a9f1769fff2" providerId="ADAL" clId="{5E7C3CBE-C13F-479A-83E0-3A9F66E33821}" dt="2025-06-11T11:50:55.919" v="96" actId="313"/>
+          <ac:spMkLst>
+            <pc:docMk/>
+            <pc:sldMk cId="3357493407" sldId="270"/>
+            <ac:spMk id="2" creationId="{DB5534D5-B2A0-9E61-585C-4CC06EA10EEB}"/>
+          </ac:spMkLst>
+        </pc:spChg>
+        <pc:spChg chg="mod">
+          <ac:chgData name="Ben Jones (Ben Jones)" userId="e6e8a0f3-34fe-4d14-b7ab-3a9f1769fff2" providerId="ADAL" clId="{5E7C3CBE-C13F-479A-83E0-3A9F66E33821}" dt="2025-06-11T11:50:38.001" v="86" actId="255"/>
+          <ac:spMkLst>
+            <pc:docMk/>
+            <pc:sldMk cId="3357493407" sldId="270"/>
+            <ac:spMk id="3" creationId="{C2C8DF3B-9ABB-07C7-805D-34BABB6E0262}"/>
+          </ac:spMkLst>
+        </pc:spChg>
+      </pc:sldChg>
+      <pc:sldChg chg="modSp add mod">
+        <pc:chgData name="Ben Jones (Ben Jones)" userId="e6e8a0f3-34fe-4d14-b7ab-3a9f1769fff2" providerId="ADAL" clId="{5E7C3CBE-C13F-479A-83E0-3A9F66E33821}" dt="2025-06-11T11:51:37.260" v="112" actId="255"/>
+        <pc:sldMkLst>
+          <pc:docMk/>
+          <pc:sldMk cId="3935255901" sldId="271"/>
+        </pc:sldMkLst>
+        <pc:spChg chg="mod">
+          <ac:chgData name="Ben Jones (Ben Jones)" userId="e6e8a0f3-34fe-4d14-b7ab-3a9f1769fff2" providerId="ADAL" clId="{5E7C3CBE-C13F-479A-83E0-3A9F66E33821}" dt="2025-06-11T11:51:02.847" v="103" actId="20577"/>
+          <ac:spMkLst>
+            <pc:docMk/>
+            <pc:sldMk cId="3935255901" sldId="271"/>
+            <ac:spMk id="2" creationId="{2227B6A9-C82E-2DD9-7DB3-45D6EA88C8A3}"/>
+          </ac:spMkLst>
+        </pc:spChg>
+        <pc:spChg chg="mod">
+          <ac:chgData name="Ben Jones (Ben Jones)" userId="e6e8a0f3-34fe-4d14-b7ab-3a9f1769fff2" providerId="ADAL" clId="{5E7C3CBE-C13F-479A-83E0-3A9F66E33821}" dt="2025-06-11T11:51:37.260" v="112" actId="255"/>
+          <ac:spMkLst>
+            <pc:docMk/>
+            <pc:sldMk cId="3935255901" sldId="271"/>
+            <ac:spMk id="3" creationId="{86FA9FFB-5055-BFCD-164D-DE40409E9218}"/>
+          </ac:spMkLst>
+        </pc:spChg>
+      </pc:sldChg>
+      <pc:sldChg chg="modSp add mod">
+        <pc:chgData name="Ben Jones (Ben Jones)" userId="e6e8a0f3-34fe-4d14-b7ab-3a9f1769fff2" providerId="ADAL" clId="{5E7C3CBE-C13F-479A-83E0-3A9F66E33821}" dt="2025-06-11T11:53:50.557" v="157" actId="313"/>
+        <pc:sldMkLst>
+          <pc:docMk/>
+          <pc:sldMk cId="3954115330" sldId="272"/>
+        </pc:sldMkLst>
+        <pc:spChg chg="mod">
+          <ac:chgData name="Ben Jones (Ben Jones)" userId="e6e8a0f3-34fe-4d14-b7ab-3a9f1769fff2" providerId="ADAL" clId="{5E7C3CBE-C13F-479A-83E0-3A9F66E33821}" dt="2025-06-11T11:53:50.557" v="157" actId="313"/>
+          <ac:spMkLst>
+            <pc:docMk/>
+            <pc:sldMk cId="3954115330" sldId="272"/>
+            <ac:spMk id="2" creationId="{528E37FF-521C-1B29-E323-AC7353AE025D}"/>
+          </ac:spMkLst>
+        </pc:spChg>
+        <pc:spChg chg="mod">
+          <ac:chgData name="Ben Jones (Ben Jones)" userId="e6e8a0f3-34fe-4d14-b7ab-3a9f1769fff2" providerId="ADAL" clId="{5E7C3CBE-C13F-479A-83E0-3A9F66E33821}" dt="2025-06-11T11:53:29.932" v="154" actId="255"/>
+          <ac:spMkLst>
+            <pc:docMk/>
+            <pc:sldMk cId="3954115330" sldId="272"/>
+            <ac:spMk id="3" creationId="{58228046-57AE-2A32-24F6-F698D2B780B5}"/>
+          </ac:spMkLst>
+        </pc:spChg>
+      </pc:sldChg>
+      <pc:sldChg chg="modSp add mod">
+        <pc:chgData name="Ben Jones (Ben Jones)" userId="e6e8a0f3-34fe-4d14-b7ab-3a9f1769fff2" providerId="ADAL" clId="{5E7C3CBE-C13F-479A-83E0-3A9F66E33821}" dt="2025-06-11T11:55:38.398" v="212" actId="255"/>
+        <pc:sldMkLst>
+          <pc:docMk/>
+          <pc:sldMk cId="3561427741" sldId="273"/>
+        </pc:sldMkLst>
+        <pc:spChg chg="mod">
+          <ac:chgData name="Ben Jones (Ben Jones)" userId="e6e8a0f3-34fe-4d14-b7ab-3a9f1769fff2" providerId="ADAL" clId="{5E7C3CBE-C13F-479A-83E0-3A9F66E33821}" dt="2025-06-11T11:54:13.294" v="175" actId="20577"/>
+          <ac:spMkLst>
+            <pc:docMk/>
+            <pc:sldMk cId="3561427741" sldId="273"/>
+            <ac:spMk id="2" creationId="{F42EB0A4-F3A7-981F-DD85-195F162ACF98}"/>
+          </ac:spMkLst>
+        </pc:spChg>
+        <pc:spChg chg="mod">
+          <ac:chgData name="Ben Jones (Ben Jones)" userId="e6e8a0f3-34fe-4d14-b7ab-3a9f1769fff2" providerId="ADAL" clId="{5E7C3CBE-C13F-479A-83E0-3A9F66E33821}" dt="2025-06-11T11:55:38.398" v="212" actId="255"/>
+          <ac:spMkLst>
+            <pc:docMk/>
+            <pc:sldMk cId="3561427741" sldId="273"/>
+            <ac:spMk id="3" creationId="{19927C9F-B595-0DA0-D9E0-072FFA8A4050}"/>
+          </ac:spMkLst>
+        </pc:spChg>
       </pc:sldChg>
     </pc:docChg>
   </pc:docChgLst>
   <pc:docChgLst>
-    <pc:chgData name="Ben Jones (Ben Jones)" userId="e6e8a0f3-34fe-4d14-b7ab-3a9f1769fff2" providerId="ADAL" clId="{78C1D944-C5E2-4D33-BE3A-5C243E175D98}"/>
+    <pc:chgData name="Ben Jones (Ben Jones)" userId="e6e8a0f3-34fe-4d14-b7ab-3a9f1769fff2" providerId="ADAL" clId="{B204C6DB-D499-4973-8E04-3A79F73ABFFA}"/>
     <pc:docChg chg="undo custSel addSld modSld">
-      <pc:chgData name="Ben Jones (Ben Jones)" userId="e6e8a0f3-34fe-4d14-b7ab-3a9f1769fff2" providerId="ADAL" clId="{78C1D944-C5E2-4D33-BE3A-5C243E175D98}" dt="2025-06-10T10:39:40.222" v="850" actId="20577"/>
+      <pc:chgData name="Ben Jones (Ben Jones)" userId="e6e8a0f3-34fe-4d14-b7ab-3a9f1769fff2" providerId="ADAL" clId="{B204C6DB-D499-4973-8E04-3A79F73ABFFA}" dt="2025-06-10T12:01:58.119" v="224" actId="113"/>
       <pc:docMkLst>
         <pc:docMk/>
       </pc:docMkLst>
-      <pc:sldChg chg="addSp delSp modSp new mod modClrScheme chgLayout">
-        <pc:chgData name="Ben Jones (Ben Jones)" userId="e6e8a0f3-34fe-4d14-b7ab-3a9f1769fff2" providerId="ADAL" clId="{78C1D944-C5E2-4D33-BE3A-5C243E175D98}" dt="2025-06-10T10:18:29.456" v="9" actId="20577"/>
+      <pc:sldChg chg="modSp mod">
+        <pc:chgData name="Ben Jones (Ben Jones)" userId="e6e8a0f3-34fe-4d14-b7ab-3a9f1769fff2" providerId="ADAL" clId="{B204C6DB-D499-4973-8E04-3A79F73ABFFA}" dt="2025-06-10T11:46:30.913" v="35" actId="20577"/>
+        <pc:sldMkLst>
+          <pc:docMk/>
+          <pc:sldMk cId="4046351447" sldId="256"/>
+        </pc:sldMkLst>
+        <pc:spChg chg="mod">
+          <ac:chgData name="Ben Jones (Ben Jones)" userId="e6e8a0f3-34fe-4d14-b7ab-3a9f1769fff2" providerId="ADAL" clId="{B204C6DB-D499-4973-8E04-3A79F73ABFFA}" dt="2025-06-10T11:46:30.913" v="35" actId="20577"/>
+          <ac:spMkLst>
+            <pc:docMk/>
+            <pc:sldMk cId="4046351447" sldId="256"/>
+            <ac:spMk id="3" creationId="{2007677D-E31B-D163-E787-0648982398C7}"/>
+          </ac:spMkLst>
+        </pc:spChg>
+      </pc:sldChg>
+      <pc:sldChg chg="modSp mod">
+        <pc:chgData name="Ben Jones (Ben Jones)" userId="e6e8a0f3-34fe-4d14-b7ab-3a9f1769fff2" providerId="ADAL" clId="{B204C6DB-D499-4973-8E04-3A79F73ABFFA}" dt="2025-06-10T11:41:20.629" v="10" actId="6549"/>
         <pc:sldMkLst>
           <pc:docMk/>
           <pc:sldMk cId="3635014069" sldId="258"/>
         </pc:sldMkLst>
-        <pc:spChg chg="del mod ord">
-          <ac:chgData name="Ben Jones (Ben Jones)" userId="e6e8a0f3-34fe-4d14-b7ab-3a9f1769fff2" providerId="ADAL" clId="{78C1D944-C5E2-4D33-BE3A-5C243E175D98}" dt="2025-06-10T10:18:22.469" v="1" actId="700"/>
-          <ac:spMkLst>
-            <pc:docMk/>
-            <pc:sldMk cId="3635014069" sldId="258"/>
-            <ac:spMk id="2" creationId="{433DCE4A-741B-0840-AB3D-6BCC0CF7A4DF}"/>
-          </ac:spMkLst>
-        </pc:spChg>
-        <pc:spChg chg="del mod ord">
-          <ac:chgData name="Ben Jones (Ben Jones)" userId="e6e8a0f3-34fe-4d14-b7ab-3a9f1769fff2" providerId="ADAL" clId="{78C1D944-C5E2-4D33-BE3A-5C243E175D98}" dt="2025-06-10T10:18:22.469" v="1" actId="700"/>
-          <ac:spMkLst>
-            <pc:docMk/>
-            <pc:sldMk cId="3635014069" sldId="258"/>
-            <ac:spMk id="3" creationId="{899E9525-4288-EB9D-AE0B-7E1D12803FCB}"/>
-          </ac:spMkLst>
-        </pc:spChg>
-        <pc:spChg chg="del">
-          <ac:chgData name="Ben Jones (Ben Jones)" userId="e6e8a0f3-34fe-4d14-b7ab-3a9f1769fff2" providerId="ADAL" clId="{78C1D944-C5E2-4D33-BE3A-5C243E175D98}" dt="2025-06-10T10:18:22.469" v="1" actId="700"/>
-          <ac:spMkLst>
-            <pc:docMk/>
-            <pc:sldMk cId="3635014069" sldId="258"/>
-            <ac:spMk id="4" creationId="{B4FF68E1-671A-D9B2-D9B2-431B35F8ED63}"/>
-          </ac:spMkLst>
-        </pc:spChg>
-        <pc:spChg chg="add mod ord">
-          <ac:chgData name="Ben Jones (Ben Jones)" userId="e6e8a0f3-34fe-4d14-b7ab-3a9f1769fff2" providerId="ADAL" clId="{78C1D944-C5E2-4D33-BE3A-5C243E175D98}" dt="2025-06-10T10:18:24.928" v="6" actId="20577"/>
-          <ac:spMkLst>
-            <pc:docMk/>
-            <pc:sldMk cId="3635014069" sldId="258"/>
-            <ac:spMk id="5" creationId="{3A179642-EA8A-3ADF-9E0E-56E7F6E9C340}"/>
-          </ac:spMkLst>
-        </pc:spChg>
-        <pc:spChg chg="add mod ord">
-          <ac:chgData name="Ben Jones (Ben Jones)" userId="e6e8a0f3-34fe-4d14-b7ab-3a9f1769fff2" providerId="ADAL" clId="{78C1D944-C5E2-4D33-BE3A-5C243E175D98}" dt="2025-06-10T10:18:29.456" v="9" actId="20577"/>
+        <pc:spChg chg="mod">
+          <ac:chgData name="Ben Jones (Ben Jones)" userId="e6e8a0f3-34fe-4d14-b7ab-3a9f1769fff2" providerId="ADAL" clId="{B204C6DB-D499-4973-8E04-3A79F73ABFFA}" dt="2025-06-10T11:41:20.629" v="10" actId="6549"/>
           <ac:spMkLst>
             <pc:docMk/>
             <pc:sldMk cId="3635014069" sldId="258"/>
@@ -555,298 +1321,53 @@
           </ac:spMkLst>
         </pc:spChg>
       </pc:sldChg>
-      <pc:sldChg chg="addSp delSp modSp new mod modClrScheme chgLayout">
-        <pc:chgData name="Ben Jones (Ben Jones)" userId="e6e8a0f3-34fe-4d14-b7ab-3a9f1769fff2" providerId="ADAL" clId="{78C1D944-C5E2-4D33-BE3A-5C243E175D98}" dt="2025-06-10T10:26:42.249" v="156" actId="27636"/>
-        <pc:sldMkLst>
-          <pc:docMk/>
-          <pc:sldMk cId="3761732179" sldId="259"/>
-        </pc:sldMkLst>
-        <pc:spChg chg="del mod ord">
-          <ac:chgData name="Ben Jones (Ben Jones)" userId="e6e8a0f3-34fe-4d14-b7ab-3a9f1769fff2" providerId="ADAL" clId="{78C1D944-C5E2-4D33-BE3A-5C243E175D98}" dt="2025-06-10T10:20:37.666" v="11" actId="700"/>
-          <ac:spMkLst>
-            <pc:docMk/>
-            <pc:sldMk cId="3761732179" sldId="259"/>
-            <ac:spMk id="2" creationId="{6BC6F18A-50A0-5F01-FEAB-4F35D8C359A0}"/>
-          </ac:spMkLst>
-        </pc:spChg>
-        <pc:spChg chg="del mod ord">
-          <ac:chgData name="Ben Jones (Ben Jones)" userId="e6e8a0f3-34fe-4d14-b7ab-3a9f1769fff2" providerId="ADAL" clId="{78C1D944-C5E2-4D33-BE3A-5C243E175D98}" dt="2025-06-10T10:20:37.666" v="11" actId="700"/>
-          <ac:spMkLst>
-            <pc:docMk/>
-            <pc:sldMk cId="3761732179" sldId="259"/>
-            <ac:spMk id="3" creationId="{54CB68D8-3828-8D9F-5BA1-F26475E17F10}"/>
-          </ac:spMkLst>
-        </pc:spChg>
-        <pc:spChg chg="add mod ord">
-          <ac:chgData name="Ben Jones (Ben Jones)" userId="e6e8a0f3-34fe-4d14-b7ab-3a9f1769fff2" providerId="ADAL" clId="{78C1D944-C5E2-4D33-BE3A-5C243E175D98}" dt="2025-06-10T10:20:44.568" v="33" actId="20577"/>
-          <ac:spMkLst>
-            <pc:docMk/>
-            <pc:sldMk cId="3761732179" sldId="259"/>
-            <ac:spMk id="4" creationId="{34E858F3-6574-26AD-D895-9F4874EC3BF2}"/>
-          </ac:spMkLst>
-        </pc:spChg>
-        <pc:spChg chg="add del mod ord">
-          <ac:chgData name="Ben Jones (Ben Jones)" userId="e6e8a0f3-34fe-4d14-b7ab-3a9f1769fff2" providerId="ADAL" clId="{78C1D944-C5E2-4D33-BE3A-5C243E175D98}" dt="2025-06-10T10:22:49.706" v="130"/>
-          <ac:spMkLst>
-            <pc:docMk/>
-            <pc:sldMk cId="3761732179" sldId="259"/>
-            <ac:spMk id="5" creationId="{77DCFBFC-F0A8-F3A5-427B-4F924F194E43}"/>
-          </ac:spMkLst>
-        </pc:spChg>
-        <pc:spChg chg="add mod ord">
-          <ac:chgData name="Ben Jones (Ben Jones)" userId="e6e8a0f3-34fe-4d14-b7ab-3a9f1769fff2" providerId="ADAL" clId="{78C1D944-C5E2-4D33-BE3A-5C243E175D98}" dt="2025-06-10T10:26:42.249" v="156" actId="27636"/>
-          <ac:spMkLst>
-            <pc:docMk/>
-            <pc:sldMk cId="3761732179" sldId="259"/>
-            <ac:spMk id="6" creationId="{6922DC9A-D773-BD11-9F06-5446190100C7}"/>
-          </ac:spMkLst>
-        </pc:spChg>
-        <pc:picChg chg="add mod">
-          <ac:chgData name="Ben Jones (Ben Jones)" userId="e6e8a0f3-34fe-4d14-b7ab-3a9f1769fff2" providerId="ADAL" clId="{78C1D944-C5E2-4D33-BE3A-5C243E175D98}" dt="2025-06-10T10:22:53.604" v="131" actId="27614"/>
-          <ac:picMkLst>
-            <pc:docMk/>
-            <pc:sldMk cId="3761732179" sldId="259"/>
-            <ac:picMk id="8" creationId="{5026CB8D-2FD0-2434-C269-76F083701408}"/>
-          </ac:picMkLst>
-        </pc:picChg>
-      </pc:sldChg>
-      <pc:sldChg chg="addSp delSp modSp new mod modClrScheme chgLayout">
-        <pc:chgData name="Ben Jones (Ben Jones)" userId="e6e8a0f3-34fe-4d14-b7ab-3a9f1769fff2" providerId="ADAL" clId="{78C1D944-C5E2-4D33-BE3A-5C243E175D98}" dt="2025-06-10T10:27:03.572" v="160"/>
-        <pc:sldMkLst>
-          <pc:docMk/>
-          <pc:sldMk cId="119910343" sldId="260"/>
-        </pc:sldMkLst>
-        <pc:spChg chg="del mod ord">
-          <ac:chgData name="Ben Jones (Ben Jones)" userId="e6e8a0f3-34fe-4d14-b7ab-3a9f1769fff2" providerId="ADAL" clId="{78C1D944-C5E2-4D33-BE3A-5C243E175D98}" dt="2025-06-10T10:23:19.243" v="133" actId="700"/>
-          <ac:spMkLst>
-            <pc:docMk/>
-            <pc:sldMk cId="119910343" sldId="260"/>
-            <ac:spMk id="2" creationId="{7122FAA5-E19E-8A80-B4F2-16AE3A80892A}"/>
-          </ac:spMkLst>
-        </pc:spChg>
-        <pc:spChg chg="del mod ord">
-          <ac:chgData name="Ben Jones (Ben Jones)" userId="e6e8a0f3-34fe-4d14-b7ab-3a9f1769fff2" providerId="ADAL" clId="{78C1D944-C5E2-4D33-BE3A-5C243E175D98}" dt="2025-06-10T10:23:19.243" v="133" actId="700"/>
-          <ac:spMkLst>
-            <pc:docMk/>
-            <pc:sldMk cId="119910343" sldId="260"/>
-            <ac:spMk id="3" creationId="{576FB2C6-21C8-42FA-A68C-6805E5690CB3}"/>
-          </ac:spMkLst>
-        </pc:spChg>
-        <pc:spChg chg="del">
-          <ac:chgData name="Ben Jones (Ben Jones)" userId="e6e8a0f3-34fe-4d14-b7ab-3a9f1769fff2" providerId="ADAL" clId="{78C1D944-C5E2-4D33-BE3A-5C243E175D98}" dt="2025-06-10T10:23:19.243" v="133" actId="700"/>
-          <ac:spMkLst>
-            <pc:docMk/>
-            <pc:sldMk cId="119910343" sldId="260"/>
-            <ac:spMk id="4" creationId="{62C5E1C9-7BC1-3469-AFB1-1B216CBD00A6}"/>
-          </ac:spMkLst>
-        </pc:spChg>
-        <pc:spChg chg="add mod ord">
-          <ac:chgData name="Ben Jones (Ben Jones)" userId="e6e8a0f3-34fe-4d14-b7ab-3a9f1769fff2" providerId="ADAL" clId="{78C1D944-C5E2-4D33-BE3A-5C243E175D98}" dt="2025-06-10T10:26:03.616" v="152" actId="700"/>
-          <ac:spMkLst>
-            <pc:docMk/>
-            <pc:sldMk cId="119910343" sldId="260"/>
-            <ac:spMk id="5" creationId="{CAB6EDA1-5368-156C-E10E-309A274C4DC9}"/>
-          </ac:spMkLst>
-        </pc:spChg>
-        <pc:spChg chg="add del mod ord">
-          <ac:chgData name="Ben Jones (Ben Jones)" userId="e6e8a0f3-34fe-4d14-b7ab-3a9f1769fff2" providerId="ADAL" clId="{78C1D944-C5E2-4D33-BE3A-5C243E175D98}" dt="2025-06-10T10:26:03.616" v="152" actId="700"/>
-          <ac:spMkLst>
-            <pc:docMk/>
-            <pc:sldMk cId="119910343" sldId="260"/>
-            <ac:spMk id="6" creationId="{35749206-A58C-CBE0-6FC6-523123E0EF5C}"/>
-          </ac:spMkLst>
-        </pc:spChg>
-        <pc:spChg chg="add del mod ord">
-          <ac:chgData name="Ben Jones (Ben Jones)" userId="e6e8a0f3-34fe-4d14-b7ab-3a9f1769fff2" providerId="ADAL" clId="{78C1D944-C5E2-4D33-BE3A-5C243E175D98}" dt="2025-06-10T10:26:05.585" v="153" actId="22"/>
-          <ac:spMkLst>
-            <pc:docMk/>
-            <pc:sldMk cId="119910343" sldId="260"/>
-            <ac:spMk id="7" creationId="{E91E7BE5-7F9D-90B3-B90F-D80E25928A9A}"/>
-          </ac:spMkLst>
-        </pc:spChg>
-        <pc:spChg chg="add del mod ord">
-          <ac:chgData name="Ben Jones (Ben Jones)" userId="e6e8a0f3-34fe-4d14-b7ab-3a9f1769fff2" providerId="ADAL" clId="{78C1D944-C5E2-4D33-BE3A-5C243E175D98}" dt="2025-06-10T10:27:03.572" v="160"/>
-          <ac:spMkLst>
-            <pc:docMk/>
-            <pc:sldMk cId="119910343" sldId="260"/>
-            <ac:spMk id="8" creationId="{8B0B4C97-2535-9EAF-2C7C-8F0CAA91079E}"/>
-          </ac:spMkLst>
-        </pc:spChg>
-        <pc:spChg chg="add mod">
-          <ac:chgData name="Ben Jones (Ben Jones)" userId="e6e8a0f3-34fe-4d14-b7ab-3a9f1769fff2" providerId="ADAL" clId="{78C1D944-C5E2-4D33-BE3A-5C243E175D98}" dt="2025-06-10T10:27:01.151" v="158"/>
-          <ac:spMkLst>
-            <pc:docMk/>
-            <pc:sldMk cId="119910343" sldId="260"/>
-            <ac:spMk id="11" creationId="{6D037062-8BE8-F21E-33DA-F932ACA60810}"/>
-          </ac:spMkLst>
-        </pc:spChg>
-        <pc:picChg chg="add mod ord">
-          <ac:chgData name="Ben Jones (Ben Jones)" userId="e6e8a0f3-34fe-4d14-b7ab-3a9f1769fff2" providerId="ADAL" clId="{78C1D944-C5E2-4D33-BE3A-5C243E175D98}" dt="2025-06-10T10:26:05.585" v="153" actId="22"/>
-          <ac:picMkLst>
-            <pc:docMk/>
-            <pc:sldMk cId="119910343" sldId="260"/>
-            <ac:picMk id="10" creationId="{D2AF5855-D741-F058-7B7E-5BCEDAF86853}"/>
-          </ac:picMkLst>
-        </pc:picChg>
-      </pc:sldChg>
-      <pc:sldChg chg="addSp delSp modSp new mod modClrScheme chgLayout">
-        <pc:chgData name="Ben Jones (Ben Jones)" userId="e6e8a0f3-34fe-4d14-b7ab-3a9f1769fff2" providerId="ADAL" clId="{78C1D944-C5E2-4D33-BE3A-5C243E175D98}" dt="2025-06-10T10:36:06.225" v="793" actId="20577"/>
+      <pc:sldChg chg="addSp delSp modSp mod chgLayout">
+        <pc:chgData name="Ben Jones (Ben Jones)" userId="e6e8a0f3-34fe-4d14-b7ab-3a9f1769fff2" providerId="ADAL" clId="{B204C6DB-D499-4973-8E04-3A79F73ABFFA}" dt="2025-06-10T11:51:43.168" v="159" actId="113"/>
         <pc:sldMkLst>
           <pc:docMk/>
           <pc:sldMk cId="3539071505" sldId="261"/>
         </pc:sldMkLst>
-        <pc:spChg chg="del mod ord">
-          <ac:chgData name="Ben Jones (Ben Jones)" userId="e6e8a0f3-34fe-4d14-b7ab-3a9f1769fff2" providerId="ADAL" clId="{78C1D944-C5E2-4D33-BE3A-5C243E175D98}" dt="2025-06-10T10:33:39.344" v="739" actId="700"/>
+        <pc:spChg chg="add mod ord">
+          <ac:chgData name="Ben Jones (Ben Jones)" userId="e6e8a0f3-34fe-4d14-b7ab-3a9f1769fff2" providerId="ADAL" clId="{B204C6DB-D499-4973-8E04-3A79F73ABFFA}" dt="2025-06-10T11:51:43.168" v="159" actId="113"/>
           <ac:spMkLst>
             <pc:docMk/>
             <pc:sldMk cId="3539071505" sldId="261"/>
-            <ac:spMk id="2" creationId="{552FCBC4-955F-8AE1-F8E4-1F21413CC949}"/>
-          </ac:spMkLst>
-        </pc:spChg>
-        <pc:spChg chg="del mod ord">
-          <ac:chgData name="Ben Jones (Ben Jones)" userId="e6e8a0f3-34fe-4d14-b7ab-3a9f1769fff2" providerId="ADAL" clId="{78C1D944-C5E2-4D33-BE3A-5C243E175D98}" dt="2025-06-10T10:33:39.344" v="739" actId="700"/>
-          <ac:spMkLst>
-            <pc:docMk/>
-            <pc:sldMk cId="3539071505" sldId="261"/>
-            <ac:spMk id="3" creationId="{7A0048FB-635A-D09C-3384-BF483F124939}"/>
-          </ac:spMkLst>
-        </pc:spChg>
-        <pc:spChg chg="del">
-          <ac:chgData name="Ben Jones (Ben Jones)" userId="e6e8a0f3-34fe-4d14-b7ab-3a9f1769fff2" providerId="ADAL" clId="{78C1D944-C5E2-4D33-BE3A-5C243E175D98}" dt="2025-06-10T10:33:39.344" v="739" actId="700"/>
-          <ac:spMkLst>
-            <pc:docMk/>
-            <pc:sldMk cId="3539071505" sldId="261"/>
-            <ac:spMk id="4" creationId="{1960A6A1-305E-85AC-9DCE-424B0FD3AD65}"/>
-          </ac:spMkLst>
-        </pc:spChg>
-        <pc:spChg chg="add mod ord">
-          <ac:chgData name="Ben Jones (Ben Jones)" userId="e6e8a0f3-34fe-4d14-b7ab-3a9f1769fff2" providerId="ADAL" clId="{78C1D944-C5E2-4D33-BE3A-5C243E175D98}" dt="2025-06-10T10:36:06.225" v="793" actId="20577"/>
+            <ac:spMk id="2" creationId="{4481EFF5-5670-D5D5-E8BD-822601FCA247}"/>
+          </ac:spMkLst>
+        </pc:spChg>
+        <pc:spChg chg="mod ord">
+          <ac:chgData name="Ben Jones (Ben Jones)" userId="e6e8a0f3-34fe-4d14-b7ab-3a9f1769fff2" providerId="ADAL" clId="{B204C6DB-D499-4973-8E04-3A79F73ABFFA}" dt="2025-06-10T11:48:59.577" v="114" actId="700"/>
           <ac:spMkLst>
             <pc:docMk/>
             <pc:sldMk cId="3539071505" sldId="261"/>
             <ac:spMk id="5" creationId="{D486937B-AE08-CEA9-288B-A7E12B6EEC9E}"/>
           </ac:spMkLst>
         </pc:spChg>
-        <pc:spChg chg="add del mod ord">
-          <ac:chgData name="Ben Jones (Ben Jones)" userId="e6e8a0f3-34fe-4d14-b7ab-3a9f1769fff2" providerId="ADAL" clId="{78C1D944-C5E2-4D33-BE3A-5C243E175D98}" dt="2025-06-10T10:34:10.174" v="769" actId="700"/>
-          <ac:spMkLst>
-            <pc:docMk/>
-            <pc:sldMk cId="3539071505" sldId="261"/>
-            <ac:spMk id="6" creationId="{51C6FAEF-D681-780C-98A5-7C89D373BDDF}"/>
-          </ac:spMkLst>
-        </pc:spChg>
-        <pc:spChg chg="add mod ord">
-          <ac:chgData name="Ben Jones (Ben Jones)" userId="e6e8a0f3-34fe-4d14-b7ab-3a9f1769fff2" providerId="ADAL" clId="{78C1D944-C5E2-4D33-BE3A-5C243E175D98}" dt="2025-06-10T10:35:42.310" v="780" actId="368"/>
-          <ac:spMkLst>
-            <pc:docMk/>
-            <pc:sldMk cId="3539071505" sldId="261"/>
-            <ac:spMk id="7" creationId="{EFEA9320-0444-71FB-F85F-FBA13C9156C9}"/>
-          </ac:spMkLst>
-        </pc:spChg>
-        <pc:spChg chg="add mod ord">
-          <ac:chgData name="Ben Jones (Ben Jones)" userId="e6e8a0f3-34fe-4d14-b7ab-3a9f1769fff2" providerId="ADAL" clId="{78C1D944-C5E2-4D33-BE3A-5C243E175D98}" dt="2025-06-10T10:34:19.461" v="774" actId="5793"/>
+        <pc:spChg chg="del mod">
+          <ac:chgData name="Ben Jones (Ben Jones)" userId="e6e8a0f3-34fe-4d14-b7ab-3a9f1769fff2" providerId="ADAL" clId="{B204C6DB-D499-4973-8E04-3A79F73ABFFA}" dt="2025-06-10T11:48:54.958" v="113" actId="478"/>
           <ac:spMkLst>
             <pc:docMk/>
             <pc:sldMk cId="3539071505" sldId="261"/>
             <ac:spMk id="8" creationId="{359FE974-4D1E-3967-5B90-8562E74CE499}"/>
           </ac:spMkLst>
         </pc:spChg>
-        <pc:spChg chg="add mod ord">
-          <ac:chgData name="Ben Jones (Ben Jones)" userId="e6e8a0f3-34fe-4d14-b7ab-3a9f1769fff2" providerId="ADAL" clId="{78C1D944-C5E2-4D33-BE3A-5C243E175D98}" dt="2025-06-10T10:34:35.839" v="777" actId="20577"/>
-          <ac:spMkLst>
-            <pc:docMk/>
-            <pc:sldMk cId="3539071505" sldId="261"/>
-            <ac:spMk id="9" creationId="{D6523559-2C61-8EBE-6F77-9D95DA6B8E76}"/>
-          </ac:spMkLst>
-        </pc:spChg>
-        <pc:spChg chg="add mod ord">
-          <ac:chgData name="Ben Jones (Ben Jones)" userId="e6e8a0f3-34fe-4d14-b7ab-3a9f1769fff2" providerId="ADAL" clId="{78C1D944-C5E2-4D33-BE3A-5C243E175D98}" dt="2025-06-10T10:34:38.996" v="779" actId="5793"/>
-          <ac:spMkLst>
-            <pc:docMk/>
-            <pc:sldMk cId="3539071505" sldId="261"/>
-            <ac:spMk id="10" creationId="{84DCB01C-1983-9701-C36D-97E70AE72B48}"/>
-          </ac:spMkLst>
-        </pc:spChg>
       </pc:sldChg>
-      <pc:sldChg chg="modSp add mod">
-        <pc:chgData name="Ben Jones (Ben Jones)" userId="e6e8a0f3-34fe-4d14-b7ab-3a9f1769fff2" providerId="ADAL" clId="{78C1D944-C5E2-4D33-BE3A-5C243E175D98}" dt="2025-06-10T10:32:56.914" v="738" actId="20577"/>
-        <pc:sldMkLst>
-          <pc:docMk/>
-          <pc:sldMk cId="3768076261" sldId="262"/>
-        </pc:sldMkLst>
-        <pc:spChg chg="mod">
-          <ac:chgData name="Ben Jones (Ben Jones)" userId="e6e8a0f3-34fe-4d14-b7ab-3a9f1769fff2" providerId="ADAL" clId="{78C1D944-C5E2-4D33-BE3A-5C243E175D98}" dt="2025-06-10T10:27:55.180" v="180" actId="20577"/>
-          <ac:spMkLst>
-            <pc:docMk/>
-            <pc:sldMk cId="3768076261" sldId="262"/>
-            <ac:spMk id="5" creationId="{CB87B387-E9FE-C7F6-2747-83EEAC469951}"/>
-          </ac:spMkLst>
-        </pc:spChg>
-        <pc:spChg chg="mod">
-          <ac:chgData name="Ben Jones (Ben Jones)" userId="e6e8a0f3-34fe-4d14-b7ab-3a9f1769fff2" providerId="ADAL" clId="{78C1D944-C5E2-4D33-BE3A-5C243E175D98}" dt="2025-06-10T10:32:56.914" v="738" actId="20577"/>
-          <ac:spMkLst>
-            <pc:docMk/>
-            <pc:sldMk cId="3768076261" sldId="262"/>
-            <ac:spMk id="8" creationId="{7D7A5026-098C-E06D-AE74-C3BF1B1C95AA}"/>
-          </ac:spMkLst>
-        </pc:spChg>
-      </pc:sldChg>
-      <pc:sldChg chg="addSp delSp modSp new mod modClrScheme chgLayout">
-        <pc:chgData name="Ben Jones (Ben Jones)" userId="e6e8a0f3-34fe-4d14-b7ab-3a9f1769fff2" providerId="ADAL" clId="{78C1D944-C5E2-4D33-BE3A-5C243E175D98}" dt="2025-06-10T10:39:35.454" v="845" actId="20577"/>
+      <pc:sldChg chg="modSp mod">
+        <pc:chgData name="Ben Jones (Ben Jones)" userId="e6e8a0f3-34fe-4d14-b7ab-3a9f1769fff2" providerId="ADAL" clId="{B204C6DB-D499-4973-8E04-3A79F73ABFFA}" dt="2025-06-10T12:00:53.307" v="204" actId="20577"/>
         <pc:sldMkLst>
           <pc:docMk/>
           <pc:sldMk cId="1175822862" sldId="263"/>
         </pc:sldMkLst>
-        <pc:spChg chg="del mod ord">
-          <ac:chgData name="Ben Jones (Ben Jones)" userId="e6e8a0f3-34fe-4d14-b7ab-3a9f1769fff2" providerId="ADAL" clId="{78C1D944-C5E2-4D33-BE3A-5C243E175D98}" dt="2025-06-10T10:36:28.714" v="796" actId="700"/>
-          <ac:spMkLst>
-            <pc:docMk/>
-            <pc:sldMk cId="1175822862" sldId="263"/>
-            <ac:spMk id="2" creationId="{B36F7922-3FD2-5254-D6C9-A29D3EC83AA0}"/>
-          </ac:spMkLst>
-        </pc:spChg>
-        <pc:spChg chg="del">
-          <ac:chgData name="Ben Jones (Ben Jones)" userId="e6e8a0f3-34fe-4d14-b7ab-3a9f1769fff2" providerId="ADAL" clId="{78C1D944-C5E2-4D33-BE3A-5C243E175D98}" dt="2025-06-10T10:36:28.714" v="796" actId="700"/>
-          <ac:spMkLst>
-            <pc:docMk/>
-            <pc:sldMk cId="1175822862" sldId="263"/>
-            <ac:spMk id="3" creationId="{76FAADD7-01A6-BF9D-8973-7FC361281E9A}"/>
-          </ac:spMkLst>
-        </pc:spChg>
-        <pc:spChg chg="del mod ord">
-          <ac:chgData name="Ben Jones (Ben Jones)" userId="e6e8a0f3-34fe-4d14-b7ab-3a9f1769fff2" providerId="ADAL" clId="{78C1D944-C5E2-4D33-BE3A-5C243E175D98}" dt="2025-06-10T10:36:28.714" v="796" actId="700"/>
-          <ac:spMkLst>
-            <pc:docMk/>
-            <pc:sldMk cId="1175822862" sldId="263"/>
-            <ac:spMk id="4" creationId="{469B33A5-F61D-55B1-29EF-64A0B9EC6CEA}"/>
-          </ac:spMkLst>
-        </pc:spChg>
-        <pc:spChg chg="del">
-          <ac:chgData name="Ben Jones (Ben Jones)" userId="e6e8a0f3-34fe-4d14-b7ab-3a9f1769fff2" providerId="ADAL" clId="{78C1D944-C5E2-4D33-BE3A-5C243E175D98}" dt="2025-06-10T10:36:28.714" v="796" actId="700"/>
-          <ac:spMkLst>
-            <pc:docMk/>
-            <pc:sldMk cId="1175822862" sldId="263"/>
-            <ac:spMk id="5" creationId="{8E616ABA-FB50-2BEE-2BA7-350C3EEF918E}"/>
-          </ac:spMkLst>
-        </pc:spChg>
-        <pc:spChg chg="del">
-          <ac:chgData name="Ben Jones (Ben Jones)" userId="e6e8a0f3-34fe-4d14-b7ab-3a9f1769fff2" providerId="ADAL" clId="{78C1D944-C5E2-4D33-BE3A-5C243E175D98}" dt="2025-06-10T10:36:28.714" v="796" actId="700"/>
-          <ac:spMkLst>
-            <pc:docMk/>
-            <pc:sldMk cId="1175822862" sldId="263"/>
-            <ac:spMk id="6" creationId="{EE2C01EF-8D67-4170-14B9-59272CE770C8}"/>
-          </ac:spMkLst>
-        </pc:spChg>
-        <pc:spChg chg="add mod ord">
-          <ac:chgData name="Ben Jones (Ben Jones)" userId="e6e8a0f3-34fe-4d14-b7ab-3a9f1769fff2" providerId="ADAL" clId="{78C1D944-C5E2-4D33-BE3A-5C243E175D98}" dt="2025-06-10T10:36:36.547" v="798" actId="20577"/>
+        <pc:spChg chg="mod">
+          <ac:chgData name="Ben Jones (Ben Jones)" userId="e6e8a0f3-34fe-4d14-b7ab-3a9f1769fff2" providerId="ADAL" clId="{B204C6DB-D499-4973-8E04-3A79F73ABFFA}" dt="2025-06-10T11:52:09.481" v="188" actId="20577"/>
           <ac:spMkLst>
             <pc:docMk/>
             <pc:sldMk cId="1175822862" sldId="263"/>
             <ac:spMk id="7" creationId="{56C6F239-F5E8-6417-880B-0B56CE59D207}"/>
           </ac:spMkLst>
         </pc:spChg>
-        <pc:spChg chg="add mod ord">
-          <ac:chgData name="Ben Jones (Ben Jones)" userId="e6e8a0f3-34fe-4d14-b7ab-3a9f1769fff2" providerId="ADAL" clId="{78C1D944-C5E2-4D33-BE3A-5C243E175D98}" dt="2025-06-10T10:39:35.454" v="845" actId="20577"/>
+        <pc:spChg chg="mod">
+          <ac:chgData name="Ben Jones (Ben Jones)" userId="e6e8a0f3-34fe-4d14-b7ab-3a9f1769fff2" providerId="ADAL" clId="{B204C6DB-D499-4973-8E04-3A79F73ABFFA}" dt="2025-06-10T12:00:53.307" v="204" actId="20577"/>
           <ac:spMkLst>
             <pc:docMk/>
             <pc:sldMk cId="1175822862" sldId="263"/>
@@ -854,100 +1375,98 @@
           </ac:spMkLst>
         </pc:spChg>
       </pc:sldChg>
-      <pc:sldChg chg="addSp delSp modSp new mod modClrScheme chgLayout">
-        <pc:chgData name="Ben Jones (Ben Jones)" userId="e6e8a0f3-34fe-4d14-b7ab-3a9f1769fff2" providerId="ADAL" clId="{78C1D944-C5E2-4D33-BE3A-5C243E175D98}" dt="2025-06-10T10:39:40.222" v="850" actId="20577"/>
+      <pc:sldChg chg="addSp delSp modSp mod modClrScheme chgLayout">
+        <pc:chgData name="Ben Jones (Ben Jones)" userId="e6e8a0f3-34fe-4d14-b7ab-3a9f1769fff2" providerId="ADAL" clId="{B204C6DB-D499-4973-8E04-3A79F73ABFFA}" dt="2025-06-10T11:46:13.333" v="34" actId="20577"/>
         <pc:sldMkLst>
           <pc:docMk/>
-          <pc:sldMk cId="549990195" sldId="264"/>
+          <pc:sldMk cId="2546578239" sldId="265"/>
         </pc:sldMkLst>
+        <pc:spChg chg="mod ord">
+          <ac:chgData name="Ben Jones (Ben Jones)" userId="e6e8a0f3-34fe-4d14-b7ab-3a9f1769fff2" providerId="ADAL" clId="{B204C6DB-D499-4973-8E04-3A79F73ABFFA}" dt="2025-06-10T11:42:31.386" v="18"/>
+          <ac:spMkLst>
+            <pc:docMk/>
+            <pc:sldMk cId="2546578239" sldId="265"/>
+            <ac:spMk id="2" creationId="{698432A2-2D2E-3F70-F830-5A67ED205318}"/>
+          </ac:spMkLst>
+        </pc:spChg>
+        <pc:spChg chg="add mod">
+          <ac:chgData name="Ben Jones (Ben Jones)" userId="e6e8a0f3-34fe-4d14-b7ab-3a9f1769fff2" providerId="ADAL" clId="{B204C6DB-D499-4973-8E04-3A79F73ABFFA}" dt="2025-06-10T11:46:13.333" v="34" actId="20577"/>
+          <ac:spMkLst>
+            <pc:docMk/>
+            <pc:sldMk cId="2546578239" sldId="265"/>
+            <ac:spMk id="4" creationId="{E775B479-5750-95E9-CC66-C2F6F8180171}"/>
+          </ac:spMkLst>
+        </pc:spChg>
         <pc:spChg chg="del mod ord">
-          <ac:chgData name="Ben Jones (Ben Jones)" userId="e6e8a0f3-34fe-4d14-b7ab-3a9f1769fff2" providerId="ADAL" clId="{78C1D944-C5E2-4D33-BE3A-5C243E175D98}" dt="2025-06-10T10:37:18.750" v="805" actId="700"/>
-          <ac:spMkLst>
-            <pc:docMk/>
-            <pc:sldMk cId="549990195" sldId="264"/>
-            <ac:spMk id="2" creationId="{A57EB72A-FAC9-5FF8-E6A3-8E830C23359A}"/>
-          </ac:spMkLst>
-        </pc:spChg>
-        <pc:spChg chg="del">
-          <ac:chgData name="Ben Jones (Ben Jones)" userId="e6e8a0f3-34fe-4d14-b7ab-3a9f1769fff2" providerId="ADAL" clId="{78C1D944-C5E2-4D33-BE3A-5C243E175D98}" dt="2025-06-10T10:37:18.750" v="805" actId="700"/>
-          <ac:spMkLst>
-            <pc:docMk/>
-            <pc:sldMk cId="549990195" sldId="264"/>
-            <ac:spMk id="3" creationId="{4B459B9A-A121-9FB8-3533-C68A5F13F534}"/>
-          </ac:spMkLst>
-        </pc:spChg>
-        <pc:spChg chg="del mod ord">
-          <ac:chgData name="Ben Jones (Ben Jones)" userId="e6e8a0f3-34fe-4d14-b7ab-3a9f1769fff2" providerId="ADAL" clId="{78C1D944-C5E2-4D33-BE3A-5C243E175D98}" dt="2025-06-10T10:37:18.750" v="805" actId="700"/>
-          <ac:spMkLst>
-            <pc:docMk/>
-            <pc:sldMk cId="549990195" sldId="264"/>
-            <ac:spMk id="4" creationId="{A399DAE5-01B5-FB06-16F1-C5755F25B1DD}"/>
-          </ac:spMkLst>
-        </pc:spChg>
-        <pc:spChg chg="del">
-          <ac:chgData name="Ben Jones (Ben Jones)" userId="e6e8a0f3-34fe-4d14-b7ab-3a9f1769fff2" providerId="ADAL" clId="{78C1D944-C5E2-4D33-BE3A-5C243E175D98}" dt="2025-06-10T10:37:18.750" v="805" actId="700"/>
-          <ac:spMkLst>
-            <pc:docMk/>
-            <pc:sldMk cId="549990195" sldId="264"/>
-            <ac:spMk id="5" creationId="{8F0B9F06-AFBD-49F7-9BE1-7B56FE216A71}"/>
-          </ac:spMkLst>
-        </pc:spChg>
-        <pc:spChg chg="del">
-          <ac:chgData name="Ben Jones (Ben Jones)" userId="e6e8a0f3-34fe-4d14-b7ab-3a9f1769fff2" providerId="ADAL" clId="{78C1D944-C5E2-4D33-BE3A-5C243E175D98}" dt="2025-06-10T10:37:18.750" v="805" actId="700"/>
-          <ac:spMkLst>
-            <pc:docMk/>
-            <pc:sldMk cId="549990195" sldId="264"/>
-            <ac:spMk id="6" creationId="{4DEE1672-B77F-9592-4653-CB3C8E0634AB}"/>
-          </ac:spMkLst>
-        </pc:spChg>
-        <pc:spChg chg="add mod ord">
-          <ac:chgData name="Ben Jones (Ben Jones)" userId="e6e8a0f3-34fe-4d14-b7ab-3a9f1769fff2" providerId="ADAL" clId="{78C1D944-C5E2-4D33-BE3A-5C243E175D98}" dt="2025-06-10T10:38:58.284" v="832" actId="700"/>
-          <ac:spMkLst>
-            <pc:docMk/>
-            <pc:sldMk cId="549990195" sldId="264"/>
-            <ac:spMk id="7" creationId="{A5E19FFB-3D8F-DB03-B38B-27FE43EC06C8}"/>
-          </ac:spMkLst>
-        </pc:spChg>
-        <pc:spChg chg="add del mod ord">
-          <ac:chgData name="Ben Jones (Ben Jones)" userId="e6e8a0f3-34fe-4d14-b7ab-3a9f1769fff2" providerId="ADAL" clId="{78C1D944-C5E2-4D33-BE3A-5C243E175D98}" dt="2025-06-10T10:39:13.668" v="837" actId="478"/>
-          <ac:spMkLst>
-            <pc:docMk/>
-            <pc:sldMk cId="549990195" sldId="264"/>
-            <ac:spMk id="8" creationId="{52A00011-1D95-177D-779A-39FDCBB8629F}"/>
-          </ac:spMkLst>
-        </pc:spChg>
-        <pc:spChg chg="add mod">
-          <ac:chgData name="Ben Jones (Ben Jones)" userId="e6e8a0f3-34fe-4d14-b7ab-3a9f1769fff2" providerId="ADAL" clId="{78C1D944-C5E2-4D33-BE3A-5C243E175D98}" dt="2025-06-10T10:37:21.829" v="808"/>
-          <ac:spMkLst>
-            <pc:docMk/>
-            <pc:sldMk cId="549990195" sldId="264"/>
-            <ac:spMk id="9" creationId="{80F65A99-08C1-A978-A12B-8BB44A1B9690}"/>
-          </ac:spMkLst>
-        </pc:spChg>
-        <pc:spChg chg="add mod ord">
-          <ac:chgData name="Ben Jones (Ben Jones)" userId="e6e8a0f3-34fe-4d14-b7ab-3a9f1769fff2" providerId="ADAL" clId="{78C1D944-C5E2-4D33-BE3A-5C243E175D98}" dt="2025-06-10T10:39:40.222" v="850" actId="20577"/>
-          <ac:spMkLst>
-            <pc:docMk/>
-            <pc:sldMk cId="549990195" sldId="264"/>
-            <ac:spMk id="10" creationId="{400FA594-97CE-8BD3-D0B0-58075BCDEA2F}"/>
-          </ac:spMkLst>
-        </pc:spChg>
-        <pc:spChg chg="add del mod">
-          <ac:chgData name="Ben Jones (Ben Jones)" userId="e6e8a0f3-34fe-4d14-b7ab-3a9f1769fff2" providerId="ADAL" clId="{78C1D944-C5E2-4D33-BE3A-5C243E175D98}" dt="2025-06-10T10:39:16.928" v="838"/>
-          <ac:spMkLst>
-            <pc:docMk/>
-            <pc:sldMk cId="549990195" sldId="264"/>
-            <ac:spMk id="12" creationId="{03DC8AE5-72E6-4166-0772-D20D28E06A87}"/>
-          </ac:spMkLst>
-        </pc:spChg>
-        <pc:picChg chg="add mod">
-          <ac:chgData name="Ben Jones (Ben Jones)" userId="e6e8a0f3-34fe-4d14-b7ab-3a9f1769fff2" providerId="ADAL" clId="{78C1D944-C5E2-4D33-BE3A-5C243E175D98}" dt="2025-06-10T10:39:16.928" v="838"/>
+          <ac:chgData name="Ben Jones (Ben Jones)" userId="e6e8a0f3-34fe-4d14-b7ab-3a9f1769fff2" providerId="ADAL" clId="{B204C6DB-D499-4973-8E04-3A79F73ABFFA}" dt="2025-06-10T11:42:20.976" v="14" actId="478"/>
+          <ac:spMkLst>
+            <pc:docMk/>
+            <pc:sldMk cId="2546578239" sldId="265"/>
+            <ac:spMk id="5" creationId="{24677B90-A9AF-EC0B-A47C-BB671119F84D}"/>
+          </ac:spMkLst>
+        </pc:spChg>
+        <pc:picChg chg="del mod ord">
+          <ac:chgData name="Ben Jones (Ben Jones)" userId="e6e8a0f3-34fe-4d14-b7ab-3a9f1769fff2" providerId="ADAL" clId="{B204C6DB-D499-4973-8E04-3A79F73ABFFA}" dt="2025-06-10T11:42:22.229" v="15" actId="478"/>
           <ac:picMkLst>
             <pc:docMk/>
-            <pc:sldMk cId="549990195" sldId="264"/>
-            <ac:picMk id="13" creationId="{618E47E8-A163-12CC-AB54-95BF75450C40}"/>
+            <pc:sldMk cId="2546578239" sldId="265"/>
+            <ac:picMk id="7" creationId="{DA9346F2-BD5F-D909-036A-067426C4A237}"/>
           </ac:picMkLst>
         </pc:picChg>
+      </pc:sldChg>
+      <pc:sldChg chg="addSp delSp modSp mod">
+        <pc:chgData name="Ben Jones (Ben Jones)" userId="e6e8a0f3-34fe-4d14-b7ab-3a9f1769fff2" providerId="ADAL" clId="{B204C6DB-D499-4973-8E04-3A79F73ABFFA}" dt="2025-06-10T11:47:58.532" v="89" actId="113"/>
+        <pc:sldMkLst>
+          <pc:docMk/>
+          <pc:sldMk cId="2628338777" sldId="266"/>
+        </pc:sldMkLst>
+        <pc:spChg chg="add mod">
+          <ac:chgData name="Ben Jones (Ben Jones)" userId="e6e8a0f3-34fe-4d14-b7ab-3a9f1769fff2" providerId="ADAL" clId="{B204C6DB-D499-4973-8E04-3A79F73ABFFA}" dt="2025-06-10T11:47:58.532" v="89" actId="113"/>
+          <ac:spMkLst>
+            <pc:docMk/>
+            <pc:sldMk cId="2628338777" sldId="266"/>
+            <ac:spMk id="3" creationId="{D558FCB4-463D-4004-1C16-76D08CA2C42E}"/>
+          </ac:spMkLst>
+        </pc:spChg>
+        <pc:spChg chg="mod">
+          <ac:chgData name="Ben Jones (Ben Jones)" userId="e6e8a0f3-34fe-4d14-b7ab-3a9f1769fff2" providerId="ADAL" clId="{B204C6DB-D499-4973-8E04-3A79F73ABFFA}" dt="2025-06-10T11:46:41.021" v="51" actId="20577"/>
+          <ac:spMkLst>
+            <pc:docMk/>
+            <pc:sldMk cId="2628338777" sldId="266"/>
+            <ac:spMk id="5" creationId="{96EBD5BC-A418-B3D5-F3BE-15BADC7685D9}"/>
+          </ac:spMkLst>
+        </pc:spChg>
+        <pc:spChg chg="del mod">
+          <ac:chgData name="Ben Jones (Ben Jones)" userId="e6e8a0f3-34fe-4d14-b7ab-3a9f1769fff2" providerId="ADAL" clId="{B204C6DB-D499-4973-8E04-3A79F73ABFFA}" dt="2025-06-10T11:47:29.256" v="68" actId="478"/>
+          <ac:spMkLst>
+            <pc:docMk/>
+            <pc:sldMk cId="2628338777" sldId="266"/>
+            <ac:spMk id="6" creationId="{95A9DC49-463E-4EFF-BD3E-E4AEF9DAF757}"/>
+          </ac:spMkLst>
+        </pc:spChg>
+      </pc:sldChg>
+      <pc:sldChg chg="modSp new mod">
+        <pc:chgData name="Ben Jones (Ben Jones)" userId="e6e8a0f3-34fe-4d14-b7ab-3a9f1769fff2" providerId="ADAL" clId="{B204C6DB-D499-4973-8E04-3A79F73ABFFA}" dt="2025-06-10T12:01:58.119" v="224" actId="113"/>
+        <pc:sldMkLst>
+          <pc:docMk/>
+          <pc:sldMk cId="525501252" sldId="267"/>
+        </pc:sldMkLst>
+        <pc:spChg chg="mod">
+          <ac:chgData name="Ben Jones (Ben Jones)" userId="e6e8a0f3-34fe-4d14-b7ab-3a9f1769fff2" providerId="ADAL" clId="{B204C6DB-D499-4973-8E04-3A79F73ABFFA}" dt="2025-06-10T12:01:08.694" v="207" actId="20577"/>
+          <ac:spMkLst>
+            <pc:docMk/>
+            <pc:sldMk cId="525501252" sldId="267"/>
+            <ac:spMk id="2" creationId="{4E39B84F-40E2-A933-0A0B-26AE4074B21B}"/>
+          </ac:spMkLst>
+        </pc:spChg>
+        <pc:spChg chg="mod">
+          <ac:chgData name="Ben Jones (Ben Jones)" userId="e6e8a0f3-34fe-4d14-b7ab-3a9f1769fff2" providerId="ADAL" clId="{B204C6DB-D499-4973-8E04-3A79F73ABFFA}" dt="2025-06-10T12:01:58.119" v="224" actId="113"/>
+          <ac:spMkLst>
+            <pc:docMk/>
+            <pc:sldMk cId="525501252" sldId="267"/>
+            <ac:spMk id="3" creationId="{55D2AEAE-B87B-B831-1DC0-2D5719D54B21}"/>
+          </ac:spMkLst>
+        </pc:spChg>
       </pc:sldChg>
     </pc:docChg>
   </pc:docChgLst>
@@ -1018,35 +1537,20 @@
     </pc:docChg>
   </pc:docChgLst>
   <pc:docChgLst>
-    <pc:chgData name="Ben Jones (Ben Jones)" userId="e6e8a0f3-34fe-4d14-b7ab-3a9f1769fff2" providerId="ADAL" clId="{B204C6DB-D499-4973-8E04-3A79F73ABFFA}"/>
-    <pc:docChg chg="undo custSel addSld modSld">
-      <pc:chgData name="Ben Jones (Ben Jones)" userId="e6e8a0f3-34fe-4d14-b7ab-3a9f1769fff2" providerId="ADAL" clId="{B204C6DB-D499-4973-8E04-3A79F73ABFFA}" dt="2025-06-10T12:01:58.119" v="224" actId="113"/>
+    <pc:chgData name="Ben Jones (Ben Jones)" userId="e6e8a0f3-34fe-4d14-b7ab-3a9f1769fff2" providerId="ADAL" clId="{3261F93D-5AC4-4CA5-BCD6-8A0F1626ED9F}"/>
+    <pc:docChg chg="undo custSel modSld">
+      <pc:chgData name="Ben Jones (Ben Jones)" userId="e6e8a0f3-34fe-4d14-b7ab-3a9f1769fff2" providerId="ADAL" clId="{3261F93D-5AC4-4CA5-BCD6-8A0F1626ED9F}" dt="2025-06-11T05:54:49.811" v="41" actId="20577"/>
       <pc:docMkLst>
         <pc:docMk/>
       </pc:docMkLst>
       <pc:sldChg chg="modSp mod">
-        <pc:chgData name="Ben Jones (Ben Jones)" userId="e6e8a0f3-34fe-4d14-b7ab-3a9f1769fff2" providerId="ADAL" clId="{B204C6DB-D499-4973-8E04-3A79F73ABFFA}" dt="2025-06-10T11:46:30.913" v="35" actId="20577"/>
-        <pc:sldMkLst>
-          <pc:docMk/>
-          <pc:sldMk cId="4046351447" sldId="256"/>
-        </pc:sldMkLst>
-        <pc:spChg chg="mod">
-          <ac:chgData name="Ben Jones (Ben Jones)" userId="e6e8a0f3-34fe-4d14-b7ab-3a9f1769fff2" providerId="ADAL" clId="{B204C6DB-D499-4973-8E04-3A79F73ABFFA}" dt="2025-06-10T11:46:30.913" v="35" actId="20577"/>
-          <ac:spMkLst>
-            <pc:docMk/>
-            <pc:sldMk cId="4046351447" sldId="256"/>
-            <ac:spMk id="3" creationId="{2007677D-E31B-D163-E787-0648982398C7}"/>
-          </ac:spMkLst>
-        </pc:spChg>
-      </pc:sldChg>
-      <pc:sldChg chg="modSp mod">
-        <pc:chgData name="Ben Jones (Ben Jones)" userId="e6e8a0f3-34fe-4d14-b7ab-3a9f1769fff2" providerId="ADAL" clId="{B204C6DB-D499-4973-8E04-3A79F73ABFFA}" dt="2025-06-10T11:41:20.629" v="10" actId="6549"/>
+        <pc:chgData name="Ben Jones (Ben Jones)" userId="e6e8a0f3-34fe-4d14-b7ab-3a9f1769fff2" providerId="ADAL" clId="{3261F93D-5AC4-4CA5-BCD6-8A0F1626ED9F}" dt="2025-06-11T05:54:49.811" v="41" actId="20577"/>
         <pc:sldMkLst>
           <pc:docMk/>
           <pc:sldMk cId="3635014069" sldId="258"/>
         </pc:sldMkLst>
         <pc:spChg chg="mod">
-          <ac:chgData name="Ben Jones (Ben Jones)" userId="e6e8a0f3-34fe-4d14-b7ab-3a9f1769fff2" providerId="ADAL" clId="{B204C6DB-D499-4973-8E04-3A79F73ABFFA}" dt="2025-06-10T11:41:20.629" v="10" actId="6549"/>
+          <ac:chgData name="Ben Jones (Ben Jones)" userId="e6e8a0f3-34fe-4d14-b7ab-3a9f1769fff2" providerId="ADAL" clId="{3261F93D-5AC4-4CA5-BCD6-8A0F1626ED9F}" dt="2025-06-11T05:54:49.811" v="41" actId="20577"/>
           <ac:spMkLst>
             <pc:docMk/>
             <pc:sldMk cId="3635014069" sldId="258"/>
@@ -1054,150 +1558,33 @@
           </ac:spMkLst>
         </pc:spChg>
       </pc:sldChg>
-      <pc:sldChg chg="addSp delSp modSp mod chgLayout">
-        <pc:chgData name="Ben Jones (Ben Jones)" userId="e6e8a0f3-34fe-4d14-b7ab-3a9f1769fff2" providerId="ADAL" clId="{B204C6DB-D499-4973-8E04-3A79F73ABFFA}" dt="2025-06-10T11:51:43.168" v="159" actId="113"/>
-        <pc:sldMkLst>
-          <pc:docMk/>
-          <pc:sldMk cId="3539071505" sldId="261"/>
-        </pc:sldMkLst>
-        <pc:spChg chg="add mod ord">
-          <ac:chgData name="Ben Jones (Ben Jones)" userId="e6e8a0f3-34fe-4d14-b7ab-3a9f1769fff2" providerId="ADAL" clId="{B204C6DB-D499-4973-8E04-3A79F73ABFFA}" dt="2025-06-10T11:51:43.168" v="159" actId="113"/>
-          <ac:spMkLst>
-            <pc:docMk/>
-            <pc:sldMk cId="3539071505" sldId="261"/>
-            <ac:spMk id="2" creationId="{4481EFF5-5670-D5D5-E8BD-822601FCA247}"/>
-          </ac:spMkLst>
-        </pc:spChg>
-        <pc:spChg chg="mod ord">
-          <ac:chgData name="Ben Jones (Ben Jones)" userId="e6e8a0f3-34fe-4d14-b7ab-3a9f1769fff2" providerId="ADAL" clId="{B204C6DB-D499-4973-8E04-3A79F73ABFFA}" dt="2025-06-10T11:48:59.577" v="114" actId="700"/>
-          <ac:spMkLst>
-            <pc:docMk/>
-            <pc:sldMk cId="3539071505" sldId="261"/>
-            <ac:spMk id="5" creationId="{D486937B-AE08-CEA9-288B-A7E12B6EEC9E}"/>
-          </ac:spMkLst>
-        </pc:spChg>
-        <pc:spChg chg="del mod">
-          <ac:chgData name="Ben Jones (Ben Jones)" userId="e6e8a0f3-34fe-4d14-b7ab-3a9f1769fff2" providerId="ADAL" clId="{B204C6DB-D499-4973-8E04-3A79F73ABFFA}" dt="2025-06-10T11:48:54.958" v="113" actId="478"/>
-          <ac:spMkLst>
-            <pc:docMk/>
-            <pc:sldMk cId="3539071505" sldId="261"/>
-            <ac:spMk id="8" creationId="{359FE974-4D1E-3967-5B90-8562E74CE499}"/>
-          </ac:spMkLst>
-        </pc:spChg>
-      </pc:sldChg>
       <pc:sldChg chg="modSp mod">
-        <pc:chgData name="Ben Jones (Ben Jones)" userId="e6e8a0f3-34fe-4d14-b7ab-3a9f1769fff2" providerId="ADAL" clId="{B204C6DB-D499-4973-8E04-3A79F73ABFFA}" dt="2025-06-10T12:00:53.307" v="204" actId="20577"/>
+        <pc:chgData name="Ben Jones (Ben Jones)" userId="e6e8a0f3-34fe-4d14-b7ab-3a9f1769fff2" providerId="ADAL" clId="{3261F93D-5AC4-4CA5-BCD6-8A0F1626ED9F}" dt="2025-06-11T05:43:01.809" v="4"/>
         <pc:sldMkLst>
           <pc:docMk/>
           <pc:sldMk cId="1175822862" sldId="263"/>
         </pc:sldMkLst>
         <pc:spChg chg="mod">
-          <ac:chgData name="Ben Jones (Ben Jones)" userId="e6e8a0f3-34fe-4d14-b7ab-3a9f1769fff2" providerId="ADAL" clId="{B204C6DB-D499-4973-8E04-3A79F73ABFFA}" dt="2025-06-10T11:52:09.481" v="188" actId="20577"/>
+          <ac:chgData name="Ben Jones (Ben Jones)" userId="e6e8a0f3-34fe-4d14-b7ab-3a9f1769fff2" providerId="ADAL" clId="{3261F93D-5AC4-4CA5-BCD6-8A0F1626ED9F}" dt="2025-06-11T05:43:01.809" v="4"/>
           <ac:spMkLst>
             <pc:docMk/>
             <pc:sldMk cId="1175822862" sldId="263"/>
             <ac:spMk id="7" creationId="{56C6F239-F5E8-6417-880B-0B56CE59D207}"/>
           </ac:spMkLst>
         </pc:spChg>
-        <pc:spChg chg="mod">
-          <ac:chgData name="Ben Jones (Ben Jones)" userId="e6e8a0f3-34fe-4d14-b7ab-3a9f1769fff2" providerId="ADAL" clId="{B204C6DB-D499-4973-8E04-3A79F73ABFFA}" dt="2025-06-10T12:00:53.307" v="204" actId="20577"/>
-          <ac:spMkLst>
-            <pc:docMk/>
-            <pc:sldMk cId="1175822862" sldId="263"/>
-            <ac:spMk id="8" creationId="{A8D1847C-4AD3-1D2C-43B8-828394D9FF0E}"/>
-          </ac:spMkLst>
-        </pc:spChg>
       </pc:sldChg>
-      <pc:sldChg chg="addSp delSp modSp mod modClrScheme chgLayout">
-        <pc:chgData name="Ben Jones (Ben Jones)" userId="e6e8a0f3-34fe-4d14-b7ab-3a9f1769fff2" providerId="ADAL" clId="{B204C6DB-D499-4973-8E04-3A79F73ABFFA}" dt="2025-06-10T11:46:13.333" v="34" actId="20577"/>
-        <pc:sldMkLst>
-          <pc:docMk/>
-          <pc:sldMk cId="2546578239" sldId="265"/>
-        </pc:sldMkLst>
-        <pc:spChg chg="mod ord">
-          <ac:chgData name="Ben Jones (Ben Jones)" userId="e6e8a0f3-34fe-4d14-b7ab-3a9f1769fff2" providerId="ADAL" clId="{B204C6DB-D499-4973-8E04-3A79F73ABFFA}" dt="2025-06-10T11:42:31.386" v="18"/>
-          <ac:spMkLst>
-            <pc:docMk/>
-            <pc:sldMk cId="2546578239" sldId="265"/>
-            <ac:spMk id="2" creationId="{698432A2-2D2E-3F70-F830-5A67ED205318}"/>
-          </ac:spMkLst>
-        </pc:spChg>
-        <pc:spChg chg="add mod">
-          <ac:chgData name="Ben Jones (Ben Jones)" userId="e6e8a0f3-34fe-4d14-b7ab-3a9f1769fff2" providerId="ADAL" clId="{B204C6DB-D499-4973-8E04-3A79F73ABFFA}" dt="2025-06-10T11:46:13.333" v="34" actId="20577"/>
-          <ac:spMkLst>
-            <pc:docMk/>
-            <pc:sldMk cId="2546578239" sldId="265"/>
-            <ac:spMk id="4" creationId="{E775B479-5750-95E9-CC66-C2F6F8180171}"/>
-          </ac:spMkLst>
-        </pc:spChg>
-        <pc:spChg chg="del mod ord">
-          <ac:chgData name="Ben Jones (Ben Jones)" userId="e6e8a0f3-34fe-4d14-b7ab-3a9f1769fff2" providerId="ADAL" clId="{B204C6DB-D499-4973-8E04-3A79F73ABFFA}" dt="2025-06-10T11:42:20.976" v="14" actId="478"/>
-          <ac:spMkLst>
-            <pc:docMk/>
-            <pc:sldMk cId="2546578239" sldId="265"/>
-            <ac:spMk id="5" creationId="{24677B90-A9AF-EC0B-A47C-BB671119F84D}"/>
-          </ac:spMkLst>
-        </pc:spChg>
-        <pc:picChg chg="del mod ord">
-          <ac:chgData name="Ben Jones (Ben Jones)" userId="e6e8a0f3-34fe-4d14-b7ab-3a9f1769fff2" providerId="ADAL" clId="{B204C6DB-D499-4973-8E04-3A79F73ABFFA}" dt="2025-06-10T11:42:22.229" v="15" actId="478"/>
-          <ac:picMkLst>
-            <pc:docMk/>
-            <pc:sldMk cId="2546578239" sldId="265"/>
-            <ac:picMk id="7" creationId="{DA9346F2-BD5F-D909-036A-067426C4A237}"/>
-          </ac:picMkLst>
-        </pc:picChg>
-      </pc:sldChg>
-      <pc:sldChg chg="addSp delSp modSp mod">
-        <pc:chgData name="Ben Jones (Ben Jones)" userId="e6e8a0f3-34fe-4d14-b7ab-3a9f1769fff2" providerId="ADAL" clId="{B204C6DB-D499-4973-8E04-3A79F73ABFFA}" dt="2025-06-10T11:47:58.532" v="89" actId="113"/>
-        <pc:sldMkLst>
-          <pc:docMk/>
-          <pc:sldMk cId="2628338777" sldId="266"/>
-        </pc:sldMkLst>
-        <pc:spChg chg="add mod">
-          <ac:chgData name="Ben Jones (Ben Jones)" userId="e6e8a0f3-34fe-4d14-b7ab-3a9f1769fff2" providerId="ADAL" clId="{B204C6DB-D499-4973-8E04-3A79F73ABFFA}" dt="2025-06-10T11:47:58.532" v="89" actId="113"/>
-          <ac:spMkLst>
-            <pc:docMk/>
-            <pc:sldMk cId="2628338777" sldId="266"/>
-            <ac:spMk id="3" creationId="{D558FCB4-463D-4004-1C16-76D08CA2C42E}"/>
-          </ac:spMkLst>
-        </pc:spChg>
-        <pc:spChg chg="mod">
-          <ac:chgData name="Ben Jones (Ben Jones)" userId="e6e8a0f3-34fe-4d14-b7ab-3a9f1769fff2" providerId="ADAL" clId="{B204C6DB-D499-4973-8E04-3A79F73ABFFA}" dt="2025-06-10T11:46:41.021" v="51" actId="20577"/>
-          <ac:spMkLst>
-            <pc:docMk/>
-            <pc:sldMk cId="2628338777" sldId="266"/>
-            <ac:spMk id="5" creationId="{96EBD5BC-A418-B3D5-F3BE-15BADC7685D9}"/>
-          </ac:spMkLst>
-        </pc:spChg>
-        <pc:spChg chg="del mod">
-          <ac:chgData name="Ben Jones (Ben Jones)" userId="e6e8a0f3-34fe-4d14-b7ab-3a9f1769fff2" providerId="ADAL" clId="{B204C6DB-D499-4973-8E04-3A79F73ABFFA}" dt="2025-06-10T11:47:29.256" v="68" actId="478"/>
-          <ac:spMkLst>
-            <pc:docMk/>
-            <pc:sldMk cId="2628338777" sldId="266"/>
-            <ac:spMk id="6" creationId="{95A9DC49-463E-4EFF-BD3E-E4AEF9DAF757}"/>
-          </ac:spMkLst>
-        </pc:spChg>
-      </pc:sldChg>
-      <pc:sldChg chg="modSp new mod">
-        <pc:chgData name="Ben Jones (Ben Jones)" userId="e6e8a0f3-34fe-4d14-b7ab-3a9f1769fff2" providerId="ADAL" clId="{B204C6DB-D499-4973-8E04-3A79F73ABFFA}" dt="2025-06-10T12:01:58.119" v="224" actId="113"/>
+      <pc:sldChg chg="modSp mod">
+        <pc:chgData name="Ben Jones (Ben Jones)" userId="e6e8a0f3-34fe-4d14-b7ab-3a9f1769fff2" providerId="ADAL" clId="{3261F93D-5AC4-4CA5-BCD6-8A0F1626ED9F}" dt="2025-06-11T05:43:32.571" v="6"/>
         <pc:sldMkLst>
           <pc:docMk/>
           <pc:sldMk cId="525501252" sldId="267"/>
         </pc:sldMkLst>
         <pc:spChg chg="mod">
-          <ac:chgData name="Ben Jones (Ben Jones)" userId="e6e8a0f3-34fe-4d14-b7ab-3a9f1769fff2" providerId="ADAL" clId="{B204C6DB-D499-4973-8E04-3A79F73ABFFA}" dt="2025-06-10T12:01:08.694" v="207" actId="20577"/>
+          <ac:chgData name="Ben Jones (Ben Jones)" userId="e6e8a0f3-34fe-4d14-b7ab-3a9f1769fff2" providerId="ADAL" clId="{3261F93D-5AC4-4CA5-BCD6-8A0F1626ED9F}" dt="2025-06-11T05:43:32.571" v="6"/>
           <ac:spMkLst>
             <pc:docMk/>
             <pc:sldMk cId="525501252" sldId="267"/>
             <ac:spMk id="2" creationId="{4E39B84F-40E2-A933-0A0B-26AE4074B21B}"/>
-          </ac:spMkLst>
-        </pc:spChg>
-        <pc:spChg chg="mod">
-          <ac:chgData name="Ben Jones (Ben Jones)" userId="e6e8a0f3-34fe-4d14-b7ab-3a9f1769fff2" providerId="ADAL" clId="{B204C6DB-D499-4973-8E04-3A79F73ABFFA}" dt="2025-06-10T12:01:58.119" v="224" actId="113"/>
-          <ac:spMkLst>
-            <pc:docMk/>
-            <pc:sldMk cId="525501252" sldId="267"/>
-            <ac:spMk id="3" creationId="{55D2AEAE-B87B-B831-1DC0-2D5719D54B21}"/>
           </ac:spMkLst>
         </pc:spChg>
       </pc:sldChg>
@@ -1355,7 +1742,7 @@
           <a:p>
             <a:fld id="{1D30A4DD-26E1-4754-8784-A5449317D6AC}" type="datetimeFigureOut">
               <a:rPr lang="en-AU" smtClean="0"/>
-              <a:t>10/06/2025</a:t>
+              <a:t>11/06/2025</a:t>
             </a:fld>
             <a:endParaRPr lang="en-AU"/>
           </a:p>
@@ -1555,7 +1942,7 @@
           <a:p>
             <a:fld id="{1D30A4DD-26E1-4754-8784-A5449317D6AC}" type="datetimeFigureOut">
               <a:rPr lang="en-AU" smtClean="0"/>
-              <a:t>10/06/2025</a:t>
+              <a:t>11/06/2025</a:t>
             </a:fld>
             <a:endParaRPr lang="en-AU"/>
           </a:p>
@@ -1765,7 +2152,7 @@
           <a:p>
             <a:fld id="{1D30A4DD-26E1-4754-8784-A5449317D6AC}" type="datetimeFigureOut">
               <a:rPr lang="en-AU" smtClean="0"/>
-              <a:t>10/06/2025</a:t>
+              <a:t>11/06/2025</a:t>
             </a:fld>
             <a:endParaRPr lang="en-AU"/>
           </a:p>
@@ -1965,7 +2352,7 @@
           <a:p>
             <a:fld id="{1D30A4DD-26E1-4754-8784-A5449317D6AC}" type="datetimeFigureOut">
               <a:rPr lang="en-AU" smtClean="0"/>
-              <a:t>10/06/2025</a:t>
+              <a:t>11/06/2025</a:t>
             </a:fld>
             <a:endParaRPr lang="en-AU"/>
           </a:p>
@@ -2241,7 +2628,7 @@
           <a:p>
             <a:fld id="{1D30A4DD-26E1-4754-8784-A5449317D6AC}" type="datetimeFigureOut">
               <a:rPr lang="en-AU" smtClean="0"/>
-              <a:t>10/06/2025</a:t>
+              <a:t>11/06/2025</a:t>
             </a:fld>
             <a:endParaRPr lang="en-AU"/>
           </a:p>
@@ -2509,7 +2896,7 @@
           <a:p>
             <a:fld id="{1D30A4DD-26E1-4754-8784-A5449317D6AC}" type="datetimeFigureOut">
               <a:rPr lang="en-AU" smtClean="0"/>
-              <a:t>10/06/2025</a:t>
+              <a:t>11/06/2025</a:t>
             </a:fld>
             <a:endParaRPr lang="en-AU"/>
           </a:p>
@@ -2924,7 +3311,7 @@
           <a:p>
             <a:fld id="{1D30A4DD-26E1-4754-8784-A5449317D6AC}" type="datetimeFigureOut">
               <a:rPr lang="en-AU" smtClean="0"/>
-              <a:t>10/06/2025</a:t>
+              <a:t>11/06/2025</a:t>
             </a:fld>
             <a:endParaRPr lang="en-AU"/>
           </a:p>
@@ -3066,7 +3453,7 @@
           <a:p>
             <a:fld id="{1D30A4DD-26E1-4754-8784-A5449317D6AC}" type="datetimeFigureOut">
               <a:rPr lang="en-AU" smtClean="0"/>
-              <a:t>10/06/2025</a:t>
+              <a:t>11/06/2025</a:t>
             </a:fld>
             <a:endParaRPr lang="en-AU"/>
           </a:p>
@@ -3179,7 +3566,7 @@
           <a:p>
             <a:fld id="{1D30A4DD-26E1-4754-8784-A5449317D6AC}" type="datetimeFigureOut">
               <a:rPr lang="en-AU" smtClean="0"/>
-              <a:t>10/06/2025</a:t>
+              <a:t>11/06/2025</a:t>
             </a:fld>
             <a:endParaRPr lang="en-AU"/>
           </a:p>
@@ -3492,7 +3879,7 @@
           <a:p>
             <a:fld id="{1D30A4DD-26E1-4754-8784-A5449317D6AC}" type="datetimeFigureOut">
               <a:rPr lang="en-AU" smtClean="0"/>
-              <a:t>10/06/2025</a:t>
+              <a:t>11/06/2025</a:t>
             </a:fld>
             <a:endParaRPr lang="en-AU"/>
           </a:p>
@@ -3781,7 +4168,7 @@
           <a:p>
             <a:fld id="{1D30A4DD-26E1-4754-8784-A5449317D6AC}" type="datetimeFigureOut">
               <a:rPr lang="en-AU" smtClean="0"/>
-              <a:t>10/06/2025</a:t>
+              <a:t>11/06/2025</a:t>
             </a:fld>
             <a:endParaRPr lang="en-AU"/>
           </a:p>
@@ -4024,7 +4411,7 @@
           <a:p>
             <a:fld id="{1D30A4DD-26E1-4754-8784-A5449317D6AC}" type="datetimeFigureOut">
               <a:rPr lang="en-AU" smtClean="0"/>
-              <a:t>10/06/2025</a:t>
+              <a:t>11/06/2025</a:t>
             </a:fld>
             <a:endParaRPr lang="en-AU"/>
           </a:p>
@@ -4503,9 +4890,10 @@
           </a:p>
           <a:p>
             <a:r>
-              <a:rPr lang="en-AU" dirty="0"/>
-              <a:t>Lecture 3</a:t>
-            </a:r>
+              <a:rPr lang="en-AU"/>
+              <a:t>Lecture 4</a:t>
+            </a:r>
+            <a:endParaRPr lang="en-AU" dirty="0"/>
           </a:p>
         </p:txBody>
       </p:sp>
@@ -4513,6 +4901,127 @@
     <p:extLst>
       <p:ext uri="{BB962C8B-B14F-4D97-AF65-F5344CB8AC3E}">
         <p14:creationId xmlns:p14="http://schemas.microsoft.com/office/powerpoint/2010/main" val="4046351447"/>
+      </p:ext>
+    </p:extLst>
+  </p:cSld>
+  <p:clrMapOvr>
+    <a:masterClrMapping/>
+  </p:clrMapOvr>
+</p:sld>
+</file>
+
+<file path=ppt/slides/slide10.xml><?xml version="1.0" encoding="utf-8"?>
+<p:sld xmlns:a="http://schemas.openxmlformats.org/drawingml/2006/main" xmlns:r="http://schemas.openxmlformats.org/officeDocument/2006/relationships" xmlns:p="http://schemas.openxmlformats.org/presentationml/2006/main">
+  <p:cSld>
+    <p:spTree>
+      <p:nvGrpSpPr>
+        <p:cNvPr id="1" name=""/>
+        <p:cNvGrpSpPr/>
+        <p:nvPr/>
+      </p:nvGrpSpPr>
+      <p:grpSpPr>
+        <a:xfrm>
+          <a:off x="0" y="0"/>
+          <a:ext cx="0" cy="0"/>
+          <a:chOff x="0" y="0"/>
+          <a:chExt cx="0" cy="0"/>
+        </a:xfrm>
+      </p:grpSpPr>
+      <p:sp>
+        <p:nvSpPr>
+          <p:cNvPr id="7" name="Title 6">
+            <a:extLst>
+              <a:ext uri="{FF2B5EF4-FFF2-40B4-BE49-F238E27FC236}">
+                <a16:creationId xmlns:a16="http://schemas.microsoft.com/office/drawing/2014/main" id="{56C6F239-F5E8-6417-880B-0B56CE59D207}"/>
+              </a:ext>
+            </a:extLst>
+          </p:cNvPr>
+          <p:cNvSpPr>
+            <a:spLocks noGrp="1"/>
+          </p:cNvSpPr>
+          <p:nvPr>
+            <p:ph type="title"/>
+          </p:nvPr>
+        </p:nvSpPr>
+        <p:spPr/>
+        <p:txBody>
+          <a:bodyPr/>
+          <a:lstStyle/>
+          <a:p>
+            <a:r>
+              <a:rPr lang="en-US" dirty="0"/>
+              <a:t>Unit Test the </a:t>
+            </a:r>
+            <a:r>
+              <a:rPr lang="en-US" dirty="0" err="1"/>
+              <a:t>Audio_Notification</a:t>
+            </a:r>
+            <a:r>
+              <a:rPr lang="en-US" dirty="0"/>
+              <a:t> class</a:t>
+            </a:r>
+            <a:endParaRPr lang="en-AU" dirty="0"/>
+          </a:p>
+        </p:txBody>
+      </p:sp>
+      <p:sp>
+        <p:nvSpPr>
+          <p:cNvPr id="8" name="Content Placeholder 7">
+            <a:extLst>
+              <a:ext uri="{FF2B5EF4-FFF2-40B4-BE49-F238E27FC236}">
+                <a16:creationId xmlns:a16="http://schemas.microsoft.com/office/drawing/2014/main" id="{A8D1847C-4AD3-1D2C-43B8-828394D9FF0E}"/>
+              </a:ext>
+            </a:extLst>
+          </p:cNvPr>
+          <p:cNvSpPr>
+            <a:spLocks noGrp="1"/>
+          </p:cNvSpPr>
+          <p:nvPr>
+            <p:ph idx="1"/>
+          </p:nvPr>
+        </p:nvSpPr>
+        <p:spPr/>
+        <p:txBody>
+          <a:bodyPr>
+            <a:normAutofit/>
+          </a:bodyPr>
+          <a:lstStyle/>
+          <a:p>
+            <a:pPr marL="0" indent="0">
+              <a:buNone/>
+            </a:pPr>
+            <a:r>
+              <a:rPr lang="en-AU" dirty="0"/>
+              <a:t>Your unit test should test all methods, where possible, because it involves an auditory sound you should design a manual test.</a:t>
+            </a:r>
+          </a:p>
+          <a:p>
+            <a:pPr marL="0" indent="0">
+              <a:buNone/>
+            </a:pPr>
+            <a:endParaRPr lang="en-AU" dirty="0"/>
+          </a:p>
+          <a:p>
+            <a:pPr marL="0" indent="0">
+              <a:buNone/>
+            </a:pPr>
+            <a:r>
+              <a:rPr lang="en-AU" dirty="0"/>
+              <a:t>Pause the video, design your unit test, then check your unit tests against my suggested batch of unit tests.</a:t>
+            </a:r>
+          </a:p>
+          <a:p>
+            <a:pPr marL="0" indent="0">
+              <a:buNone/>
+            </a:pPr>
+            <a:endParaRPr lang="en-AU" b="1" dirty="0"/>
+          </a:p>
+        </p:txBody>
+      </p:sp>
+    </p:spTree>
+    <p:extLst>
+      <p:ext uri="{BB962C8B-B14F-4D97-AF65-F5344CB8AC3E}">
+        <p14:creationId xmlns:p14="http://schemas.microsoft.com/office/powerpoint/2010/main" val="1175822862"/>
       </p:ext>
     </p:extLst>
   </p:cSld>
@@ -4911,19 +5420,19 @@
           <a:p>
             <a:r>
               <a:rPr lang="en-US" dirty="0"/>
-              <a:t>Multiple Inheritance</a:t>
+              <a:t>Implement an audio notification class</a:t>
             </a:r>
           </a:p>
           <a:p>
             <a:r>
               <a:rPr lang="en-US" dirty="0"/>
-              <a:t>Association</a:t>
+              <a:t>Implement a non-blocking beep</a:t>
             </a:r>
           </a:p>
           <a:p>
             <a:r>
               <a:rPr lang="en-US" dirty="0"/>
-              <a:t>Setup controller states</a:t>
+              <a:t>Unit test the audio notification</a:t>
             </a:r>
           </a:p>
         </p:txBody>
@@ -4960,10 +5469,10 @@
       </p:grpSpPr>
       <p:sp>
         <p:nvSpPr>
-          <p:cNvPr id="2" name="Title 1">
-            <a:extLst>
-              <a:ext uri="{FF2B5EF4-FFF2-40B4-BE49-F238E27FC236}">
-                <a16:creationId xmlns:a16="http://schemas.microsoft.com/office/drawing/2014/main" id="{698432A2-2D2E-3F70-F830-5A67ED205318}"/>
+          <p:cNvPr id="7" name="Title 6">
+            <a:extLst>
+              <a:ext uri="{FF2B5EF4-FFF2-40B4-BE49-F238E27FC236}">
+                <a16:creationId xmlns:a16="http://schemas.microsoft.com/office/drawing/2014/main" id="{A5E19FFB-3D8F-DB03-B38B-27FE43EC06C8}"/>
               </a:ext>
             </a:extLst>
           </p:cNvPr>
@@ -4981,70 +5490,95 @@
           <a:p>
             <a:r>
               <a:rPr lang="en-US" dirty="0"/>
-              <a:t>Multiple Inheritance</a:t>
-            </a:r>
-          </a:p>
-        </p:txBody>
-      </p:sp>
-      <p:sp>
-        <p:nvSpPr>
-          <p:cNvPr id="4" name="Content Placeholder 3">
-            <a:extLst>
-              <a:ext uri="{FF2B5EF4-FFF2-40B4-BE49-F238E27FC236}">
-                <a16:creationId xmlns:a16="http://schemas.microsoft.com/office/drawing/2014/main" id="{E775B479-5750-95E9-CC66-C2F6F8180171}"/>
-              </a:ext>
-            </a:extLst>
-          </p:cNvPr>
-          <p:cNvSpPr>
-            <a:spLocks noGrp="1"/>
-          </p:cNvSpPr>
-          <p:nvPr>
-            <p:ph idx="1"/>
+              <a:t>Create new files</a:t>
+            </a:r>
+            <a:endParaRPr lang="en-AU" dirty="0"/>
+          </a:p>
+        </p:txBody>
+      </p:sp>
+      <p:sp>
+        <p:nvSpPr>
+          <p:cNvPr id="10" name="Text Placeholder 9">
+            <a:extLst>
+              <a:ext uri="{FF2B5EF4-FFF2-40B4-BE49-F238E27FC236}">
+                <a16:creationId xmlns:a16="http://schemas.microsoft.com/office/drawing/2014/main" id="{400FA594-97CE-8BD3-D0B0-58075BCDEA2F}"/>
+              </a:ext>
+            </a:extLst>
+          </p:cNvPr>
+          <p:cNvSpPr>
+            <a:spLocks noGrp="1"/>
+          </p:cNvSpPr>
+          <p:nvPr>
+            <p:ph type="body" sz="half" idx="2"/>
           </p:nvPr>
         </p:nvSpPr>
         <p:spPr/>
         <p:txBody>
-          <a:bodyPr/>
+          <a:bodyPr>
+            <a:normAutofit/>
+          </a:bodyPr>
           <a:lstStyle/>
           <a:p>
-            <a:pPr marL="0" indent="0">
-              <a:buNone/>
-            </a:pPr>
             <a:r>
               <a:rPr lang="en-US" dirty="0"/>
-              <a:t>Multiple Inheritance is used to inherit the properties of multiple classes. However, Python does not allow multiple inheritance from classes that have incompatible memory layouts at the C level, which is common with hardware classes in </a:t>
+              <a:t>v06.py in project\</a:t>
             </a:r>
             <a:r>
               <a:rPr lang="en-US" dirty="0" err="1"/>
-              <a:t>MicroPython</a:t>
+              <a:t>py_scripts</a:t>
             </a:r>
             <a:r>
               <a:rPr lang="en-US" dirty="0"/>
-              <a:t>.</a:t>
-            </a:r>
-          </a:p>
-          <a:p>
-            <a:pPr marL="0" indent="0">
-              <a:buNone/>
-            </a:pPr>
-            <a:endParaRPr lang="en-US" b="1" dirty="0"/>
-          </a:p>
-          <a:p>
-            <a:pPr marL="0" indent="0">
-              <a:buNone/>
-            </a:pPr>
+              <a:t>\</a:t>
+            </a:r>
+          </a:p>
+          <a:p>
             <a:r>
               <a:rPr lang="en-US" dirty="0"/>
-              <a:t>https://github.com/TempeHS/MicroPython_OOP_Pi_Pico_Mini_Project_Source/blob/main/tutorials/Lecture5.md#multiple-inheritance</a:t>
-            </a:r>
-            <a:endParaRPr lang="en-AU" dirty="0"/>
-          </a:p>
-        </p:txBody>
-      </p:sp>
+              <a:t>audio_notification.py in project\lib\</a:t>
+            </a:r>
+          </a:p>
+        </p:txBody>
+      </p:sp>
+      <p:pic>
+        <p:nvPicPr>
+          <p:cNvPr id="3" name="Picture 2">
+            <a:extLst>
+              <a:ext uri="{FF2B5EF4-FFF2-40B4-BE49-F238E27FC236}">
+                <a16:creationId xmlns:a16="http://schemas.microsoft.com/office/drawing/2014/main" id="{0A4946D7-D489-5D8A-F199-89C94DED1838}"/>
+              </a:ext>
+            </a:extLst>
+          </p:cNvPr>
+          <p:cNvPicPr>
+            <a:picLocks noChangeAspect="1"/>
+          </p:cNvPicPr>
+          <p:nvPr/>
+        </p:nvPicPr>
+        <p:blipFill>
+          <a:blip r:embed="rId2">
+            <a:extLst>
+              <a:ext uri="{28A0092B-C50C-407E-A947-70E740481C1C}">
+                <a14:useLocalDpi xmlns:a14="http://schemas.microsoft.com/office/drawing/2010/main" val="0"/>
+              </a:ext>
+            </a:extLst>
+          </a:blip>
+          <a:srcRect/>
+          <a:stretch/>
+        </p:blipFill>
+        <p:spPr>
+          <a:xfrm>
+            <a:off x="6285324" y="783235"/>
+            <a:ext cx="4542971" cy="5291530"/>
+          </a:xfrm>
+          <a:prstGeom prst="rect">
+            <a:avLst/>
+          </a:prstGeom>
+        </p:spPr>
+      </p:pic>
     </p:spTree>
     <p:extLst>
       <p:ext uri="{BB962C8B-B14F-4D97-AF65-F5344CB8AC3E}">
-        <p14:creationId xmlns:p14="http://schemas.microsoft.com/office/powerpoint/2010/main" val="2546578239"/>
+        <p14:creationId xmlns:p14="http://schemas.microsoft.com/office/powerpoint/2010/main" val="549990195"/>
       </p:ext>
     </p:extLst>
   </p:cSld>
@@ -5059,7 +5593,13 @@
   <p:cSld>
     <p:spTree>
       <p:nvGrpSpPr>
-        <p:cNvPr id="1" name=""/>
+        <p:cNvPr id="1" name="">
+          <a:extLst>
+            <a:ext uri="{FF2B5EF4-FFF2-40B4-BE49-F238E27FC236}">
+              <a16:creationId xmlns:a16="http://schemas.microsoft.com/office/drawing/2014/main" id="{3F5504B8-685A-AA51-76DB-F5F7766A7444}"/>
+            </a:ext>
+          </a:extLst>
+        </p:cNvPr>
         <p:cNvGrpSpPr/>
         <p:nvPr/>
       </p:nvGrpSpPr>
@@ -5073,10 +5613,10 @@
       </p:grpSpPr>
       <p:sp>
         <p:nvSpPr>
-          <p:cNvPr id="5" name="Title 4">
-            <a:extLst>
-              <a:ext uri="{FF2B5EF4-FFF2-40B4-BE49-F238E27FC236}">
-                <a16:creationId xmlns:a16="http://schemas.microsoft.com/office/drawing/2014/main" id="{96EBD5BC-A418-B3D5-F3BE-15BADC7685D9}"/>
+          <p:cNvPr id="2" name="Title 1">
+            <a:extLst>
+              <a:ext uri="{FF2B5EF4-FFF2-40B4-BE49-F238E27FC236}">
+                <a16:creationId xmlns:a16="http://schemas.microsoft.com/office/drawing/2014/main" id="{D18D2D32-A005-B20F-DA8D-80027CE79E5D}"/>
               </a:ext>
             </a:extLst>
           </p:cNvPr>
@@ -5093,8 +5633,12 @@
           <a:lstStyle/>
           <a:p>
             <a:r>
+              <a:rPr lang="en-AU" dirty="0" err="1"/>
+              <a:t>Audio_Notification</a:t>
+            </a:r>
+            <a:r>
               <a:rPr lang="en-AU" dirty="0"/>
-              <a:t>Setter &amp; Getters</a:t>
+              <a:t> Imports</a:t>
             </a:r>
           </a:p>
         </p:txBody>
@@ -5104,7 +5648,7 @@
           <p:cNvPr id="3" name="Content Placeholder 2">
             <a:extLst>
               <a:ext uri="{FF2B5EF4-FFF2-40B4-BE49-F238E27FC236}">
-                <a16:creationId xmlns:a16="http://schemas.microsoft.com/office/drawing/2014/main" id="{D558FCB4-463D-4004-1C16-76D08CA2C42E}"/>
+                <a16:creationId xmlns:a16="http://schemas.microsoft.com/office/drawing/2014/main" id="{89962FAA-EB9C-6464-7A8F-6201F658405A}"/>
               </a:ext>
             </a:extLst>
           </p:cNvPr>
@@ -5118,7 +5662,7 @@
         <p:spPr/>
         <p:txBody>
           <a:bodyPr>
-            <a:normAutofit fontScale="85000" lnSpcReduction="20000"/>
+            <a:normAutofit/>
           </a:bodyPr>
           <a:lstStyle/>
           <a:p>
@@ -5126,53 +5670,21 @@
               <a:buNone/>
             </a:pPr>
             <a:r>
-              <a:rPr lang="en-US" dirty="0"/>
-              <a:t>Setters and getters are special methods used in object-oriented programming to access (get) or modify (set) the values of private or protected attributes of a class. They help encapsulate the internal state of an object, providing controlled access.</a:t>
+              <a:rPr lang="en-US" sz="2400" dirty="0">
+                <a:latin typeface="Consolas" panose="020B0609020204030204" pitchFamily="49" charset="0"/>
+              </a:rPr>
+              <a:t>from machine import Pin, PWM</a:t>
             </a:r>
           </a:p>
           <a:p>
             <a:pPr marL="0" indent="0">
               <a:buNone/>
             </a:pPr>
-            <a:endParaRPr lang="en-US" dirty="0"/>
-          </a:p>
-          <a:p>
-            <a:pPr marL="0" indent="0">
-              <a:buNone/>
-            </a:pPr>
-            <a:r>
-              <a:rPr lang="en-US" dirty="0"/>
-              <a:t>A getter is a method that retrieves (gets) the value of a private attribute. It allows you to read the value without providing direct access to the underlying variable.</a:t>
-            </a:r>
-          </a:p>
-          <a:p>
-            <a:pPr marL="0" indent="0">
-              <a:buNone/>
-            </a:pPr>
-            <a:endParaRPr lang="en-US" dirty="0"/>
-          </a:p>
-          <a:p>
-            <a:pPr marL="0" indent="0">
-              <a:buNone/>
-            </a:pPr>
-            <a:r>
-              <a:rPr lang="en-US" dirty="0"/>
-              <a:t>A setter is a method that sets (updates) the value of a private attribute. It allows you to validate or restrict changes before updating the attribute.</a:t>
-            </a:r>
-          </a:p>
-          <a:p>
-            <a:pPr marL="0" indent="0">
-              <a:buNone/>
-            </a:pPr>
-            <a:endParaRPr lang="en-AU" dirty="0"/>
-          </a:p>
-          <a:p>
-            <a:pPr marL="0" indent="0">
-              <a:buNone/>
-            </a:pPr>
-            <a:r>
-              <a:rPr lang="en-AU" b="1" dirty="0"/>
-              <a:t>Run: v09.py</a:t>
+            <a:r>
+              <a:rPr lang="en-US" sz="2400" dirty="0">
+                <a:latin typeface="Consolas" panose="020B0609020204030204" pitchFamily="49" charset="0"/>
+              </a:rPr>
+              <a:t>from time import sleep, time</a:t>
             </a:r>
           </a:p>
         </p:txBody>
@@ -5180,7 +5692,7 @@
     </p:spTree>
     <p:extLst>
       <p:ext uri="{BB962C8B-B14F-4D97-AF65-F5344CB8AC3E}">
-        <p14:creationId xmlns:p14="http://schemas.microsoft.com/office/powerpoint/2010/main" val="2628338777"/>
+        <p14:creationId xmlns:p14="http://schemas.microsoft.com/office/powerpoint/2010/main" val="337397789"/>
       </p:ext>
     </p:extLst>
   </p:cSld>
@@ -5209,10 +5721,10 @@
       </p:grpSpPr>
       <p:sp>
         <p:nvSpPr>
-          <p:cNvPr id="5" name="Title 4">
-            <a:extLst>
-              <a:ext uri="{FF2B5EF4-FFF2-40B4-BE49-F238E27FC236}">
-                <a16:creationId xmlns:a16="http://schemas.microsoft.com/office/drawing/2014/main" id="{D486937B-AE08-CEA9-288B-A7E12B6EEC9E}"/>
+          <p:cNvPr id="2" name="Title 1">
+            <a:extLst>
+              <a:ext uri="{FF2B5EF4-FFF2-40B4-BE49-F238E27FC236}">
+                <a16:creationId xmlns:a16="http://schemas.microsoft.com/office/drawing/2014/main" id="{1014C040-0011-B132-BBB4-963A422BA42C}"/>
               </a:ext>
             </a:extLst>
           </p:cNvPr>
@@ -5229,83 +5741,164 @@
           <a:lstStyle/>
           <a:p>
             <a:r>
+              <a:rPr lang="en-AU" dirty="0" err="1"/>
+              <a:t>Audio_Notification</a:t>
+            </a:r>
+            <a:r>
               <a:rPr lang="en-AU" dirty="0"/>
-              <a:t>Association</a:t>
-            </a:r>
-          </a:p>
-        </p:txBody>
-      </p:sp>
-      <p:sp>
-        <p:nvSpPr>
-          <p:cNvPr id="3" name="Text Placeholder 2">
-            <a:extLst>
-              <a:ext uri="{FF2B5EF4-FFF2-40B4-BE49-F238E27FC236}">
-                <a16:creationId xmlns:a16="http://schemas.microsoft.com/office/drawing/2014/main" id="{B00A36C3-101F-B0AB-F123-C6EFEF11ABE2}"/>
-              </a:ext>
-            </a:extLst>
-          </p:cNvPr>
-          <p:cNvSpPr>
-            <a:spLocks noGrp="1"/>
-          </p:cNvSpPr>
-          <p:nvPr>
-            <p:ph type="body" sz="half" idx="2"/>
+              <a:t> Class Attributes</a:t>
+            </a:r>
+          </a:p>
+        </p:txBody>
+      </p:sp>
+      <p:sp>
+        <p:nvSpPr>
+          <p:cNvPr id="3" name="Content Placeholder 2">
+            <a:extLst>
+              <a:ext uri="{FF2B5EF4-FFF2-40B4-BE49-F238E27FC236}">
+                <a16:creationId xmlns:a16="http://schemas.microsoft.com/office/drawing/2014/main" id="{10BF6715-B6F1-BE80-23EB-752BDCA181D5}"/>
+              </a:ext>
+            </a:extLst>
+          </p:cNvPr>
+          <p:cNvSpPr>
+            <a:spLocks noGrp="1"/>
+          </p:cNvSpPr>
+          <p:nvPr>
+            <p:ph idx="1"/>
           </p:nvPr>
         </p:nvSpPr>
         <p:spPr/>
         <p:txBody>
-          <a:bodyPr/>
+          <a:bodyPr>
+            <a:normAutofit/>
+          </a:bodyPr>
           <a:lstStyle/>
           <a:p>
-            <a:r>
-              <a:rPr lang="en-US" dirty="0"/>
-              <a:t>Association in Object-Oriented Programming (OOP) describes the relationship between two separate classes that are connected, but neither "owns" the other. It simply means that objects of one class use or interact with objects of another class.</a:t>
-            </a:r>
-          </a:p>
-          <a:p>
-            <a:endParaRPr lang="en-US" b="1" dirty="0"/>
-          </a:p>
-          <a:p>
-            <a:r>
-              <a:rPr lang="en-US" b="1" dirty="0"/>
-              <a:t>Run: v15.py</a:t>
-            </a:r>
-            <a:endParaRPr lang="en-AU" b="1" dirty="0"/>
-          </a:p>
-        </p:txBody>
-      </p:sp>
-      <p:pic>
-        <p:nvPicPr>
-          <p:cNvPr id="8" name="Content Placeholder 7">
-            <a:extLst>
-              <a:ext uri="{FF2B5EF4-FFF2-40B4-BE49-F238E27FC236}">
-                <a16:creationId xmlns:a16="http://schemas.microsoft.com/office/drawing/2014/main" id="{2EDE6368-5BA7-49E4-1EEC-877844497550}"/>
-              </a:ext>
-            </a:extLst>
-          </p:cNvPr>
-          <p:cNvPicPr>
-            <a:picLocks noGrp="1" noChangeAspect="1"/>
-          </p:cNvPicPr>
-          <p:nvPr>
-            <p:ph idx="1"/>
-          </p:nvPr>
-        </p:nvPicPr>
-        <p:blipFill>
-          <a:blip r:embed="rId2"/>
-          <a:stretch>
-            <a:fillRect/>
-          </a:stretch>
-        </p:blipFill>
-        <p:spPr>
-          <a:xfrm>
-            <a:off x="5602151" y="1287352"/>
-            <a:ext cx="5334274" cy="4273770"/>
-          </a:xfrm>
-        </p:spPr>
-      </p:pic>
+            <a:pPr marL="0" indent="0">
+              <a:buNone/>
+            </a:pPr>
+            <a:r>
+              <a:rPr lang="en-AU" sz="2400" dirty="0">
+                <a:latin typeface="Consolas" panose="020B0609020204030204" pitchFamily="49" charset="0"/>
+              </a:rPr>
+              <a:t>class </a:t>
+            </a:r>
+            <a:r>
+              <a:rPr lang="en-AU" sz="2400" dirty="0" err="1">
+                <a:latin typeface="Consolas" panose="020B0609020204030204" pitchFamily="49" charset="0"/>
+              </a:rPr>
+              <a:t>Audio_Notification</a:t>
+            </a:r>
+            <a:r>
+              <a:rPr lang="en-AU" sz="2400" dirty="0">
+                <a:latin typeface="Consolas" panose="020B0609020204030204" pitchFamily="49" charset="0"/>
+              </a:rPr>
+              <a:t>(PWM):</a:t>
+            </a:r>
+          </a:p>
+          <a:p>
+            <a:pPr marL="457200" lvl="1" indent="0">
+              <a:buNone/>
+            </a:pPr>
+            <a:r>
+              <a:rPr lang="en-AU" dirty="0">
+                <a:latin typeface="Consolas" panose="020B0609020204030204" pitchFamily="49" charset="0"/>
+              </a:rPr>
+              <a:t>def __</a:t>
+            </a:r>
+            <a:r>
+              <a:rPr lang="en-AU" dirty="0" err="1">
+                <a:latin typeface="Consolas" panose="020B0609020204030204" pitchFamily="49" charset="0"/>
+              </a:rPr>
+              <a:t>init</a:t>
+            </a:r>
+            <a:r>
+              <a:rPr lang="en-AU" dirty="0">
+                <a:latin typeface="Consolas" panose="020B0609020204030204" pitchFamily="49" charset="0"/>
+              </a:rPr>
+              <a:t>__(self, pin, debug=False):</a:t>
+            </a:r>
+          </a:p>
+          <a:p>
+            <a:pPr marL="914400" lvl="2" indent="0">
+              <a:buNone/>
+            </a:pPr>
+            <a:r>
+              <a:rPr lang="en-AU" sz="2400" dirty="0">
+                <a:latin typeface="Consolas" panose="020B0609020204030204" pitchFamily="49" charset="0"/>
+              </a:rPr>
+              <a:t>super().__</a:t>
+            </a:r>
+            <a:r>
+              <a:rPr lang="en-AU" sz="2400" dirty="0" err="1">
+                <a:latin typeface="Consolas" panose="020B0609020204030204" pitchFamily="49" charset="0"/>
+              </a:rPr>
+              <a:t>init</a:t>
+            </a:r>
+            <a:r>
+              <a:rPr lang="en-AU" sz="2400" dirty="0">
+                <a:latin typeface="Consolas" panose="020B0609020204030204" pitchFamily="49" charset="0"/>
+              </a:rPr>
+              <a:t>__(Pin(pin))</a:t>
+            </a:r>
+          </a:p>
+          <a:p>
+            <a:pPr marL="914400" lvl="2" indent="0">
+              <a:buNone/>
+            </a:pPr>
+            <a:r>
+              <a:rPr lang="en-AU" sz="2400" dirty="0" err="1">
+                <a:latin typeface="Consolas" panose="020B0609020204030204" pitchFamily="49" charset="0"/>
+              </a:rPr>
+              <a:t>self.__debug</a:t>
+            </a:r>
+            <a:r>
+              <a:rPr lang="en-AU" sz="2400" dirty="0">
+                <a:latin typeface="Consolas" panose="020B0609020204030204" pitchFamily="49" charset="0"/>
+              </a:rPr>
+              <a:t> = debug</a:t>
+            </a:r>
+          </a:p>
+          <a:p>
+            <a:pPr marL="914400" lvl="2" indent="0">
+              <a:buNone/>
+            </a:pPr>
+            <a:r>
+              <a:rPr lang="en-AU" sz="2400" dirty="0">
+                <a:latin typeface="Consolas" panose="020B0609020204030204" pitchFamily="49" charset="0"/>
+              </a:rPr>
+              <a:t>self.duty_u16(0)  # Start with buzzer off</a:t>
+            </a:r>
+          </a:p>
+          <a:p>
+            <a:pPr marL="914400" lvl="2" indent="0">
+              <a:buNone/>
+            </a:pPr>
+            <a:r>
+              <a:rPr lang="en-AU" sz="2400" dirty="0">
+                <a:latin typeface="Consolas" panose="020B0609020204030204" pitchFamily="49" charset="0"/>
+              </a:rPr>
+              <a:t>self._</a:t>
+            </a:r>
+            <a:r>
+              <a:rPr lang="en-AU" sz="2400" dirty="0" err="1">
+                <a:latin typeface="Consolas" panose="020B0609020204030204" pitchFamily="49" charset="0"/>
+              </a:rPr>
+              <a:t>last_toggle_time</a:t>
+            </a:r>
+            <a:r>
+              <a:rPr lang="en-AU" sz="2400" dirty="0">
+                <a:latin typeface="Consolas" panose="020B0609020204030204" pitchFamily="49" charset="0"/>
+              </a:rPr>
+              <a:t> = time()</a:t>
+            </a:r>
+          </a:p>
+        </p:txBody>
+      </p:sp>
     </p:spTree>
     <p:extLst>
       <p:ext uri="{BB962C8B-B14F-4D97-AF65-F5344CB8AC3E}">
-        <p14:creationId xmlns:p14="http://schemas.microsoft.com/office/powerpoint/2010/main" val="3539071505"/>
+        <p14:creationId xmlns:p14="http://schemas.microsoft.com/office/powerpoint/2010/main" val="4286823996"/>
       </p:ext>
     </p:extLst>
   </p:cSld>
@@ -5320,7 +5913,13 @@
   <p:cSld>
     <p:spTree>
       <p:nvGrpSpPr>
-        <p:cNvPr id="1" name=""/>
+        <p:cNvPr id="1" name="">
+          <a:extLst>
+            <a:ext uri="{FF2B5EF4-FFF2-40B4-BE49-F238E27FC236}">
+              <a16:creationId xmlns:a16="http://schemas.microsoft.com/office/drawing/2014/main" id="{B9DD54EE-9F1F-013F-4DE1-F9BA89A8F675}"/>
+            </a:ext>
+          </a:extLst>
+        </p:cNvPr>
         <p:cNvGrpSpPr/>
         <p:nvPr/>
       </p:nvGrpSpPr>
@@ -5334,10 +5933,10 @@
       </p:grpSpPr>
       <p:sp>
         <p:nvSpPr>
-          <p:cNvPr id="7" name="Title 6">
-            <a:extLst>
-              <a:ext uri="{FF2B5EF4-FFF2-40B4-BE49-F238E27FC236}">
-                <a16:creationId xmlns:a16="http://schemas.microsoft.com/office/drawing/2014/main" id="{56C6F239-F5E8-6417-880B-0B56CE59D207}"/>
+          <p:cNvPr id="2" name="Title 1">
+            <a:extLst>
+              <a:ext uri="{FF2B5EF4-FFF2-40B4-BE49-F238E27FC236}">
+                <a16:creationId xmlns:a16="http://schemas.microsoft.com/office/drawing/2014/main" id="{2227B6A9-C82E-2DD9-7DB3-45D6EA88C8A3}"/>
               </a:ext>
             </a:extLst>
           </p:cNvPr>
@@ -5354,19 +5953,22 @@
           <a:lstStyle/>
           <a:p>
             <a:r>
-              <a:rPr lang="en-US" dirty="0"/>
-              <a:t>Setup Controller States</a:t>
-            </a:r>
-            <a:endParaRPr lang="en-AU" dirty="0"/>
-          </a:p>
-        </p:txBody>
-      </p:sp>
-      <p:sp>
-        <p:nvSpPr>
-          <p:cNvPr id="8" name="Content Placeholder 7">
-            <a:extLst>
-              <a:ext uri="{FF2B5EF4-FFF2-40B4-BE49-F238E27FC236}">
-                <a16:creationId xmlns:a16="http://schemas.microsoft.com/office/drawing/2014/main" id="{A8D1847C-4AD3-1D2C-43B8-828394D9FF0E}"/>
+              <a:rPr lang="en-AU" dirty="0" err="1"/>
+              <a:t>Audio_Notification</a:t>
+            </a:r>
+            <a:r>
+              <a:rPr lang="en-AU" dirty="0"/>
+              <a:t> .beep() Method</a:t>
+            </a:r>
+          </a:p>
+        </p:txBody>
+      </p:sp>
+      <p:sp>
+        <p:nvSpPr>
+          <p:cNvPr id="3" name="Content Placeholder 2">
+            <a:extLst>
+              <a:ext uri="{FF2B5EF4-FFF2-40B4-BE49-F238E27FC236}">
+                <a16:creationId xmlns:a16="http://schemas.microsoft.com/office/drawing/2014/main" id="{86FA9FFB-5055-BFCD-164D-DE40409E9218}"/>
               </a:ext>
             </a:extLst>
           </p:cNvPr>
@@ -5380,7 +5982,7 @@
         <p:spPr/>
         <p:txBody>
           <a:bodyPr>
-            <a:normAutofit lnSpcReduction="10000"/>
+            <a:normAutofit/>
           </a:bodyPr>
           <a:lstStyle/>
           <a:p>
@@ -5388,54 +5990,608 @@
               <a:buNone/>
             </a:pPr>
             <a:r>
-              <a:rPr lang="en-US" dirty="0"/>
-              <a:t>In the context of a microcontroller, state refers to the current values or conditions of the system’s internal variables, inputs, outputs, and memory at a specific moment in time. State is crucial for determining how the microcontroller should behave next.</a:t>
-            </a:r>
-          </a:p>
-          <a:p>
-            <a:pPr marL="0" indent="0">
+              <a:rPr lang="en-US" sz="2400" dirty="0">
+                <a:latin typeface="Consolas" panose="020B0609020204030204" pitchFamily="49" charset="0"/>
+                <a:ea typeface="Cascadia Mono SemiLight" panose="020B0609020000020004" pitchFamily="49" charset="0"/>
+                <a:cs typeface="Cascadia Mono SemiLight" panose="020B0609020000020004" pitchFamily="49" charset="0"/>
+              </a:rPr>
+              <a:t>def beep(self, </a:t>
+            </a:r>
+            <a:r>
+              <a:rPr lang="en-US" sz="2400" dirty="0" err="1">
+                <a:latin typeface="Consolas" panose="020B0609020204030204" pitchFamily="49" charset="0"/>
+                <a:ea typeface="Cascadia Mono SemiLight" panose="020B0609020000020004" pitchFamily="49" charset="0"/>
+                <a:cs typeface="Cascadia Mono SemiLight" panose="020B0609020000020004" pitchFamily="49" charset="0"/>
+              </a:rPr>
+              <a:t>freq</a:t>
+            </a:r>
+            <a:r>
+              <a:rPr lang="en-US" sz="2400" dirty="0">
+                <a:latin typeface="Consolas" panose="020B0609020204030204" pitchFamily="49" charset="0"/>
+                <a:ea typeface="Cascadia Mono SemiLight" panose="020B0609020000020004" pitchFamily="49" charset="0"/>
+                <a:cs typeface="Cascadia Mono SemiLight" panose="020B0609020000020004" pitchFamily="49" charset="0"/>
+              </a:rPr>
+              <a:t>=1000, duration=500):</a:t>
+            </a:r>
+          </a:p>
+          <a:p>
+            <a:pPr marL="457200" lvl="1" indent="0">
               <a:buNone/>
             </a:pPr>
-            <a:endParaRPr lang="en-US" dirty="0"/>
-          </a:p>
-          <a:p>
-            <a:pPr marL="0" indent="0">
+            <a:r>
+              <a:rPr lang="en-US" dirty="0">
+                <a:latin typeface="Consolas" panose="020B0609020204030204" pitchFamily="49" charset="0"/>
+              </a:rPr>
+              <a:t>if </a:t>
+            </a:r>
+            <a:r>
+              <a:rPr lang="en-US" dirty="0" err="1">
+                <a:latin typeface="Consolas" panose="020B0609020204030204" pitchFamily="49" charset="0"/>
+              </a:rPr>
+              <a:t>self.__debug</a:t>
+            </a:r>
+            <a:r>
+              <a:rPr lang="en-US" dirty="0">
+                <a:latin typeface="Consolas" panose="020B0609020204030204" pitchFamily="49" charset="0"/>
+              </a:rPr>
+              <a:t>:</a:t>
+            </a:r>
+          </a:p>
+          <a:p>
+            <a:pPr marL="914400" lvl="2" indent="0">
               <a:buNone/>
             </a:pPr>
             <a:r>
-              <a:rPr lang="en-US" dirty="0"/>
-              <a:t>For example, in a simple traffic light controller, one of the states could be “</a:t>
-            </a:r>
-            <a:r>
-              <a:rPr lang="en-US" dirty="0" err="1"/>
-              <a:t>Traffic_Go</a:t>
-            </a:r>
-            <a:r>
-              <a:rPr lang="en-US" dirty="0"/>
-              <a:t>” in which the green lights are on() while both the red and amber lights are off().</a:t>
-            </a:r>
-          </a:p>
-          <a:p>
-            <a:pPr marL="0" indent="0">
+              <a:rPr lang="en-US" sz="2400" dirty="0">
+                <a:latin typeface="Consolas" panose="020B0609020204030204" pitchFamily="49" charset="0"/>
+              </a:rPr>
+              <a:t>print("Beep")</a:t>
+            </a:r>
+            <a:endParaRPr lang="en-US" sz="2400" dirty="0">
+              <a:latin typeface="Consolas" panose="020B0609020204030204" pitchFamily="49" charset="0"/>
+              <a:ea typeface="Cascadia Mono SemiLight" panose="020B0609020000020004" pitchFamily="49" charset="0"/>
+              <a:cs typeface="Cascadia Mono SemiLight" panose="020B0609020000020004" pitchFamily="49" charset="0"/>
+            </a:endParaRPr>
+          </a:p>
+          <a:p>
+            <a:pPr marL="457200" lvl="1" indent="0">
               <a:buNone/>
             </a:pPr>
-            <a:endParaRPr lang="en-US" b="1" dirty="0"/>
-          </a:p>
-          <a:p>
-            <a:pPr marL="0" indent="0">
+            <a:r>
+              <a:rPr lang="en-US" dirty="0" err="1">
+                <a:latin typeface="Consolas" panose="020B0609020204030204" pitchFamily="49" charset="0"/>
+                <a:ea typeface="Cascadia Mono SemiLight" panose="020B0609020000020004" pitchFamily="49" charset="0"/>
+                <a:cs typeface="Cascadia Mono SemiLight" panose="020B0609020000020004" pitchFamily="49" charset="0"/>
+              </a:rPr>
+              <a:t>self.freq</a:t>
+            </a:r>
+            <a:r>
+              <a:rPr lang="en-US" dirty="0">
+                <a:latin typeface="Consolas" panose="020B0609020204030204" pitchFamily="49" charset="0"/>
+                <a:ea typeface="Cascadia Mono SemiLight" panose="020B0609020000020004" pitchFamily="49" charset="0"/>
+                <a:cs typeface="Cascadia Mono SemiLight" panose="020B0609020000020004" pitchFamily="49" charset="0"/>
+              </a:rPr>
+              <a:t>(</a:t>
+            </a:r>
+            <a:r>
+              <a:rPr lang="en-US" dirty="0" err="1">
+                <a:latin typeface="Consolas" panose="020B0609020204030204" pitchFamily="49" charset="0"/>
+                <a:ea typeface="Cascadia Mono SemiLight" panose="020B0609020000020004" pitchFamily="49" charset="0"/>
+                <a:cs typeface="Cascadia Mono SemiLight" panose="020B0609020000020004" pitchFamily="49" charset="0"/>
+              </a:rPr>
+              <a:t>freq</a:t>
+            </a:r>
+            <a:r>
+              <a:rPr lang="en-US" dirty="0">
+                <a:latin typeface="Consolas" panose="020B0609020204030204" pitchFamily="49" charset="0"/>
+                <a:ea typeface="Cascadia Mono SemiLight" panose="020B0609020000020004" pitchFamily="49" charset="0"/>
+                <a:cs typeface="Cascadia Mono SemiLight" panose="020B0609020000020004" pitchFamily="49" charset="0"/>
+              </a:rPr>
+              <a:t>)</a:t>
+            </a:r>
+          </a:p>
+          <a:p>
+            <a:pPr marL="457200" lvl="1" indent="0">
               <a:buNone/>
             </a:pPr>
             <a:r>
-              <a:rPr lang="en-AU" b="1" dirty="0"/>
-              <a:t>Run v15.py</a:t>
-            </a:r>
+              <a:rPr lang="en-US" dirty="0">
+                <a:latin typeface="Consolas" panose="020B0609020204030204" pitchFamily="49" charset="0"/>
+                <a:ea typeface="Cascadia Mono SemiLight" panose="020B0609020000020004" pitchFamily="49" charset="0"/>
+                <a:cs typeface="Cascadia Mono SemiLight" panose="020B0609020000020004" pitchFamily="49" charset="0"/>
+              </a:rPr>
+              <a:t>self.duty_u16(32768)  # 50% duty cycle</a:t>
+            </a:r>
+          </a:p>
+          <a:p>
+            <a:pPr marL="457200" lvl="1" indent="0">
+              <a:buNone/>
+            </a:pPr>
+            <a:r>
+              <a:rPr lang="en-US" dirty="0">
+                <a:latin typeface="Consolas" panose="020B0609020204030204" pitchFamily="49" charset="0"/>
+                <a:ea typeface="Cascadia Mono SemiLight" panose="020B0609020000020004" pitchFamily="49" charset="0"/>
+                <a:cs typeface="Cascadia Mono SemiLight" panose="020B0609020000020004" pitchFamily="49" charset="0"/>
+              </a:rPr>
+              <a:t>sleep(duration / 1000)</a:t>
+            </a:r>
+          </a:p>
+          <a:p>
+            <a:pPr marL="457200" lvl="1" indent="0">
+              <a:buNone/>
+            </a:pPr>
+            <a:r>
+              <a:rPr lang="en-US" dirty="0">
+                <a:latin typeface="Consolas" panose="020B0609020204030204" pitchFamily="49" charset="0"/>
+                <a:ea typeface="Cascadia Mono SemiLight" panose="020B0609020000020004" pitchFamily="49" charset="0"/>
+                <a:cs typeface="Cascadia Mono SemiLight" panose="020B0609020000020004" pitchFamily="49" charset="0"/>
+              </a:rPr>
+              <a:t>self.duty_u16(0)  # Turn off after beep</a:t>
+            </a:r>
+            <a:endParaRPr lang="en-AU" dirty="0">
+              <a:latin typeface="Consolas" panose="020B0609020204030204" pitchFamily="49" charset="0"/>
+              <a:ea typeface="Cascadia Mono SemiLight" panose="020B0609020000020004" pitchFamily="49" charset="0"/>
+              <a:cs typeface="Cascadia Mono SemiLight" panose="020B0609020000020004" pitchFamily="49" charset="0"/>
+            </a:endParaRPr>
           </a:p>
         </p:txBody>
       </p:sp>
     </p:spTree>
     <p:extLst>
       <p:ext uri="{BB962C8B-B14F-4D97-AF65-F5344CB8AC3E}">
-        <p14:creationId xmlns:p14="http://schemas.microsoft.com/office/powerpoint/2010/main" val="1175822862"/>
+        <p14:creationId xmlns:p14="http://schemas.microsoft.com/office/powerpoint/2010/main" val="3935255901"/>
+      </p:ext>
+    </p:extLst>
+  </p:cSld>
+  <p:clrMapOvr>
+    <a:masterClrMapping/>
+  </p:clrMapOvr>
+</p:sld>
+</file>
+
+<file path=ppt/slides/slide8.xml><?xml version="1.0" encoding="utf-8"?>
+<p:sld xmlns:a="http://schemas.openxmlformats.org/drawingml/2006/main" xmlns:r="http://schemas.openxmlformats.org/officeDocument/2006/relationships" xmlns:p="http://schemas.openxmlformats.org/presentationml/2006/main">
+  <p:cSld>
+    <p:spTree>
+      <p:nvGrpSpPr>
+        <p:cNvPr id="1" name="">
+          <a:extLst>
+            <a:ext uri="{FF2B5EF4-FFF2-40B4-BE49-F238E27FC236}">
+              <a16:creationId xmlns:a16="http://schemas.microsoft.com/office/drawing/2014/main" id="{137DEDAB-393F-996D-4EE8-383917885447}"/>
+            </a:ext>
+          </a:extLst>
+        </p:cNvPr>
+        <p:cNvGrpSpPr/>
+        <p:nvPr/>
+      </p:nvGrpSpPr>
+      <p:grpSpPr>
+        <a:xfrm>
+          <a:off x="0" y="0"/>
+          <a:ext cx="0" cy="0"/>
+          <a:chOff x="0" y="0"/>
+          <a:chExt cx="0" cy="0"/>
+        </a:xfrm>
+      </p:grpSpPr>
+      <p:sp>
+        <p:nvSpPr>
+          <p:cNvPr id="2" name="Title 1">
+            <a:extLst>
+              <a:ext uri="{FF2B5EF4-FFF2-40B4-BE49-F238E27FC236}">
+                <a16:creationId xmlns:a16="http://schemas.microsoft.com/office/drawing/2014/main" id="{945CC631-8A7A-5AD9-25CF-B23FAF03354F}"/>
+              </a:ext>
+            </a:extLst>
+          </p:cNvPr>
+          <p:cNvSpPr>
+            <a:spLocks noGrp="1"/>
+          </p:cNvSpPr>
+          <p:nvPr>
+            <p:ph type="title"/>
+          </p:nvPr>
+        </p:nvSpPr>
+        <p:spPr/>
+        <p:txBody>
+          <a:bodyPr/>
+          <a:lstStyle/>
+          <a:p>
+            <a:r>
+              <a:rPr lang="en-AU" dirty="0" err="1"/>
+              <a:t>Audio_Notification</a:t>
+            </a:r>
+            <a:r>
+              <a:rPr lang="en-AU" dirty="0"/>
+              <a:t> .</a:t>
+            </a:r>
+            <a:r>
+              <a:rPr lang="en-AU" dirty="0" err="1"/>
+              <a:t>warning_on</a:t>
+            </a:r>
+            <a:r>
+              <a:rPr lang="en-AU" dirty="0"/>
+              <a:t>() Method</a:t>
+            </a:r>
+          </a:p>
+        </p:txBody>
+      </p:sp>
+      <p:sp>
+        <p:nvSpPr>
+          <p:cNvPr id="3" name="Content Placeholder 2">
+            <a:extLst>
+              <a:ext uri="{FF2B5EF4-FFF2-40B4-BE49-F238E27FC236}">
+                <a16:creationId xmlns:a16="http://schemas.microsoft.com/office/drawing/2014/main" id="{12826928-41E1-99A3-29D9-208A25BF8B35}"/>
+              </a:ext>
+            </a:extLst>
+          </p:cNvPr>
+          <p:cNvSpPr>
+            <a:spLocks noGrp="1"/>
+          </p:cNvSpPr>
+          <p:nvPr>
+            <p:ph idx="1"/>
+          </p:nvPr>
+        </p:nvSpPr>
+        <p:spPr/>
+        <p:txBody>
+          <a:bodyPr>
+            <a:normAutofit/>
+          </a:bodyPr>
+          <a:lstStyle/>
+          <a:p>
+            <a:pPr marL="0" indent="0">
+              <a:buNone/>
+            </a:pPr>
+            <a:r>
+              <a:rPr lang="en-US" sz="2400" dirty="0">
+                <a:latin typeface="Consolas" panose="020B0609020204030204" pitchFamily="49" charset="0"/>
+                <a:ea typeface="Cascadia Mono SemiLight" panose="020B0609020000020004" pitchFamily="49" charset="0"/>
+                <a:cs typeface="Cascadia Mono SemiLight" panose="020B0609020000020004" pitchFamily="49" charset="0"/>
+              </a:rPr>
+              <a:t>def </a:t>
+            </a:r>
+            <a:r>
+              <a:rPr lang="en-US" sz="2400" dirty="0" err="1">
+                <a:latin typeface="Consolas" panose="020B0609020204030204" pitchFamily="49" charset="0"/>
+                <a:ea typeface="Cascadia Mono SemiLight" panose="020B0609020000020004" pitchFamily="49" charset="0"/>
+                <a:cs typeface="Cascadia Mono SemiLight" panose="020B0609020000020004" pitchFamily="49" charset="0"/>
+              </a:rPr>
+              <a:t>warning_on</a:t>
+            </a:r>
+            <a:r>
+              <a:rPr lang="en-US" sz="2400" dirty="0">
+                <a:latin typeface="Consolas" panose="020B0609020204030204" pitchFamily="49" charset="0"/>
+                <a:ea typeface="Cascadia Mono SemiLight" panose="020B0609020000020004" pitchFamily="49" charset="0"/>
+                <a:cs typeface="Cascadia Mono SemiLight" panose="020B0609020000020004" pitchFamily="49" charset="0"/>
+              </a:rPr>
+              <a:t>(self):</a:t>
+            </a:r>
+          </a:p>
+          <a:p>
+            <a:pPr marL="457200" lvl="1" indent="0">
+              <a:buNone/>
+            </a:pPr>
+            <a:r>
+              <a:rPr lang="en-US" dirty="0">
+                <a:latin typeface="Consolas" panose="020B0609020204030204" pitchFamily="49" charset="0"/>
+                <a:ea typeface="Cascadia Mono SemiLight" panose="020B0609020000020004" pitchFamily="49" charset="0"/>
+                <a:cs typeface="Cascadia Mono SemiLight" panose="020B0609020000020004" pitchFamily="49" charset="0"/>
+              </a:rPr>
+              <a:t>if </a:t>
+            </a:r>
+            <a:r>
+              <a:rPr lang="en-US" dirty="0" err="1">
+                <a:latin typeface="Consolas" panose="020B0609020204030204" pitchFamily="49" charset="0"/>
+                <a:ea typeface="Cascadia Mono SemiLight" panose="020B0609020000020004" pitchFamily="49" charset="0"/>
+                <a:cs typeface="Cascadia Mono SemiLight" panose="020B0609020000020004" pitchFamily="49" charset="0"/>
+              </a:rPr>
+              <a:t>self.__debug</a:t>
+            </a:r>
+            <a:r>
+              <a:rPr lang="en-US" dirty="0">
+                <a:latin typeface="Consolas" panose="020B0609020204030204" pitchFamily="49" charset="0"/>
+                <a:ea typeface="Cascadia Mono SemiLight" panose="020B0609020000020004" pitchFamily="49" charset="0"/>
+                <a:cs typeface="Cascadia Mono SemiLight" panose="020B0609020000020004" pitchFamily="49" charset="0"/>
+              </a:rPr>
+              <a:t>:</a:t>
+            </a:r>
+          </a:p>
+          <a:p>
+            <a:pPr marL="914400" lvl="2" indent="0">
+              <a:buNone/>
+            </a:pPr>
+            <a:r>
+              <a:rPr lang="en-US" sz="2400" dirty="0">
+                <a:latin typeface="Consolas" panose="020B0609020204030204" pitchFamily="49" charset="0"/>
+                <a:ea typeface="Cascadia Mono SemiLight" panose="020B0609020000020004" pitchFamily="49" charset="0"/>
+                <a:cs typeface="Cascadia Mono SemiLight" panose="020B0609020000020004" pitchFamily="49" charset="0"/>
+              </a:rPr>
+              <a:t>print("Warning on")</a:t>
+            </a:r>
+          </a:p>
+          <a:p>
+            <a:pPr marL="457200" lvl="1" indent="0">
+              <a:buNone/>
+            </a:pPr>
+            <a:r>
+              <a:rPr lang="en-US" dirty="0">
+                <a:latin typeface="Consolas" panose="020B0609020204030204" pitchFamily="49" charset="0"/>
+                <a:ea typeface="Cascadia Mono SemiLight" panose="020B0609020000020004" pitchFamily="49" charset="0"/>
+                <a:cs typeface="Cascadia Mono SemiLight" panose="020B0609020000020004" pitchFamily="49" charset="0"/>
+              </a:rPr>
+              <a:t>now = time()</a:t>
+            </a:r>
+          </a:p>
+          <a:p>
+            <a:pPr marL="457200" lvl="1" indent="0">
+              <a:buNone/>
+            </a:pPr>
+            <a:r>
+              <a:rPr lang="en-US" dirty="0">
+                <a:latin typeface="Consolas" panose="020B0609020204030204" pitchFamily="49" charset="0"/>
+                <a:ea typeface="Cascadia Mono SemiLight" panose="020B0609020000020004" pitchFamily="49" charset="0"/>
+                <a:cs typeface="Cascadia Mono SemiLight" panose="020B0609020000020004" pitchFamily="49" charset="0"/>
+              </a:rPr>
+              <a:t>if now - self._</a:t>
+            </a:r>
+            <a:r>
+              <a:rPr lang="en-US" dirty="0" err="1">
+                <a:latin typeface="Consolas" panose="020B0609020204030204" pitchFamily="49" charset="0"/>
+                <a:ea typeface="Cascadia Mono SemiLight" panose="020B0609020000020004" pitchFamily="49" charset="0"/>
+                <a:cs typeface="Cascadia Mono SemiLight" panose="020B0609020000020004" pitchFamily="49" charset="0"/>
+              </a:rPr>
+              <a:t>last_toggle_time</a:t>
+            </a:r>
+            <a:r>
+              <a:rPr lang="en-US" dirty="0">
+                <a:latin typeface="Consolas" panose="020B0609020204030204" pitchFamily="49" charset="0"/>
+                <a:ea typeface="Cascadia Mono SemiLight" panose="020B0609020000020004" pitchFamily="49" charset="0"/>
+                <a:cs typeface="Cascadia Mono SemiLight" panose="020B0609020000020004" pitchFamily="49" charset="0"/>
+              </a:rPr>
+              <a:t> &gt;= 0.5:</a:t>
+            </a:r>
+          </a:p>
+          <a:p>
+            <a:pPr marL="914400" lvl="2" indent="0">
+              <a:buNone/>
+            </a:pPr>
+            <a:r>
+              <a:rPr lang="en-US" sz="2400" dirty="0" err="1">
+                <a:latin typeface="Consolas" panose="020B0609020204030204" pitchFamily="49" charset="0"/>
+                <a:ea typeface="Cascadia Mono SemiLight" panose="020B0609020000020004" pitchFamily="49" charset="0"/>
+                <a:cs typeface="Cascadia Mono SemiLight" panose="020B0609020000020004" pitchFamily="49" charset="0"/>
+              </a:rPr>
+              <a:t>self.beep</a:t>
+            </a:r>
+            <a:r>
+              <a:rPr lang="en-US" sz="2400" dirty="0">
+                <a:latin typeface="Consolas" panose="020B0609020204030204" pitchFamily="49" charset="0"/>
+                <a:ea typeface="Cascadia Mono SemiLight" panose="020B0609020000020004" pitchFamily="49" charset="0"/>
+                <a:cs typeface="Cascadia Mono SemiLight" panose="020B0609020000020004" pitchFamily="49" charset="0"/>
+              </a:rPr>
+              <a:t>(</a:t>
+            </a:r>
+            <a:r>
+              <a:rPr lang="en-US" sz="2400" dirty="0" err="1">
+                <a:latin typeface="Consolas" panose="020B0609020204030204" pitchFamily="49" charset="0"/>
+                <a:ea typeface="Cascadia Mono SemiLight" panose="020B0609020000020004" pitchFamily="49" charset="0"/>
+                <a:cs typeface="Cascadia Mono SemiLight" panose="020B0609020000020004" pitchFamily="49" charset="0"/>
+              </a:rPr>
+              <a:t>freq</a:t>
+            </a:r>
+            <a:r>
+              <a:rPr lang="en-US" sz="2400" dirty="0">
+                <a:latin typeface="Consolas" panose="020B0609020204030204" pitchFamily="49" charset="0"/>
+                <a:ea typeface="Cascadia Mono SemiLight" panose="020B0609020000020004" pitchFamily="49" charset="0"/>
+                <a:cs typeface="Cascadia Mono SemiLight" panose="020B0609020000020004" pitchFamily="49" charset="0"/>
+              </a:rPr>
+              <a:t>=500, duration=100)</a:t>
+            </a:r>
+          </a:p>
+          <a:p>
+            <a:pPr marL="914400" lvl="2" indent="0">
+              <a:buNone/>
+            </a:pPr>
+            <a:r>
+              <a:rPr lang="en-US" sz="2400" dirty="0">
+                <a:latin typeface="Consolas" panose="020B0609020204030204" pitchFamily="49" charset="0"/>
+                <a:ea typeface="Cascadia Mono SemiLight" panose="020B0609020000020004" pitchFamily="49" charset="0"/>
+                <a:cs typeface="Cascadia Mono SemiLight" panose="020B0609020000020004" pitchFamily="49" charset="0"/>
+              </a:rPr>
+              <a:t>self._</a:t>
+            </a:r>
+            <a:r>
+              <a:rPr lang="en-US" sz="2400" dirty="0" err="1">
+                <a:latin typeface="Consolas" panose="020B0609020204030204" pitchFamily="49" charset="0"/>
+                <a:ea typeface="Cascadia Mono SemiLight" panose="020B0609020000020004" pitchFamily="49" charset="0"/>
+                <a:cs typeface="Cascadia Mono SemiLight" panose="020B0609020000020004" pitchFamily="49" charset="0"/>
+              </a:rPr>
+              <a:t>last_toggle_time</a:t>
+            </a:r>
+            <a:r>
+              <a:rPr lang="en-US" sz="2400" dirty="0">
+                <a:latin typeface="Consolas" panose="020B0609020204030204" pitchFamily="49" charset="0"/>
+                <a:ea typeface="Cascadia Mono SemiLight" panose="020B0609020000020004" pitchFamily="49" charset="0"/>
+                <a:cs typeface="Cascadia Mono SemiLight" panose="020B0609020000020004" pitchFamily="49" charset="0"/>
+              </a:rPr>
+              <a:t> = now</a:t>
+            </a:r>
+            <a:endParaRPr lang="en-AU" sz="2400" dirty="0">
+              <a:latin typeface="Consolas" panose="020B0609020204030204" pitchFamily="49" charset="0"/>
+              <a:ea typeface="Cascadia Mono SemiLight" panose="020B0609020000020004" pitchFamily="49" charset="0"/>
+              <a:cs typeface="Cascadia Mono SemiLight" panose="020B0609020000020004" pitchFamily="49" charset="0"/>
+            </a:endParaRPr>
+          </a:p>
+        </p:txBody>
+      </p:sp>
+    </p:spTree>
+    <p:extLst>
+      <p:ext uri="{BB962C8B-B14F-4D97-AF65-F5344CB8AC3E}">
+        <p14:creationId xmlns:p14="http://schemas.microsoft.com/office/powerpoint/2010/main" val="250781987"/>
+      </p:ext>
+    </p:extLst>
+  </p:cSld>
+  <p:clrMapOvr>
+    <a:masterClrMapping/>
+  </p:clrMapOvr>
+</p:sld>
+</file>
+
+<file path=ppt/slides/slide9.xml><?xml version="1.0" encoding="utf-8"?>
+<p:sld xmlns:a="http://schemas.openxmlformats.org/drawingml/2006/main" xmlns:r="http://schemas.openxmlformats.org/officeDocument/2006/relationships" xmlns:p="http://schemas.openxmlformats.org/presentationml/2006/main">
+  <p:cSld>
+    <p:spTree>
+      <p:nvGrpSpPr>
+        <p:cNvPr id="1" name="">
+          <a:extLst>
+            <a:ext uri="{FF2B5EF4-FFF2-40B4-BE49-F238E27FC236}">
+              <a16:creationId xmlns:a16="http://schemas.microsoft.com/office/drawing/2014/main" id="{67FB7A19-58CC-E0B4-CDBB-B04C345A2B78}"/>
+            </a:ext>
+          </a:extLst>
+        </p:cNvPr>
+        <p:cNvGrpSpPr/>
+        <p:nvPr/>
+      </p:nvGrpSpPr>
+      <p:grpSpPr>
+        <a:xfrm>
+          <a:off x="0" y="0"/>
+          <a:ext cx="0" cy="0"/>
+          <a:chOff x="0" y="0"/>
+          <a:chExt cx="0" cy="0"/>
+        </a:xfrm>
+      </p:grpSpPr>
+      <p:sp>
+        <p:nvSpPr>
+          <p:cNvPr id="2" name="Title 1">
+            <a:extLst>
+              <a:ext uri="{FF2B5EF4-FFF2-40B4-BE49-F238E27FC236}">
+                <a16:creationId xmlns:a16="http://schemas.microsoft.com/office/drawing/2014/main" id="{CC5AB2E3-0264-0A28-D3E4-D79143C20C9B}"/>
+              </a:ext>
+            </a:extLst>
+          </p:cNvPr>
+          <p:cNvSpPr>
+            <a:spLocks noGrp="1"/>
+          </p:cNvSpPr>
+          <p:nvPr>
+            <p:ph type="title"/>
+          </p:nvPr>
+        </p:nvSpPr>
+        <p:spPr/>
+        <p:txBody>
+          <a:bodyPr/>
+          <a:lstStyle/>
+          <a:p>
+            <a:r>
+              <a:rPr lang="en-AU" dirty="0" err="1"/>
+              <a:t>Audio_Notification</a:t>
+            </a:r>
+            <a:r>
+              <a:rPr lang="en-AU" dirty="0"/>
+              <a:t> .</a:t>
+            </a:r>
+            <a:r>
+              <a:rPr lang="en-AU" dirty="0" err="1"/>
+              <a:t>warning_off</a:t>
+            </a:r>
+            <a:r>
+              <a:rPr lang="en-AU" dirty="0"/>
+              <a:t>() Method</a:t>
+            </a:r>
+          </a:p>
+        </p:txBody>
+      </p:sp>
+      <p:sp>
+        <p:nvSpPr>
+          <p:cNvPr id="3" name="Content Placeholder 2">
+            <a:extLst>
+              <a:ext uri="{FF2B5EF4-FFF2-40B4-BE49-F238E27FC236}">
+                <a16:creationId xmlns:a16="http://schemas.microsoft.com/office/drawing/2014/main" id="{1605187F-1C05-44CA-3DDB-B97C50F9CFB1}"/>
+              </a:ext>
+            </a:extLst>
+          </p:cNvPr>
+          <p:cNvSpPr>
+            <a:spLocks noGrp="1"/>
+          </p:cNvSpPr>
+          <p:nvPr>
+            <p:ph idx="1"/>
+          </p:nvPr>
+        </p:nvSpPr>
+        <p:spPr/>
+        <p:txBody>
+          <a:bodyPr>
+            <a:normAutofit/>
+          </a:bodyPr>
+          <a:lstStyle/>
+          <a:p>
+            <a:pPr marL="0" indent="0">
+              <a:buNone/>
+            </a:pPr>
+            <a:r>
+              <a:rPr lang="en-US" sz="2400" dirty="0">
+                <a:latin typeface="Consolas" panose="020B0609020204030204" pitchFamily="49" charset="0"/>
+              </a:rPr>
+              <a:t>def </a:t>
+            </a:r>
+            <a:r>
+              <a:rPr lang="en-US" sz="2400" dirty="0" err="1">
+                <a:latin typeface="Consolas" panose="020B0609020204030204" pitchFamily="49" charset="0"/>
+              </a:rPr>
+              <a:t>warning_off</a:t>
+            </a:r>
+            <a:r>
+              <a:rPr lang="en-US" sz="2400" dirty="0">
+                <a:latin typeface="Consolas" panose="020B0609020204030204" pitchFamily="49" charset="0"/>
+              </a:rPr>
+              <a:t>(self):</a:t>
+            </a:r>
+          </a:p>
+          <a:p>
+            <a:pPr marL="457200" lvl="1" indent="0">
+              <a:buNone/>
+            </a:pPr>
+            <a:r>
+              <a:rPr lang="en-US" dirty="0">
+                <a:latin typeface="Consolas" panose="020B0609020204030204" pitchFamily="49" charset="0"/>
+              </a:rPr>
+              <a:t>if </a:t>
+            </a:r>
+            <a:r>
+              <a:rPr lang="en-US" dirty="0" err="1">
+                <a:latin typeface="Consolas" panose="020B0609020204030204" pitchFamily="49" charset="0"/>
+              </a:rPr>
+              <a:t>self.__debug</a:t>
+            </a:r>
+            <a:r>
+              <a:rPr lang="en-US" dirty="0">
+                <a:latin typeface="Consolas" panose="020B0609020204030204" pitchFamily="49" charset="0"/>
+              </a:rPr>
+              <a:t>:</a:t>
+            </a:r>
+          </a:p>
+          <a:p>
+            <a:pPr marL="914400" lvl="2" indent="0">
+              <a:buNone/>
+            </a:pPr>
+            <a:r>
+              <a:rPr lang="en-US" sz="2400" dirty="0">
+                <a:latin typeface="Consolas" panose="020B0609020204030204" pitchFamily="49" charset="0"/>
+              </a:rPr>
+              <a:t>print("Warning off")</a:t>
+            </a:r>
+          </a:p>
+          <a:p>
+            <a:pPr marL="457200" lvl="1" indent="0">
+              <a:buNone/>
+            </a:pPr>
+            <a:r>
+              <a:rPr lang="en-US" dirty="0">
+                <a:latin typeface="Consolas" panose="020B0609020204030204" pitchFamily="49" charset="0"/>
+              </a:rPr>
+              <a:t>self.duty_u16(0)  # Turn off sound</a:t>
+            </a:r>
+          </a:p>
+        </p:txBody>
+      </p:sp>
+    </p:spTree>
+    <p:extLst>
+      <p:ext uri="{BB962C8B-B14F-4D97-AF65-F5344CB8AC3E}">
+        <p14:creationId xmlns:p14="http://schemas.microsoft.com/office/powerpoint/2010/main" val="2318578117"/>
       </p:ext>
     </p:extLst>
   </p:cSld>

--- a/tutorials/presentations/Lecture5.pptx
+++ b/tutorials/presentations/Lecture5.pptx
@@ -135,7 +135,7 @@
   <pc:docChgLst>
     <pc:chgData name="Ben Jones (Ben Jones)" userId="e6e8a0f3-34fe-4d14-b7ab-3a9f1769fff2" providerId="ADAL" clId="{4E3DAEEB-26E7-4233-9790-448007061F33}"/>
     <pc:docChg chg="custSel addSld delSld modSld">
-      <pc:chgData name="Ben Jones (Ben Jones)" userId="e6e8a0f3-34fe-4d14-b7ab-3a9f1769fff2" providerId="ADAL" clId="{4E3DAEEB-26E7-4233-9790-448007061F33}" dt="2025-06-11T12:13:23.611" v="323" actId="20577"/>
+      <pc:chgData name="Ben Jones (Ben Jones)" userId="e6e8a0f3-34fe-4d14-b7ab-3a9f1769fff2" providerId="ADAL" clId="{4E3DAEEB-26E7-4233-9790-448007061F33}" dt="2025-06-11T13:08:47.152" v="328" actId="948"/>
       <pc:docMkLst>
         <pc:docMk/>
       </pc:docMkLst>
@@ -208,7 +208,7 @@
         </pc:sldMkLst>
       </pc:sldChg>
       <pc:sldChg chg="modSp mod">
-        <pc:chgData name="Ben Jones (Ben Jones)" userId="e6e8a0f3-34fe-4d14-b7ab-3a9f1769fff2" providerId="ADAL" clId="{4E3DAEEB-26E7-4233-9790-448007061F33}" dt="2025-06-11T12:05:38.035" v="130"/>
+        <pc:chgData name="Ben Jones (Ben Jones)" userId="e6e8a0f3-34fe-4d14-b7ab-3a9f1769fff2" providerId="ADAL" clId="{4E3DAEEB-26E7-4233-9790-448007061F33}" dt="2025-06-11T13:08:20.365" v="325" actId="948"/>
         <pc:sldMkLst>
           <pc:docMk/>
           <pc:sldMk cId="4286823996" sldId="268"/>
@@ -222,7 +222,7 @@
           </ac:spMkLst>
         </pc:spChg>
         <pc:spChg chg="mod">
-          <ac:chgData name="Ben Jones (Ben Jones)" userId="e6e8a0f3-34fe-4d14-b7ab-3a9f1769fff2" providerId="ADAL" clId="{4E3DAEEB-26E7-4233-9790-448007061F33}" dt="2025-06-11T12:03:31.364" v="72" actId="2711"/>
+          <ac:chgData name="Ben Jones (Ben Jones)" userId="e6e8a0f3-34fe-4d14-b7ab-3a9f1769fff2" providerId="ADAL" clId="{4E3DAEEB-26E7-4233-9790-448007061F33}" dt="2025-06-11T13:08:20.365" v="325" actId="948"/>
           <ac:spMkLst>
             <pc:docMk/>
             <pc:sldMk cId="4286823996" sldId="268"/>
@@ -238,7 +238,7 @@
         </pc:sldMkLst>
       </pc:sldChg>
       <pc:sldChg chg="modSp mod">
-        <pc:chgData name="Ben Jones (Ben Jones)" userId="e6e8a0f3-34fe-4d14-b7ab-3a9f1769fff2" providerId="ADAL" clId="{4E3DAEEB-26E7-4233-9790-448007061F33}" dt="2025-06-11T12:10:27.294" v="240" actId="255"/>
+        <pc:chgData name="Ben Jones (Ben Jones)" userId="e6e8a0f3-34fe-4d14-b7ab-3a9f1769fff2" providerId="ADAL" clId="{4E3DAEEB-26E7-4233-9790-448007061F33}" dt="2025-06-11T13:08:28.358" v="326" actId="948"/>
         <pc:sldMkLst>
           <pc:docMk/>
           <pc:sldMk cId="3935255901" sldId="271"/>
@@ -252,7 +252,7 @@
           </ac:spMkLst>
         </pc:spChg>
         <pc:spChg chg="mod">
-          <ac:chgData name="Ben Jones (Ben Jones)" userId="e6e8a0f3-34fe-4d14-b7ab-3a9f1769fff2" providerId="ADAL" clId="{4E3DAEEB-26E7-4233-9790-448007061F33}" dt="2025-06-11T12:10:27.294" v="240" actId="255"/>
+          <ac:chgData name="Ben Jones (Ben Jones)" userId="e6e8a0f3-34fe-4d14-b7ab-3a9f1769fff2" providerId="ADAL" clId="{4E3DAEEB-26E7-4233-9790-448007061F33}" dt="2025-06-11T13:08:28.358" v="326" actId="948"/>
           <ac:spMkLst>
             <pc:docMk/>
             <pc:sldMk cId="3935255901" sldId="271"/>
@@ -275,7 +275,7 @@
         </pc:sldMkLst>
       </pc:sldChg>
       <pc:sldChg chg="modSp add mod">
-        <pc:chgData name="Ben Jones (Ben Jones)" userId="e6e8a0f3-34fe-4d14-b7ab-3a9f1769fff2" providerId="ADAL" clId="{4E3DAEEB-26E7-4233-9790-448007061F33}" dt="2025-06-11T12:04:21.560" v="129" actId="255"/>
+        <pc:chgData name="Ben Jones (Ben Jones)" userId="e6e8a0f3-34fe-4d14-b7ab-3a9f1769fff2" providerId="ADAL" clId="{4E3DAEEB-26E7-4233-9790-448007061F33}" dt="2025-06-11T13:08:12.001" v="324" actId="948"/>
         <pc:sldMkLst>
           <pc:docMk/>
           <pc:sldMk cId="337397789" sldId="274"/>
@@ -289,7 +289,7 @@
           </ac:spMkLst>
         </pc:spChg>
         <pc:spChg chg="mod">
-          <ac:chgData name="Ben Jones (Ben Jones)" userId="e6e8a0f3-34fe-4d14-b7ab-3a9f1769fff2" providerId="ADAL" clId="{4E3DAEEB-26E7-4233-9790-448007061F33}" dt="2025-06-11T12:04:21.560" v="129" actId="255"/>
+          <ac:chgData name="Ben Jones (Ben Jones)" userId="e6e8a0f3-34fe-4d14-b7ab-3a9f1769fff2" providerId="ADAL" clId="{4E3DAEEB-26E7-4233-9790-448007061F33}" dt="2025-06-11T13:08:12.001" v="324" actId="948"/>
           <ac:spMkLst>
             <pc:docMk/>
             <pc:sldMk cId="337397789" sldId="274"/>
@@ -298,7 +298,7 @@
         </pc:spChg>
       </pc:sldChg>
       <pc:sldChg chg="modSp add mod">
-        <pc:chgData name="Ben Jones (Ben Jones)" userId="e6e8a0f3-34fe-4d14-b7ab-3a9f1769fff2" providerId="ADAL" clId="{4E3DAEEB-26E7-4233-9790-448007061F33}" dt="2025-06-11T12:07:55.359" v="193" actId="255"/>
+        <pc:chgData name="Ben Jones (Ben Jones)" userId="e6e8a0f3-34fe-4d14-b7ab-3a9f1769fff2" providerId="ADAL" clId="{4E3DAEEB-26E7-4233-9790-448007061F33}" dt="2025-06-11T13:08:37.957" v="327" actId="948"/>
         <pc:sldMkLst>
           <pc:docMk/>
           <pc:sldMk cId="250781987" sldId="275"/>
@@ -312,7 +312,7 @@
           </ac:spMkLst>
         </pc:spChg>
         <pc:spChg chg="mod">
-          <ac:chgData name="Ben Jones (Ben Jones)" userId="e6e8a0f3-34fe-4d14-b7ab-3a9f1769fff2" providerId="ADAL" clId="{4E3DAEEB-26E7-4233-9790-448007061F33}" dt="2025-06-11T12:07:55.359" v="193" actId="255"/>
+          <ac:chgData name="Ben Jones (Ben Jones)" userId="e6e8a0f3-34fe-4d14-b7ab-3a9f1769fff2" providerId="ADAL" clId="{4E3DAEEB-26E7-4233-9790-448007061F33}" dt="2025-06-11T13:08:37.957" v="327" actId="948"/>
           <ac:spMkLst>
             <pc:docMk/>
             <pc:sldMk cId="250781987" sldId="275"/>
@@ -321,7 +321,7 @@
         </pc:spChg>
       </pc:sldChg>
       <pc:sldChg chg="modSp add mod">
-        <pc:chgData name="Ben Jones (Ben Jones)" userId="e6e8a0f3-34fe-4d14-b7ab-3a9f1769fff2" providerId="ADAL" clId="{4E3DAEEB-26E7-4233-9790-448007061F33}" dt="2025-06-11T12:09:23.164" v="218" actId="255"/>
+        <pc:chgData name="Ben Jones (Ben Jones)" userId="e6e8a0f3-34fe-4d14-b7ab-3a9f1769fff2" providerId="ADAL" clId="{4E3DAEEB-26E7-4233-9790-448007061F33}" dt="2025-06-11T13:08:47.152" v="328" actId="948"/>
         <pc:sldMkLst>
           <pc:docMk/>
           <pc:sldMk cId="2318578117" sldId="276"/>
@@ -335,7 +335,7 @@
           </ac:spMkLst>
         </pc:spChg>
         <pc:spChg chg="mod">
-          <ac:chgData name="Ben Jones (Ben Jones)" userId="e6e8a0f3-34fe-4d14-b7ab-3a9f1769fff2" providerId="ADAL" clId="{4E3DAEEB-26E7-4233-9790-448007061F33}" dt="2025-06-11T12:09:23.164" v="218" actId="255"/>
+          <ac:chgData name="Ben Jones (Ben Jones)" userId="e6e8a0f3-34fe-4d14-b7ab-3a9f1769fff2" providerId="ADAL" clId="{4E3DAEEB-26E7-4233-9790-448007061F33}" dt="2025-06-11T13:08:47.152" v="328" actId="948"/>
           <ac:spMkLst>
             <pc:docMk/>
             <pc:sldMk cId="2318578117" sldId="276"/>
@@ -5667,6 +5667,12 @@
           <a:lstStyle/>
           <a:p>
             <a:pPr marL="0" indent="0">
+              <a:lnSpc>
+                <a:spcPct val="100000"/>
+              </a:lnSpc>
+              <a:spcBef>
+                <a:spcPts val="0"/>
+              </a:spcBef>
               <a:buNone/>
             </a:pPr>
             <a:r>
@@ -5678,6 +5684,12 @@
           </a:p>
           <a:p>
             <a:pPr marL="0" indent="0">
+              <a:lnSpc>
+                <a:spcPct val="100000"/>
+              </a:lnSpc>
+              <a:spcBef>
+                <a:spcPts val="0"/>
+              </a:spcBef>
               <a:buNone/>
             </a:pPr>
             <a:r>
@@ -5775,6 +5787,12 @@
           <a:lstStyle/>
           <a:p>
             <a:pPr marL="0" indent="0">
+              <a:lnSpc>
+                <a:spcPct val="100000"/>
+              </a:lnSpc>
+              <a:spcBef>
+                <a:spcPts val="0"/>
+              </a:spcBef>
               <a:buNone/>
             </a:pPr>
             <a:r>
@@ -5798,6 +5816,12 @@
           </a:p>
           <a:p>
             <a:pPr marL="457200" lvl="1" indent="0">
+              <a:lnSpc>
+                <a:spcPct val="100000"/>
+              </a:lnSpc>
+              <a:spcBef>
+                <a:spcPts val="0"/>
+              </a:spcBef>
               <a:buNone/>
             </a:pPr>
             <a:r>
@@ -5821,6 +5845,12 @@
           </a:p>
           <a:p>
             <a:pPr marL="914400" lvl="2" indent="0">
+              <a:lnSpc>
+                <a:spcPct val="100000"/>
+              </a:lnSpc>
+              <a:spcBef>
+                <a:spcPts val="0"/>
+              </a:spcBef>
               <a:buNone/>
             </a:pPr>
             <a:r>
@@ -5844,6 +5874,12 @@
           </a:p>
           <a:p>
             <a:pPr marL="914400" lvl="2" indent="0">
+              <a:lnSpc>
+                <a:spcPct val="100000"/>
+              </a:lnSpc>
+              <a:spcBef>
+                <a:spcPts val="0"/>
+              </a:spcBef>
               <a:buNone/>
             </a:pPr>
             <a:r>
@@ -5861,6 +5897,12 @@
           </a:p>
           <a:p>
             <a:pPr marL="914400" lvl="2" indent="0">
+              <a:lnSpc>
+                <a:spcPct val="100000"/>
+              </a:lnSpc>
+              <a:spcBef>
+                <a:spcPts val="0"/>
+              </a:spcBef>
               <a:buNone/>
             </a:pPr>
             <a:r>
@@ -5872,6 +5914,12 @@
           </a:p>
           <a:p>
             <a:pPr marL="914400" lvl="2" indent="0">
+              <a:lnSpc>
+                <a:spcPct val="100000"/>
+              </a:lnSpc>
+              <a:spcBef>
+                <a:spcPts val="0"/>
+              </a:spcBef>
               <a:buNone/>
             </a:pPr>
             <a:r>
@@ -5987,6 +6035,12 @@
           <a:lstStyle/>
           <a:p>
             <a:pPr marL="0" indent="0">
+              <a:lnSpc>
+                <a:spcPct val="100000"/>
+              </a:lnSpc>
+              <a:spcBef>
+                <a:spcPts val="0"/>
+              </a:spcBef>
               <a:buNone/>
             </a:pPr>
             <a:r>
@@ -6016,6 +6070,12 @@
           </a:p>
           <a:p>
             <a:pPr marL="457200" lvl="1" indent="0">
+              <a:lnSpc>
+                <a:spcPct val="100000"/>
+              </a:lnSpc>
+              <a:spcBef>
+                <a:spcPts val="0"/>
+              </a:spcBef>
               <a:buNone/>
             </a:pPr>
             <a:r>
@@ -6039,6 +6099,12 @@
           </a:p>
           <a:p>
             <a:pPr marL="914400" lvl="2" indent="0">
+              <a:lnSpc>
+                <a:spcPct val="100000"/>
+              </a:lnSpc>
+              <a:spcBef>
+                <a:spcPts val="0"/>
+              </a:spcBef>
               <a:buNone/>
             </a:pPr>
             <a:r>
@@ -6055,6 +6121,12 @@
           </a:p>
           <a:p>
             <a:pPr marL="457200" lvl="1" indent="0">
+              <a:lnSpc>
+                <a:spcPct val="100000"/>
+              </a:lnSpc>
+              <a:spcBef>
+                <a:spcPts val="0"/>
+              </a:spcBef>
               <a:buNone/>
             </a:pPr>
             <a:r>
@@ -6092,6 +6164,12 @@
           </a:p>
           <a:p>
             <a:pPr marL="457200" lvl="1" indent="0">
+              <a:lnSpc>
+                <a:spcPct val="100000"/>
+              </a:lnSpc>
+              <a:spcBef>
+                <a:spcPts val="0"/>
+              </a:spcBef>
               <a:buNone/>
             </a:pPr>
             <a:r>
@@ -6105,6 +6183,12 @@
           </a:p>
           <a:p>
             <a:pPr marL="457200" lvl="1" indent="0">
+              <a:lnSpc>
+                <a:spcPct val="100000"/>
+              </a:lnSpc>
+              <a:spcBef>
+                <a:spcPts val="0"/>
+              </a:spcBef>
               <a:buNone/>
             </a:pPr>
             <a:r>
@@ -6118,6 +6202,12 @@
           </a:p>
           <a:p>
             <a:pPr marL="457200" lvl="1" indent="0">
+              <a:lnSpc>
+                <a:spcPct val="100000"/>
+              </a:lnSpc>
+              <a:spcBef>
+                <a:spcPts val="0"/>
+              </a:spcBef>
               <a:buNone/>
             </a:pPr>
             <a:r>
@@ -6236,6 +6326,12 @@
           <a:lstStyle/>
           <a:p>
             <a:pPr marL="0" indent="0">
+              <a:lnSpc>
+                <a:spcPct val="100000"/>
+              </a:lnSpc>
+              <a:spcBef>
+                <a:spcPts val="0"/>
+              </a:spcBef>
               <a:buNone/>
             </a:pPr>
             <a:r>
@@ -6265,6 +6361,12 @@
           </a:p>
           <a:p>
             <a:pPr marL="457200" lvl="1" indent="0">
+              <a:lnSpc>
+                <a:spcPct val="100000"/>
+              </a:lnSpc>
+              <a:spcBef>
+                <a:spcPts val="0"/>
+              </a:spcBef>
               <a:buNone/>
             </a:pPr>
             <a:r>
@@ -6294,6 +6396,12 @@
           </a:p>
           <a:p>
             <a:pPr marL="914400" lvl="2" indent="0">
+              <a:lnSpc>
+                <a:spcPct val="100000"/>
+              </a:lnSpc>
+              <a:spcBef>
+                <a:spcPts val="0"/>
+              </a:spcBef>
               <a:buNone/>
             </a:pPr>
             <a:r>
@@ -6307,6 +6415,12 @@
           </a:p>
           <a:p>
             <a:pPr marL="457200" lvl="1" indent="0">
+              <a:lnSpc>
+                <a:spcPct val="100000"/>
+              </a:lnSpc>
+              <a:spcBef>
+                <a:spcPts val="0"/>
+              </a:spcBef>
               <a:buNone/>
             </a:pPr>
             <a:r>
@@ -6320,6 +6434,12 @@
           </a:p>
           <a:p>
             <a:pPr marL="457200" lvl="1" indent="0">
+              <a:lnSpc>
+                <a:spcPct val="100000"/>
+              </a:lnSpc>
+              <a:spcBef>
+                <a:spcPts val="0"/>
+              </a:spcBef>
               <a:buNone/>
             </a:pPr>
             <a:r>
@@ -6349,6 +6469,12 @@
           </a:p>
           <a:p>
             <a:pPr marL="914400" lvl="2" indent="0">
+              <a:lnSpc>
+                <a:spcPct val="100000"/>
+              </a:lnSpc>
+              <a:spcBef>
+                <a:spcPts val="0"/>
+              </a:spcBef>
               <a:buNone/>
             </a:pPr>
             <a:r>
@@ -6386,6 +6512,12 @@
           </a:p>
           <a:p>
             <a:pPr marL="914400" lvl="2" indent="0">
+              <a:lnSpc>
+                <a:spcPct val="100000"/>
+              </a:lnSpc>
+              <a:spcBef>
+                <a:spcPts val="0"/>
+              </a:spcBef>
               <a:buNone/>
             </a:pPr>
             <a:r>
@@ -6520,6 +6652,12 @@
           <a:lstStyle/>
           <a:p>
             <a:pPr marL="0" indent="0">
+              <a:lnSpc>
+                <a:spcPct val="100000"/>
+              </a:lnSpc>
+              <a:spcBef>
+                <a:spcPts val="0"/>
+              </a:spcBef>
               <a:buNone/>
             </a:pPr>
             <a:r>
@@ -6543,6 +6681,12 @@
           </a:p>
           <a:p>
             <a:pPr marL="457200" lvl="1" indent="0">
+              <a:lnSpc>
+                <a:spcPct val="100000"/>
+              </a:lnSpc>
+              <a:spcBef>
+                <a:spcPts val="0"/>
+              </a:spcBef>
               <a:buNone/>
             </a:pPr>
             <a:r>
@@ -6566,6 +6710,12 @@
           </a:p>
           <a:p>
             <a:pPr marL="914400" lvl="2" indent="0">
+              <a:lnSpc>
+                <a:spcPct val="100000"/>
+              </a:lnSpc>
+              <a:spcBef>
+                <a:spcPts val="0"/>
+              </a:spcBef>
               <a:buNone/>
             </a:pPr>
             <a:r>
@@ -6577,6 +6727,12 @@
           </a:p>
           <a:p>
             <a:pPr marL="457200" lvl="1" indent="0">
+              <a:lnSpc>
+                <a:spcPct val="100000"/>
+              </a:lnSpc>
+              <a:spcBef>
+                <a:spcPts val="0"/>
+              </a:spcBef>
               <a:buNone/>
             </a:pPr>
             <a:r>

--- a/tutorials/presentations/Lecture5.pptx
+++ b/tutorials/presentations/Lecture5.pptx
@@ -135,10 +135,25 @@
   <pc:docChgLst>
     <pc:chgData name="Ben Jones (Ben Jones)" userId="e6e8a0f3-34fe-4d14-b7ab-3a9f1769fff2" providerId="ADAL" clId="{4E3DAEEB-26E7-4233-9790-448007061F33}"/>
     <pc:docChg chg="custSel addSld delSld modSld">
-      <pc:chgData name="Ben Jones (Ben Jones)" userId="e6e8a0f3-34fe-4d14-b7ab-3a9f1769fff2" providerId="ADAL" clId="{4E3DAEEB-26E7-4233-9790-448007061F33}" dt="2025-06-11T13:08:47.152" v="328" actId="948"/>
+      <pc:chgData name="Ben Jones (Ben Jones)" userId="e6e8a0f3-34fe-4d14-b7ab-3a9f1769fff2" providerId="ADAL" clId="{4E3DAEEB-26E7-4233-9790-448007061F33}" dt="2025-06-11T13:46:28.703" v="330" actId="20577"/>
       <pc:docMkLst>
         <pc:docMk/>
       </pc:docMkLst>
+      <pc:sldChg chg="modSp mod">
+        <pc:chgData name="Ben Jones (Ben Jones)" userId="e6e8a0f3-34fe-4d14-b7ab-3a9f1769fff2" providerId="ADAL" clId="{4E3DAEEB-26E7-4233-9790-448007061F33}" dt="2025-06-11T13:46:28.703" v="330" actId="20577"/>
+        <pc:sldMkLst>
+          <pc:docMk/>
+          <pc:sldMk cId="4046351447" sldId="256"/>
+        </pc:sldMkLst>
+        <pc:spChg chg="mod">
+          <ac:chgData name="Ben Jones (Ben Jones)" userId="e6e8a0f3-34fe-4d14-b7ab-3a9f1769fff2" providerId="ADAL" clId="{4E3DAEEB-26E7-4233-9790-448007061F33}" dt="2025-06-11T13:46:28.703" v="330" actId="20577"/>
+          <ac:spMkLst>
+            <pc:docMk/>
+            <pc:sldMk cId="4046351447" sldId="256"/>
+            <ac:spMk id="3" creationId="{2007677D-E31B-D163-E787-0648982398C7}"/>
+          </ac:spMkLst>
+        </pc:spChg>
+      </pc:sldChg>
       <pc:sldChg chg="modSp mod">
         <pc:chgData name="Ben Jones (Ben Jones)" userId="e6e8a0f3-34fe-4d14-b7ab-3a9f1769fff2" providerId="ADAL" clId="{4E3DAEEB-26E7-4233-9790-448007061F33}" dt="2025-06-11T12:13:23.611" v="323" actId="20577"/>
         <pc:sldMkLst>
@@ -4891,8 +4906,10 @@
           <a:p>
             <a:r>
               <a:rPr lang="en-AU"/>
-              <a:t>Lecture 4</a:t>
-            </a:r>
+              <a:t>Lecture 5</a:t>
+            </a:r>
+          </a:p>
+          <a:p>
             <a:endParaRPr lang="en-AU" dirty="0"/>
           </a:p>
         </p:txBody>
